--- a/ARM 範本部屬  & Azure Logic Apps.pptx
+++ b/ARM 範本部屬  & Azure Logic Apps.pptx
@@ -6,7 +6,7 @@
     <p:sldMasterId id="2147483721" r:id="rId5"/>
   </p:sldMasterIdLst>
   <p:notesMasterIdLst>
-    <p:notesMasterId r:id="rId26"/>
+    <p:notesMasterId r:id="rId36"/>
   </p:notesMasterIdLst>
   <p:sldIdLst>
     <p:sldId id="257" r:id="rId6"/>
@@ -19,16 +19,26 @@
     <p:sldId id="371" r:id="rId13"/>
     <p:sldId id="372" r:id="rId14"/>
     <p:sldId id="373" r:id="rId15"/>
-    <p:sldId id="374" r:id="rId16"/>
-    <p:sldId id="368" r:id="rId17"/>
-    <p:sldId id="369" r:id="rId18"/>
-    <p:sldId id="375" r:id="rId19"/>
-    <p:sldId id="380" r:id="rId20"/>
-    <p:sldId id="379" r:id="rId21"/>
-    <p:sldId id="377" r:id="rId22"/>
-    <p:sldId id="378" r:id="rId23"/>
-    <p:sldId id="366" r:id="rId24"/>
-    <p:sldId id="360" r:id="rId25"/>
+    <p:sldId id="388" r:id="rId16"/>
+    <p:sldId id="390" r:id="rId17"/>
+    <p:sldId id="389" r:id="rId18"/>
+    <p:sldId id="374" r:id="rId19"/>
+    <p:sldId id="368" r:id="rId20"/>
+    <p:sldId id="369" r:id="rId21"/>
+    <p:sldId id="381" r:id="rId22"/>
+    <p:sldId id="375" r:id="rId23"/>
+    <p:sldId id="380" r:id="rId24"/>
+    <p:sldId id="379" r:id="rId25"/>
+    <p:sldId id="377" r:id="rId26"/>
+    <p:sldId id="378" r:id="rId27"/>
+    <p:sldId id="383" r:id="rId28"/>
+    <p:sldId id="386" r:id="rId29"/>
+    <p:sldId id="384" r:id="rId30"/>
+    <p:sldId id="385" r:id="rId31"/>
+    <p:sldId id="382" r:id="rId32"/>
+    <p:sldId id="366" r:id="rId33"/>
+    <p:sldId id="387" r:id="rId34"/>
+    <p:sldId id="360" r:id="rId35"/>
   </p:sldIdLst>
   <p:sldSz cx="12192000" cy="6858000"/>
   <p:notesSz cx="6858000" cy="9144000"/>
@@ -980,39 +990,126 @@
           <a:lstStyle/>
           <a:p>
             <a:r>
-              <a:rPr lang="zh-TW" altLang="en-US" sz="1200" dirty="0"/>
-              <a:t>資源管理器會將範本轉換為 </a:t>
-            </a:r>
-            <a:r>
-              <a:rPr lang="en-US" altLang="zh-TW" sz="1200" dirty="0"/>
-              <a:t>REST API </a:t>
-            </a:r>
-            <a:r>
-              <a:rPr lang="zh-TW" altLang="en-US" sz="1200" dirty="0"/>
-              <a:t>操作</a:t>
-            </a:r>
-            <a:endParaRPr lang="en-US" altLang="zh-TW" sz="1200" dirty="0">
-              <a:latin typeface="標楷體" panose="03000509000000000000" pitchFamily="65" charset="-120"/>
-              <a:ea typeface="標楷體" panose="03000509000000000000" pitchFamily="65" charset="-120"/>
+              <a:rPr lang="en-US" altLang="zh-TW" dirty="0">
+                <a:solidFill>
+                  <a:schemeClr val="accent1">
+                    <a:lumMod val="50000"/>
+                  </a:schemeClr>
+                </a:solidFill>
+              </a:rPr>
+              <a:t>New-</a:t>
+            </a:r>
+            <a:r>
+              <a:rPr lang="en-US" altLang="zh-TW" dirty="0" err="1">
+                <a:solidFill>
+                  <a:schemeClr val="accent1">
+                    <a:lumMod val="50000"/>
+                  </a:schemeClr>
+                </a:solidFill>
+              </a:rPr>
+              <a:t>AzResourceGroupDeployment</a:t>
+            </a:r>
+            <a:r>
+              <a:rPr lang="zh-TW" altLang="en-US" dirty="0">
+                <a:solidFill>
+                  <a:schemeClr val="accent1">
+                    <a:lumMod val="50000"/>
+                  </a:schemeClr>
+                </a:solidFill>
+              </a:rPr>
+              <a:t>設定 </a:t>
+            </a:r>
+            <a:r>
+              <a:rPr lang="en-US" altLang="zh-TW" dirty="0">
+                <a:solidFill>
+                  <a:schemeClr val="accent1">
+                    <a:lumMod val="50000"/>
+                  </a:schemeClr>
+                </a:solidFill>
+              </a:rPr>
+              <a:t>Name</a:t>
+            </a:r>
+            <a:r>
+              <a:rPr lang="zh-TW" altLang="en-US" dirty="0">
+                <a:solidFill>
+                  <a:schemeClr val="accent1">
+                    <a:lumMod val="50000"/>
+                  </a:schemeClr>
+                </a:solidFill>
+              </a:rPr>
+              <a:t> </a:t>
+            </a:r>
+            <a:r>
+              <a:rPr lang="zh-TW" altLang="en-US" sz="1200" b="0" i="0" kern="1200" dirty="0">
+                <a:solidFill>
+                  <a:schemeClr val="tx1"/>
+                </a:solidFill>
+                <a:effectLst/>
+                <a:latin typeface="+mn-lt"/>
+                <a:ea typeface="+mn-ea"/>
+                <a:cs typeface="+mn-cs"/>
+              </a:rPr>
+              <a:t>名稱相同會複寫</a:t>
+            </a:r>
+            <a:endParaRPr lang="en-US" altLang="zh-TW" sz="1200" b="0" i="0" kern="1200" dirty="0">
+              <a:solidFill>
+                <a:schemeClr val="tx1"/>
+              </a:solidFill>
+              <a:effectLst/>
+              <a:latin typeface="+mn-lt"/>
+              <a:ea typeface="+mn-ea"/>
+              <a:cs typeface="+mn-cs"/>
             </a:endParaRPr>
           </a:p>
           <a:p>
-            <a:endParaRPr lang="en-US" altLang="zh-TW" sz="1200" dirty="0">
-              <a:latin typeface="標楷體" panose="03000509000000000000" pitchFamily="65" charset="-120"/>
-              <a:ea typeface="標楷體" panose="03000509000000000000" pitchFamily="65" charset="-120"/>
+            <a:r>
+              <a:rPr lang="zh-TW" altLang="en-US" sz="1200" b="0" i="0" kern="1200" dirty="0">
+                <a:solidFill>
+                  <a:schemeClr val="tx1"/>
+                </a:solidFill>
+                <a:effectLst/>
+                <a:latin typeface="+mn-lt"/>
+                <a:ea typeface="+mn-ea"/>
+                <a:cs typeface="+mn-cs"/>
+              </a:rPr>
+              <a:t>沒指定名稱會預設代</a:t>
+            </a:r>
+            <a:r>
+              <a:rPr lang="en-US" altLang="zh-TW" sz="1200" b="0" i="0" kern="1200" dirty="0">
+                <a:solidFill>
+                  <a:schemeClr val="tx1"/>
+                </a:solidFill>
+                <a:effectLst/>
+                <a:latin typeface="+mn-lt"/>
+                <a:ea typeface="+mn-ea"/>
+                <a:cs typeface="+mn-cs"/>
+              </a:rPr>
+              <a:t>Template </a:t>
+            </a:r>
+            <a:r>
+              <a:rPr lang="zh-TW" altLang="en-US" sz="1200" b="0" i="0" kern="1200" dirty="0">
+                <a:solidFill>
+                  <a:schemeClr val="tx1"/>
+                </a:solidFill>
+                <a:effectLst/>
+                <a:latin typeface="+mn-lt"/>
+                <a:ea typeface="+mn-ea"/>
+                <a:cs typeface="+mn-cs"/>
+              </a:rPr>
+              <a:t>檔名</a:t>
+            </a:r>
+            <a:endParaRPr lang="en-US" altLang="zh-TW" sz="1200" b="0" i="0" kern="1200" dirty="0">
+              <a:solidFill>
+                <a:schemeClr val="tx1"/>
+              </a:solidFill>
+              <a:effectLst/>
+              <a:latin typeface="+mn-lt"/>
+              <a:ea typeface="+mn-ea"/>
+              <a:cs typeface="+mn-cs"/>
             </a:endParaRPr>
           </a:p>
           <a:p>
-            <a:endParaRPr lang="en-US" altLang="zh-TW" sz="1200" dirty="0">
-              <a:latin typeface="標楷體" panose="03000509000000000000" pitchFamily="65" charset="-120"/>
-              <a:ea typeface="標楷體" panose="03000509000000000000" pitchFamily="65" charset="-120"/>
-            </a:endParaRPr>
-          </a:p>
-          <a:p>
-            <a:endParaRPr lang="zh-TW" altLang="en-US" sz="1200" dirty="0">
-              <a:latin typeface="標楷體" panose="03000509000000000000" pitchFamily="65" charset="-120"/>
-              <a:ea typeface="標楷體" panose="03000509000000000000" pitchFamily="65" charset="-120"/>
-            </a:endParaRPr>
+            <a:endParaRPr lang="zh-TW" altLang="en-US" dirty="0"/>
           </a:p>
         </p:txBody>
       </p:sp>
@@ -1043,7 +1140,7 @@
     </p:spTree>
     <p:extLst>
       <p:ext uri="{BB962C8B-B14F-4D97-AF65-F5344CB8AC3E}">
-        <p14:creationId xmlns:p14="http://schemas.microsoft.com/office/powerpoint/2010/main" val="302817278"/>
+        <p14:creationId xmlns:p14="http://schemas.microsoft.com/office/powerpoint/2010/main" val="1909726845"/>
       </p:ext>
     </p:extLst>
   </p:cSld>
@@ -1097,22 +1194,55 @@
           <a:bodyPr/>
           <a:lstStyle/>
           <a:p>
-            <a:endParaRPr lang="en-US" altLang="zh-TW" sz="1200" dirty="0">
-              <a:latin typeface="標楷體" panose="03000509000000000000" pitchFamily="65" charset="-120"/>
-              <a:ea typeface="標楷體" panose="03000509000000000000" pitchFamily="65" charset="-120"/>
-            </a:endParaRPr>
-          </a:p>
-          <a:p>
-            <a:endParaRPr lang="en-US" altLang="zh-TW" sz="1200" dirty="0">
-              <a:latin typeface="標楷體" panose="03000509000000000000" pitchFamily="65" charset="-120"/>
-              <a:ea typeface="標楷體" panose="03000509000000000000" pitchFamily="65" charset="-120"/>
-            </a:endParaRPr>
-          </a:p>
-          <a:p>
-            <a:endParaRPr lang="zh-TW" altLang="en-US" sz="1200" dirty="0">
-              <a:latin typeface="標楷體" panose="03000509000000000000" pitchFamily="65" charset="-120"/>
-              <a:ea typeface="標楷體" panose="03000509000000000000" pitchFamily="65" charset="-120"/>
-            </a:endParaRPr>
+            <a:r>
+              <a:rPr lang="zh-TW" altLang="en-US" sz="1200" b="0" i="0" kern="1200" dirty="0" smtClean="0">
+                <a:solidFill>
+                  <a:schemeClr val="tx1"/>
+                </a:solidFill>
+                <a:effectLst/>
+                <a:latin typeface="+mn-lt"/>
+                <a:ea typeface="+mn-ea"/>
+                <a:cs typeface="+mn-cs"/>
+              </a:rPr>
+              <a:t>只要是</a:t>
+            </a:r>
+            <a:r>
+              <a:rPr lang="en-US" altLang="zh-TW" sz="1200" b="0" i="0" kern="1200" dirty="0" smtClean="0">
+                <a:solidFill>
+                  <a:schemeClr val="tx1"/>
+                </a:solidFill>
+                <a:effectLst/>
+                <a:latin typeface="+mn-lt"/>
+                <a:ea typeface="+mn-ea"/>
+                <a:cs typeface="+mn-cs"/>
+              </a:rPr>
+              <a:t>[</a:t>
+            </a:r>
+            <a:r>
+              <a:rPr lang="zh-TW" altLang="en-US" sz="1200" b="0" i="0" kern="1200" dirty="0" smtClean="0">
+                <a:solidFill>
+                  <a:schemeClr val="tx1"/>
+                </a:solidFill>
+                <a:effectLst/>
+                <a:latin typeface="+mn-lt"/>
+                <a:ea typeface="+mn-ea"/>
+                <a:cs typeface="+mn-cs"/>
+              </a:rPr>
+              <a:t>開頭的都是</a:t>
+            </a:r>
+            <a:r>
+              <a:rPr lang="en-US" altLang="zh-TW" sz="1200" b="0" i="0" kern="1200" dirty="0" smtClean="0">
+                <a:solidFill>
+                  <a:schemeClr val="tx1"/>
+                </a:solidFill>
+                <a:effectLst/>
+                <a:latin typeface="+mn-lt"/>
+                <a:ea typeface="+mn-ea"/>
+                <a:cs typeface="+mn-cs"/>
+              </a:rPr>
+              <a:t>Function</a:t>
+            </a:r>
+            <a:endParaRPr lang="zh-TW" altLang="en-US" dirty="0"/>
           </a:p>
         </p:txBody>
       </p:sp>
@@ -1143,7 +1273,7 @@
     </p:spTree>
     <p:extLst>
       <p:ext uri="{BB962C8B-B14F-4D97-AF65-F5344CB8AC3E}">
-        <p14:creationId xmlns:p14="http://schemas.microsoft.com/office/powerpoint/2010/main" val="954744650"/>
+        <p14:creationId xmlns:p14="http://schemas.microsoft.com/office/powerpoint/2010/main" val="737672941"/>
       </p:ext>
     </p:extLst>
   </p:cSld>
@@ -1243,7 +1373,7 @@
     </p:spTree>
     <p:extLst>
       <p:ext uri="{BB962C8B-B14F-4D97-AF65-F5344CB8AC3E}">
-        <p14:creationId xmlns:p14="http://schemas.microsoft.com/office/powerpoint/2010/main" val="1620434004"/>
+        <p14:creationId xmlns:p14="http://schemas.microsoft.com/office/powerpoint/2010/main" val="1383340830"/>
       </p:ext>
     </p:extLst>
   </p:cSld>
@@ -1343,7 +1473,7 @@
     </p:spTree>
     <p:extLst>
       <p:ext uri="{BB962C8B-B14F-4D97-AF65-F5344CB8AC3E}">
-        <p14:creationId xmlns:p14="http://schemas.microsoft.com/office/powerpoint/2010/main" val="877431968"/>
+        <p14:creationId xmlns:p14="http://schemas.microsoft.com/office/powerpoint/2010/main" val="302817278"/>
       </p:ext>
     </p:extLst>
   </p:cSld>
@@ -1443,7 +1573,7 @@
     </p:spTree>
     <p:extLst>
       <p:ext uri="{BB962C8B-B14F-4D97-AF65-F5344CB8AC3E}">
-        <p14:creationId xmlns:p14="http://schemas.microsoft.com/office/powerpoint/2010/main" val="708081869"/>
+        <p14:creationId xmlns:p14="http://schemas.microsoft.com/office/powerpoint/2010/main" val="2910247046"/>
       </p:ext>
     </p:extLst>
   </p:cSld>
@@ -1503,6 +1633,12 @@
             </a:endParaRPr>
           </a:p>
           <a:p>
+            <a:endParaRPr lang="en-US" altLang="zh-TW" sz="1200" dirty="0">
+              <a:latin typeface="標楷體" panose="03000509000000000000" pitchFamily="65" charset="-120"/>
+              <a:ea typeface="標楷體" panose="03000509000000000000" pitchFamily="65" charset="-120"/>
+            </a:endParaRPr>
+          </a:p>
+          <a:p>
             <a:endParaRPr lang="zh-TW" altLang="en-US" sz="1200" dirty="0">
               <a:latin typeface="標楷體" panose="03000509000000000000" pitchFamily="65" charset="-120"/>
               <a:ea typeface="標楷體" panose="03000509000000000000" pitchFamily="65" charset="-120"/>
@@ -1537,7 +1673,7 @@
     </p:spTree>
     <p:extLst>
       <p:ext uri="{BB962C8B-B14F-4D97-AF65-F5344CB8AC3E}">
-        <p14:creationId xmlns:p14="http://schemas.microsoft.com/office/powerpoint/2010/main" val="1840908673"/>
+        <p14:creationId xmlns:p14="http://schemas.microsoft.com/office/powerpoint/2010/main" val="954744650"/>
       </p:ext>
     </p:extLst>
   </p:cSld>
@@ -1591,57 +1727,22 @@
           <a:bodyPr/>
           <a:lstStyle/>
           <a:p>
-            <a:r>
-              <a:rPr lang="en-US" altLang="zh-TW" dirty="0"/>
-              <a:t>Parameters- </a:t>
-            </a:r>
-            <a:r>
-              <a:rPr lang="zh-TW" altLang="en-US" dirty="0"/>
-              <a:t>在部署期間提供允許將同一範本用於不同環境的值。</a:t>
-            </a:r>
-          </a:p>
-          <a:p>
-            <a:r>
-              <a:rPr lang="en-US" altLang="zh-TW" dirty="0"/>
-              <a:t>Variables</a:t>
-            </a:r>
-            <a:r>
-              <a:rPr lang="zh-TW" altLang="en-US" dirty="0"/>
-              <a:t>─ 定義在樣本中重複使用的值。 它們可以從參數值構造。</a:t>
-            </a:r>
-          </a:p>
-          <a:p>
-            <a:r>
-              <a:rPr lang="en-US" altLang="zh-TW" dirty="0"/>
-              <a:t>User Defined Function- </a:t>
-            </a:r>
-            <a:r>
-              <a:rPr lang="zh-TW" altLang="en-US" dirty="0"/>
-              <a:t>創建簡化範本的自訂函數。</a:t>
-            </a:r>
-          </a:p>
-          <a:p>
-            <a:r>
-              <a:rPr lang="en-US" altLang="zh-TW" dirty="0"/>
-              <a:t>Resource- </a:t>
-            </a:r>
-            <a:r>
-              <a:rPr lang="zh-TW" altLang="en-US" dirty="0"/>
-              <a:t>指定要部署的資源。</a:t>
-            </a:r>
-          </a:p>
-          <a:p>
-            <a:r>
-              <a:rPr lang="en-US" altLang="zh-TW" dirty="0"/>
-              <a:t>Output- </a:t>
-            </a:r>
-            <a:r>
-              <a:rPr lang="zh-TW" altLang="en-US" dirty="0"/>
-              <a:t>從已部署的資源返回值。</a:t>
-            </a:r>
-          </a:p>
-          <a:p>
-            <a:endParaRPr lang="zh-TW" altLang="en-US" dirty="0"/>
+            <a:endParaRPr lang="en-US" altLang="zh-TW" sz="1200" dirty="0">
+              <a:latin typeface="標楷體" panose="03000509000000000000" pitchFamily="65" charset="-120"/>
+              <a:ea typeface="標楷體" panose="03000509000000000000" pitchFamily="65" charset="-120"/>
+            </a:endParaRPr>
+          </a:p>
+          <a:p>
+            <a:endParaRPr lang="en-US" altLang="zh-TW" sz="1200" dirty="0">
+              <a:latin typeface="標楷體" panose="03000509000000000000" pitchFamily="65" charset="-120"/>
+              <a:ea typeface="標楷體" panose="03000509000000000000" pitchFamily="65" charset="-120"/>
+            </a:endParaRPr>
+          </a:p>
+          <a:p>
+            <a:endParaRPr lang="zh-TW" altLang="en-US" sz="1200" dirty="0">
+              <a:latin typeface="標楷體" panose="03000509000000000000" pitchFamily="65" charset="-120"/>
+              <a:ea typeface="標楷體" panose="03000509000000000000" pitchFamily="65" charset="-120"/>
+            </a:endParaRPr>
           </a:p>
         </p:txBody>
       </p:sp>
@@ -1672,7 +1773,7 @@
     </p:spTree>
     <p:extLst>
       <p:ext uri="{BB962C8B-B14F-4D97-AF65-F5344CB8AC3E}">
-        <p14:creationId xmlns:p14="http://schemas.microsoft.com/office/powerpoint/2010/main" val="3747489780"/>
+        <p14:creationId xmlns:p14="http://schemas.microsoft.com/office/powerpoint/2010/main" val="1620434004"/>
       </p:ext>
     </p:extLst>
   </p:cSld>
@@ -1709,12 +1810,7 @@
             <p:ph type="sldImg"/>
           </p:nvPr>
         </p:nvSpPr>
-        <p:spPr>
-          <a:xfrm>
-            <a:off x="381000" y="685800"/>
-            <a:ext cx="6096000" cy="3429000"/>
-          </a:xfrm>
-        </p:spPr>
+        <p:spPr/>
       </p:sp>
       <p:sp>
         <p:nvSpPr>
@@ -1731,39 +1827,22 @@
           <a:bodyPr/>
           <a:lstStyle/>
           <a:p>
-            <a:r>
-              <a:rPr lang="en-US" altLang="zh-TW" dirty="0"/>
-              <a:t>Mobile App</a:t>
-            </a:r>
-            <a:r>
-              <a:rPr lang="zh-TW" altLang="en-US" dirty="0"/>
-              <a:t>或桌面應用程式可用</a:t>
-            </a:r>
-            <a:r>
-              <a:rPr lang="zh-TW" altLang="en-US" sz="1200" b="0" i="0" kern="1200" dirty="0">
-                <a:solidFill>
-                  <a:schemeClr val="tx1"/>
-                </a:solidFill>
-                <a:effectLst/>
-                <a:latin typeface="+mn-lt"/>
-                <a:ea typeface="+mn-ea"/>
-                <a:cs typeface="+mn-cs"/>
-              </a:rPr>
-              <a:t>代理者流程 </a:t>
-            </a:r>
-            <a:r>
-              <a:rPr lang="en-US" altLang="zh-TW" sz="1200" b="0" i="0" kern="1200" dirty="0">
-                <a:solidFill>
-                  <a:schemeClr val="tx1"/>
-                </a:solidFill>
-                <a:effectLst/>
-                <a:latin typeface="+mn-lt"/>
-                <a:ea typeface="+mn-ea"/>
-                <a:cs typeface="+mn-cs"/>
-              </a:rPr>
-              <a:t>(OBO, on-behalf-of-flow) </a:t>
-            </a:r>
-            <a:endParaRPr lang="zh-TW" altLang="en-US" dirty="0"/>
+            <a:endParaRPr lang="en-US" altLang="zh-TW" sz="1200" dirty="0">
+              <a:latin typeface="標楷體" panose="03000509000000000000" pitchFamily="65" charset="-120"/>
+              <a:ea typeface="標楷體" panose="03000509000000000000" pitchFamily="65" charset="-120"/>
+            </a:endParaRPr>
+          </a:p>
+          <a:p>
+            <a:endParaRPr lang="en-US" altLang="zh-TW" sz="1200" dirty="0">
+              <a:latin typeface="標楷體" panose="03000509000000000000" pitchFamily="65" charset="-120"/>
+              <a:ea typeface="標楷體" panose="03000509000000000000" pitchFamily="65" charset="-120"/>
+            </a:endParaRPr>
+          </a:p>
+          <a:p>
+            <a:endParaRPr lang="zh-TW" altLang="en-US" sz="1200" dirty="0">
+              <a:latin typeface="標楷體" panose="03000509000000000000" pitchFamily="65" charset="-120"/>
+              <a:ea typeface="標楷體" panose="03000509000000000000" pitchFamily="65" charset="-120"/>
+            </a:endParaRPr>
           </a:p>
         </p:txBody>
       </p:sp>
@@ -1794,7 +1873,201 @@
     </p:spTree>
     <p:extLst>
       <p:ext uri="{BB962C8B-B14F-4D97-AF65-F5344CB8AC3E}">
-        <p14:creationId xmlns:p14="http://schemas.microsoft.com/office/powerpoint/2010/main" val="2894985844"/>
+        <p14:creationId xmlns:p14="http://schemas.microsoft.com/office/powerpoint/2010/main" val="877431968"/>
+      </p:ext>
+    </p:extLst>
+  </p:cSld>
+  <p:clrMapOvr>
+    <a:masterClrMapping/>
+  </p:clrMapOvr>
+</p:notes>
+</file>
+
+<file path=ppt/notesSlides/notesSlide18.xml><?xml version="1.0" encoding="utf-8"?>
+<p:notes xmlns:a="http://schemas.openxmlformats.org/drawingml/2006/main" xmlns:r="http://schemas.openxmlformats.org/officeDocument/2006/relationships" xmlns:p="http://schemas.openxmlformats.org/presentationml/2006/main">
+  <p:cSld>
+    <p:spTree>
+      <p:nvGrpSpPr>
+        <p:cNvPr id="1" name=""/>
+        <p:cNvGrpSpPr/>
+        <p:nvPr/>
+      </p:nvGrpSpPr>
+      <p:grpSpPr>
+        <a:xfrm>
+          <a:off x="0" y="0"/>
+          <a:ext cx="0" cy="0"/>
+          <a:chOff x="0" y="0"/>
+          <a:chExt cx="0" cy="0"/>
+        </a:xfrm>
+      </p:grpSpPr>
+      <p:sp>
+        <p:nvSpPr>
+          <p:cNvPr id="2" name="投影片影像版面配置區 1"/>
+          <p:cNvSpPr>
+            <a:spLocks noGrp="1" noRot="1" noChangeAspect="1"/>
+          </p:cNvSpPr>
+          <p:nvPr>
+            <p:ph type="sldImg"/>
+          </p:nvPr>
+        </p:nvSpPr>
+        <p:spPr/>
+      </p:sp>
+      <p:sp>
+        <p:nvSpPr>
+          <p:cNvPr id="3" name="備忘稿版面配置區 2"/>
+          <p:cNvSpPr>
+            <a:spLocks noGrp="1"/>
+          </p:cNvSpPr>
+          <p:nvPr>
+            <p:ph type="body" idx="1"/>
+          </p:nvPr>
+        </p:nvSpPr>
+        <p:spPr/>
+        <p:txBody>
+          <a:bodyPr/>
+          <a:lstStyle/>
+          <a:p>
+            <a:endParaRPr lang="en-US" altLang="zh-TW" sz="1200" dirty="0">
+              <a:latin typeface="標楷體" panose="03000509000000000000" pitchFamily="65" charset="-120"/>
+              <a:ea typeface="標楷體" panose="03000509000000000000" pitchFamily="65" charset="-120"/>
+            </a:endParaRPr>
+          </a:p>
+          <a:p>
+            <a:endParaRPr lang="en-US" altLang="zh-TW" sz="1200" dirty="0">
+              <a:latin typeface="標楷體" panose="03000509000000000000" pitchFamily="65" charset="-120"/>
+              <a:ea typeface="標楷體" panose="03000509000000000000" pitchFamily="65" charset="-120"/>
+            </a:endParaRPr>
+          </a:p>
+          <a:p>
+            <a:endParaRPr lang="zh-TW" altLang="en-US" sz="1200" dirty="0">
+              <a:latin typeface="標楷體" panose="03000509000000000000" pitchFamily="65" charset="-120"/>
+              <a:ea typeface="標楷體" panose="03000509000000000000" pitchFamily="65" charset="-120"/>
+            </a:endParaRPr>
+          </a:p>
+        </p:txBody>
+      </p:sp>
+      <p:sp>
+        <p:nvSpPr>
+          <p:cNvPr id="4" name="投影片編號版面配置區 3"/>
+          <p:cNvSpPr>
+            <a:spLocks noGrp="1"/>
+          </p:cNvSpPr>
+          <p:nvPr>
+            <p:ph type="sldNum" sz="quarter" idx="5"/>
+          </p:nvPr>
+        </p:nvSpPr>
+        <p:spPr/>
+        <p:txBody>
+          <a:bodyPr/>
+          <a:lstStyle/>
+          <a:p>
+            <a:fld id="{340D96AD-20E4-4A50-8B4C-09BA287D70DF}" type="slidenum">
+              <a:rPr lang="zh-TW" altLang="en-US" smtClean="0"/>
+              <a:pPr/>
+              <a:t>21</a:t>
+            </a:fld>
+            <a:endParaRPr lang="zh-TW" altLang="en-US"/>
+          </a:p>
+        </p:txBody>
+      </p:sp>
+    </p:spTree>
+    <p:extLst>
+      <p:ext uri="{BB962C8B-B14F-4D97-AF65-F5344CB8AC3E}">
+        <p14:creationId xmlns:p14="http://schemas.microsoft.com/office/powerpoint/2010/main" val="708081869"/>
+      </p:ext>
+    </p:extLst>
+  </p:cSld>
+  <p:clrMapOvr>
+    <a:masterClrMapping/>
+  </p:clrMapOvr>
+</p:notes>
+</file>
+
+<file path=ppt/notesSlides/notesSlide19.xml><?xml version="1.0" encoding="utf-8"?>
+<p:notes xmlns:a="http://schemas.openxmlformats.org/drawingml/2006/main" xmlns:r="http://schemas.openxmlformats.org/officeDocument/2006/relationships" xmlns:p="http://schemas.openxmlformats.org/presentationml/2006/main">
+  <p:cSld>
+    <p:spTree>
+      <p:nvGrpSpPr>
+        <p:cNvPr id="1" name=""/>
+        <p:cNvGrpSpPr/>
+        <p:nvPr/>
+      </p:nvGrpSpPr>
+      <p:grpSpPr>
+        <a:xfrm>
+          <a:off x="0" y="0"/>
+          <a:ext cx="0" cy="0"/>
+          <a:chOff x="0" y="0"/>
+          <a:chExt cx="0" cy="0"/>
+        </a:xfrm>
+      </p:grpSpPr>
+      <p:sp>
+        <p:nvSpPr>
+          <p:cNvPr id="2" name="投影片影像版面配置區 1"/>
+          <p:cNvSpPr>
+            <a:spLocks noGrp="1" noRot="1" noChangeAspect="1"/>
+          </p:cNvSpPr>
+          <p:nvPr>
+            <p:ph type="sldImg"/>
+          </p:nvPr>
+        </p:nvSpPr>
+        <p:spPr/>
+      </p:sp>
+      <p:sp>
+        <p:nvSpPr>
+          <p:cNvPr id="3" name="備忘稿版面配置區 2"/>
+          <p:cNvSpPr>
+            <a:spLocks noGrp="1"/>
+          </p:cNvSpPr>
+          <p:nvPr>
+            <p:ph type="body" idx="1"/>
+          </p:nvPr>
+        </p:nvSpPr>
+        <p:spPr/>
+        <p:txBody>
+          <a:bodyPr/>
+          <a:lstStyle/>
+          <a:p>
+            <a:endParaRPr lang="en-US" altLang="zh-TW" sz="1200" dirty="0">
+              <a:latin typeface="標楷體" panose="03000509000000000000" pitchFamily="65" charset="-120"/>
+              <a:ea typeface="標楷體" panose="03000509000000000000" pitchFamily="65" charset="-120"/>
+            </a:endParaRPr>
+          </a:p>
+          <a:p>
+            <a:endParaRPr lang="zh-TW" altLang="en-US" sz="1200" dirty="0">
+              <a:latin typeface="標楷體" panose="03000509000000000000" pitchFamily="65" charset="-120"/>
+              <a:ea typeface="標楷體" panose="03000509000000000000" pitchFamily="65" charset="-120"/>
+            </a:endParaRPr>
+          </a:p>
+        </p:txBody>
+      </p:sp>
+      <p:sp>
+        <p:nvSpPr>
+          <p:cNvPr id="4" name="投影片編號版面配置區 3"/>
+          <p:cNvSpPr>
+            <a:spLocks noGrp="1"/>
+          </p:cNvSpPr>
+          <p:nvPr>
+            <p:ph type="sldNum" sz="quarter" idx="5"/>
+          </p:nvPr>
+        </p:nvSpPr>
+        <p:spPr/>
+        <p:txBody>
+          <a:bodyPr/>
+          <a:lstStyle/>
+          <a:p>
+            <a:fld id="{340D96AD-20E4-4A50-8B4C-09BA287D70DF}" type="slidenum">
+              <a:rPr lang="zh-TW" altLang="en-US" smtClean="0"/>
+              <a:pPr/>
+              <a:t>22</a:t>
+            </a:fld>
+            <a:endParaRPr lang="zh-TW" altLang="en-US"/>
+          </a:p>
+        </p:txBody>
+      </p:sp>
+    </p:spTree>
+    <p:extLst>
+      <p:ext uri="{BB962C8B-B14F-4D97-AF65-F5344CB8AC3E}">
+        <p14:creationId xmlns:p14="http://schemas.microsoft.com/office/powerpoint/2010/main" val="1840908673"/>
       </p:ext>
     </p:extLst>
   </p:cSld>
@@ -1913,6 +2186,766 @@
     <p:extLst>
       <p:ext uri="{BB962C8B-B14F-4D97-AF65-F5344CB8AC3E}">
         <p14:creationId xmlns:p14="http://schemas.microsoft.com/office/powerpoint/2010/main" val="1264999442"/>
+      </p:ext>
+    </p:extLst>
+  </p:cSld>
+  <p:clrMapOvr>
+    <a:masterClrMapping/>
+  </p:clrMapOvr>
+</p:notes>
+</file>
+
+<file path=ppt/notesSlides/notesSlide20.xml><?xml version="1.0" encoding="utf-8"?>
+<p:notes xmlns:a="http://schemas.openxmlformats.org/drawingml/2006/main" xmlns:r="http://schemas.openxmlformats.org/officeDocument/2006/relationships" xmlns:p="http://schemas.openxmlformats.org/presentationml/2006/main">
+  <p:cSld>
+    <p:spTree>
+      <p:nvGrpSpPr>
+        <p:cNvPr id="1" name=""/>
+        <p:cNvGrpSpPr/>
+        <p:nvPr/>
+      </p:nvGrpSpPr>
+      <p:grpSpPr>
+        <a:xfrm>
+          <a:off x="0" y="0"/>
+          <a:ext cx="0" cy="0"/>
+          <a:chOff x="0" y="0"/>
+          <a:chExt cx="0" cy="0"/>
+        </a:xfrm>
+      </p:grpSpPr>
+      <p:sp>
+        <p:nvSpPr>
+          <p:cNvPr id="2" name="投影片影像版面配置區 1"/>
+          <p:cNvSpPr>
+            <a:spLocks noGrp="1" noRot="1" noChangeAspect="1"/>
+          </p:cNvSpPr>
+          <p:nvPr>
+            <p:ph type="sldImg"/>
+          </p:nvPr>
+        </p:nvSpPr>
+        <p:spPr/>
+      </p:sp>
+      <p:sp>
+        <p:nvSpPr>
+          <p:cNvPr id="3" name="備忘稿版面配置區 2"/>
+          <p:cNvSpPr>
+            <a:spLocks noGrp="1"/>
+          </p:cNvSpPr>
+          <p:nvPr>
+            <p:ph type="body" idx="1"/>
+          </p:nvPr>
+        </p:nvSpPr>
+        <p:spPr/>
+        <p:txBody>
+          <a:bodyPr/>
+          <a:lstStyle/>
+          <a:p>
+            <a:endParaRPr lang="en-US" altLang="zh-TW" sz="1200" dirty="0">
+              <a:latin typeface="標楷體" panose="03000509000000000000" pitchFamily="65" charset="-120"/>
+              <a:ea typeface="標楷體" panose="03000509000000000000" pitchFamily="65" charset="-120"/>
+            </a:endParaRPr>
+          </a:p>
+          <a:p>
+            <a:endParaRPr lang="zh-TW" altLang="en-US" sz="1200" dirty="0">
+              <a:latin typeface="標楷體" panose="03000509000000000000" pitchFamily="65" charset="-120"/>
+              <a:ea typeface="標楷體" panose="03000509000000000000" pitchFamily="65" charset="-120"/>
+            </a:endParaRPr>
+          </a:p>
+        </p:txBody>
+      </p:sp>
+      <p:sp>
+        <p:nvSpPr>
+          <p:cNvPr id="4" name="投影片編號版面配置區 3"/>
+          <p:cNvSpPr>
+            <a:spLocks noGrp="1"/>
+          </p:cNvSpPr>
+          <p:nvPr>
+            <p:ph type="sldNum" sz="quarter" idx="5"/>
+          </p:nvPr>
+        </p:nvSpPr>
+        <p:spPr/>
+        <p:txBody>
+          <a:bodyPr/>
+          <a:lstStyle/>
+          <a:p>
+            <a:fld id="{340D96AD-20E4-4A50-8B4C-09BA287D70DF}" type="slidenum">
+              <a:rPr lang="zh-TW" altLang="en-US" smtClean="0"/>
+              <a:pPr/>
+              <a:t>23</a:t>
+            </a:fld>
+            <a:endParaRPr lang="zh-TW" altLang="en-US"/>
+          </a:p>
+        </p:txBody>
+      </p:sp>
+    </p:spTree>
+    <p:extLst>
+      <p:ext uri="{BB962C8B-B14F-4D97-AF65-F5344CB8AC3E}">
+        <p14:creationId xmlns:p14="http://schemas.microsoft.com/office/powerpoint/2010/main" val="3884694171"/>
+      </p:ext>
+    </p:extLst>
+  </p:cSld>
+  <p:clrMapOvr>
+    <a:masterClrMapping/>
+  </p:clrMapOvr>
+</p:notes>
+</file>
+
+<file path=ppt/notesSlides/notesSlide21.xml><?xml version="1.0" encoding="utf-8"?>
+<p:notes xmlns:a="http://schemas.openxmlformats.org/drawingml/2006/main" xmlns:r="http://schemas.openxmlformats.org/officeDocument/2006/relationships" xmlns:p="http://schemas.openxmlformats.org/presentationml/2006/main">
+  <p:cSld>
+    <p:spTree>
+      <p:nvGrpSpPr>
+        <p:cNvPr id="1" name=""/>
+        <p:cNvGrpSpPr/>
+        <p:nvPr/>
+      </p:nvGrpSpPr>
+      <p:grpSpPr>
+        <a:xfrm>
+          <a:off x="0" y="0"/>
+          <a:ext cx="0" cy="0"/>
+          <a:chOff x="0" y="0"/>
+          <a:chExt cx="0" cy="0"/>
+        </a:xfrm>
+      </p:grpSpPr>
+      <p:sp>
+        <p:nvSpPr>
+          <p:cNvPr id="2" name="投影片影像版面配置區 1"/>
+          <p:cNvSpPr>
+            <a:spLocks noGrp="1" noRot="1" noChangeAspect="1"/>
+          </p:cNvSpPr>
+          <p:nvPr>
+            <p:ph type="sldImg"/>
+          </p:nvPr>
+        </p:nvSpPr>
+        <p:spPr/>
+      </p:sp>
+      <p:sp>
+        <p:nvSpPr>
+          <p:cNvPr id="3" name="備忘稿版面配置區 2"/>
+          <p:cNvSpPr>
+            <a:spLocks noGrp="1"/>
+          </p:cNvSpPr>
+          <p:nvPr>
+            <p:ph type="body" idx="1"/>
+          </p:nvPr>
+        </p:nvSpPr>
+        <p:spPr/>
+        <p:txBody>
+          <a:bodyPr/>
+          <a:lstStyle/>
+          <a:p>
+            <a:endParaRPr lang="en-US" altLang="zh-TW" sz="1200" dirty="0">
+              <a:latin typeface="標楷體" panose="03000509000000000000" pitchFamily="65" charset="-120"/>
+              <a:ea typeface="標楷體" panose="03000509000000000000" pitchFamily="65" charset="-120"/>
+            </a:endParaRPr>
+          </a:p>
+          <a:p>
+            <a:endParaRPr lang="zh-TW" altLang="en-US" sz="1200" dirty="0">
+              <a:latin typeface="標楷體" panose="03000509000000000000" pitchFamily="65" charset="-120"/>
+              <a:ea typeface="標楷體" panose="03000509000000000000" pitchFamily="65" charset="-120"/>
+            </a:endParaRPr>
+          </a:p>
+        </p:txBody>
+      </p:sp>
+      <p:sp>
+        <p:nvSpPr>
+          <p:cNvPr id="4" name="投影片編號版面配置區 3"/>
+          <p:cNvSpPr>
+            <a:spLocks noGrp="1"/>
+          </p:cNvSpPr>
+          <p:nvPr>
+            <p:ph type="sldNum" sz="quarter" idx="5"/>
+          </p:nvPr>
+        </p:nvSpPr>
+        <p:spPr/>
+        <p:txBody>
+          <a:bodyPr/>
+          <a:lstStyle/>
+          <a:p>
+            <a:fld id="{340D96AD-20E4-4A50-8B4C-09BA287D70DF}" type="slidenum">
+              <a:rPr lang="zh-TW" altLang="en-US" smtClean="0"/>
+              <a:pPr/>
+              <a:t>24</a:t>
+            </a:fld>
+            <a:endParaRPr lang="zh-TW" altLang="en-US"/>
+          </a:p>
+        </p:txBody>
+      </p:sp>
+    </p:spTree>
+    <p:extLst>
+      <p:ext uri="{BB962C8B-B14F-4D97-AF65-F5344CB8AC3E}">
+        <p14:creationId xmlns:p14="http://schemas.microsoft.com/office/powerpoint/2010/main" val="3981600479"/>
+      </p:ext>
+    </p:extLst>
+  </p:cSld>
+  <p:clrMapOvr>
+    <a:masterClrMapping/>
+  </p:clrMapOvr>
+</p:notes>
+</file>
+
+<file path=ppt/notesSlides/notesSlide22.xml><?xml version="1.0" encoding="utf-8"?>
+<p:notes xmlns:a="http://schemas.openxmlformats.org/drawingml/2006/main" xmlns:r="http://schemas.openxmlformats.org/officeDocument/2006/relationships" xmlns:p="http://schemas.openxmlformats.org/presentationml/2006/main">
+  <p:cSld>
+    <p:spTree>
+      <p:nvGrpSpPr>
+        <p:cNvPr id="1" name=""/>
+        <p:cNvGrpSpPr/>
+        <p:nvPr/>
+      </p:nvGrpSpPr>
+      <p:grpSpPr>
+        <a:xfrm>
+          <a:off x="0" y="0"/>
+          <a:ext cx="0" cy="0"/>
+          <a:chOff x="0" y="0"/>
+          <a:chExt cx="0" cy="0"/>
+        </a:xfrm>
+      </p:grpSpPr>
+      <p:sp>
+        <p:nvSpPr>
+          <p:cNvPr id="2" name="投影片影像版面配置區 1"/>
+          <p:cNvSpPr>
+            <a:spLocks noGrp="1" noRot="1" noChangeAspect="1"/>
+          </p:cNvSpPr>
+          <p:nvPr>
+            <p:ph type="sldImg"/>
+          </p:nvPr>
+        </p:nvSpPr>
+        <p:spPr/>
+      </p:sp>
+      <p:sp>
+        <p:nvSpPr>
+          <p:cNvPr id="3" name="備忘稿版面配置區 2"/>
+          <p:cNvSpPr>
+            <a:spLocks noGrp="1"/>
+          </p:cNvSpPr>
+          <p:nvPr>
+            <p:ph type="body" idx="1"/>
+          </p:nvPr>
+        </p:nvSpPr>
+        <p:spPr/>
+        <p:txBody>
+          <a:bodyPr/>
+          <a:lstStyle/>
+          <a:p>
+            <a:endParaRPr lang="en-US" altLang="zh-TW" sz="1200" dirty="0">
+              <a:latin typeface="標楷體" panose="03000509000000000000" pitchFamily="65" charset="-120"/>
+              <a:ea typeface="標楷體" panose="03000509000000000000" pitchFamily="65" charset="-120"/>
+            </a:endParaRPr>
+          </a:p>
+          <a:p>
+            <a:endParaRPr lang="zh-TW" altLang="en-US" sz="1200" dirty="0">
+              <a:latin typeface="標楷體" panose="03000509000000000000" pitchFamily="65" charset="-120"/>
+              <a:ea typeface="標楷體" panose="03000509000000000000" pitchFamily="65" charset="-120"/>
+            </a:endParaRPr>
+          </a:p>
+        </p:txBody>
+      </p:sp>
+      <p:sp>
+        <p:nvSpPr>
+          <p:cNvPr id="4" name="投影片編號版面配置區 3"/>
+          <p:cNvSpPr>
+            <a:spLocks noGrp="1"/>
+          </p:cNvSpPr>
+          <p:nvPr>
+            <p:ph type="sldNum" sz="quarter" idx="5"/>
+          </p:nvPr>
+        </p:nvSpPr>
+        <p:spPr/>
+        <p:txBody>
+          <a:bodyPr/>
+          <a:lstStyle/>
+          <a:p>
+            <a:fld id="{340D96AD-20E4-4A50-8B4C-09BA287D70DF}" type="slidenum">
+              <a:rPr lang="zh-TW" altLang="en-US" smtClean="0"/>
+              <a:pPr/>
+              <a:t>25</a:t>
+            </a:fld>
+            <a:endParaRPr lang="zh-TW" altLang="en-US"/>
+          </a:p>
+        </p:txBody>
+      </p:sp>
+    </p:spTree>
+    <p:extLst>
+      <p:ext uri="{BB962C8B-B14F-4D97-AF65-F5344CB8AC3E}">
+        <p14:creationId xmlns:p14="http://schemas.microsoft.com/office/powerpoint/2010/main" val="2036322564"/>
+      </p:ext>
+    </p:extLst>
+  </p:cSld>
+  <p:clrMapOvr>
+    <a:masterClrMapping/>
+  </p:clrMapOvr>
+</p:notes>
+</file>
+
+<file path=ppt/notesSlides/notesSlide23.xml><?xml version="1.0" encoding="utf-8"?>
+<p:notes xmlns:a="http://schemas.openxmlformats.org/drawingml/2006/main" xmlns:r="http://schemas.openxmlformats.org/officeDocument/2006/relationships" xmlns:p="http://schemas.openxmlformats.org/presentationml/2006/main">
+  <p:cSld>
+    <p:spTree>
+      <p:nvGrpSpPr>
+        <p:cNvPr id="1" name=""/>
+        <p:cNvGrpSpPr/>
+        <p:nvPr/>
+      </p:nvGrpSpPr>
+      <p:grpSpPr>
+        <a:xfrm>
+          <a:off x="0" y="0"/>
+          <a:ext cx="0" cy="0"/>
+          <a:chOff x="0" y="0"/>
+          <a:chExt cx="0" cy="0"/>
+        </a:xfrm>
+      </p:grpSpPr>
+      <p:sp>
+        <p:nvSpPr>
+          <p:cNvPr id="2" name="投影片影像版面配置區 1"/>
+          <p:cNvSpPr>
+            <a:spLocks noGrp="1" noRot="1" noChangeAspect="1"/>
+          </p:cNvSpPr>
+          <p:nvPr>
+            <p:ph type="sldImg"/>
+          </p:nvPr>
+        </p:nvSpPr>
+        <p:spPr/>
+      </p:sp>
+      <p:sp>
+        <p:nvSpPr>
+          <p:cNvPr id="3" name="備忘稿版面配置區 2"/>
+          <p:cNvSpPr>
+            <a:spLocks noGrp="1"/>
+          </p:cNvSpPr>
+          <p:nvPr>
+            <p:ph type="body" idx="1"/>
+          </p:nvPr>
+        </p:nvSpPr>
+        <p:spPr/>
+        <p:txBody>
+          <a:bodyPr/>
+          <a:lstStyle/>
+          <a:p>
+            <a:endParaRPr lang="en-US" altLang="zh-TW" sz="1200" dirty="0">
+              <a:latin typeface="標楷體" panose="03000509000000000000" pitchFamily="65" charset="-120"/>
+              <a:ea typeface="標楷體" panose="03000509000000000000" pitchFamily="65" charset="-120"/>
+            </a:endParaRPr>
+          </a:p>
+          <a:p>
+            <a:endParaRPr lang="zh-TW" altLang="en-US" sz="1200" dirty="0">
+              <a:latin typeface="標楷體" panose="03000509000000000000" pitchFamily="65" charset="-120"/>
+              <a:ea typeface="標楷體" panose="03000509000000000000" pitchFamily="65" charset="-120"/>
+            </a:endParaRPr>
+          </a:p>
+        </p:txBody>
+      </p:sp>
+      <p:sp>
+        <p:nvSpPr>
+          <p:cNvPr id="4" name="投影片編號版面配置區 3"/>
+          <p:cNvSpPr>
+            <a:spLocks noGrp="1"/>
+          </p:cNvSpPr>
+          <p:nvPr>
+            <p:ph type="sldNum" sz="quarter" idx="5"/>
+          </p:nvPr>
+        </p:nvSpPr>
+        <p:spPr/>
+        <p:txBody>
+          <a:bodyPr/>
+          <a:lstStyle/>
+          <a:p>
+            <a:fld id="{340D96AD-20E4-4A50-8B4C-09BA287D70DF}" type="slidenum">
+              <a:rPr lang="zh-TW" altLang="en-US" smtClean="0"/>
+              <a:pPr/>
+              <a:t>26</a:t>
+            </a:fld>
+            <a:endParaRPr lang="zh-TW" altLang="en-US"/>
+          </a:p>
+        </p:txBody>
+      </p:sp>
+    </p:spTree>
+    <p:extLst>
+      <p:ext uri="{BB962C8B-B14F-4D97-AF65-F5344CB8AC3E}">
+        <p14:creationId xmlns:p14="http://schemas.microsoft.com/office/powerpoint/2010/main" val="3331810023"/>
+      </p:ext>
+    </p:extLst>
+  </p:cSld>
+  <p:clrMapOvr>
+    <a:masterClrMapping/>
+  </p:clrMapOvr>
+</p:notes>
+</file>
+
+<file path=ppt/notesSlides/notesSlide24.xml><?xml version="1.0" encoding="utf-8"?>
+<p:notes xmlns:a="http://schemas.openxmlformats.org/drawingml/2006/main" xmlns:r="http://schemas.openxmlformats.org/officeDocument/2006/relationships" xmlns:p="http://schemas.openxmlformats.org/presentationml/2006/main">
+  <p:cSld>
+    <p:spTree>
+      <p:nvGrpSpPr>
+        <p:cNvPr id="1" name=""/>
+        <p:cNvGrpSpPr/>
+        <p:nvPr/>
+      </p:nvGrpSpPr>
+      <p:grpSpPr>
+        <a:xfrm>
+          <a:off x="0" y="0"/>
+          <a:ext cx="0" cy="0"/>
+          <a:chOff x="0" y="0"/>
+          <a:chExt cx="0" cy="0"/>
+        </a:xfrm>
+      </p:grpSpPr>
+      <p:sp>
+        <p:nvSpPr>
+          <p:cNvPr id="2" name="投影片影像版面配置區 1"/>
+          <p:cNvSpPr>
+            <a:spLocks noGrp="1" noRot="1" noChangeAspect="1"/>
+          </p:cNvSpPr>
+          <p:nvPr>
+            <p:ph type="sldImg"/>
+          </p:nvPr>
+        </p:nvSpPr>
+        <p:spPr/>
+      </p:sp>
+      <p:sp>
+        <p:nvSpPr>
+          <p:cNvPr id="3" name="備忘稿版面配置區 2"/>
+          <p:cNvSpPr>
+            <a:spLocks noGrp="1"/>
+          </p:cNvSpPr>
+          <p:nvPr>
+            <p:ph type="body" idx="1"/>
+          </p:nvPr>
+        </p:nvSpPr>
+        <p:spPr/>
+        <p:txBody>
+          <a:bodyPr/>
+          <a:lstStyle/>
+          <a:p>
+            <a:endParaRPr lang="en-US" altLang="zh-TW" sz="1200" dirty="0">
+              <a:latin typeface="標楷體" panose="03000509000000000000" pitchFamily="65" charset="-120"/>
+              <a:ea typeface="標楷體" panose="03000509000000000000" pitchFamily="65" charset="-120"/>
+            </a:endParaRPr>
+          </a:p>
+          <a:p>
+            <a:endParaRPr lang="zh-TW" altLang="en-US" sz="1200" dirty="0">
+              <a:latin typeface="標楷體" panose="03000509000000000000" pitchFamily="65" charset="-120"/>
+              <a:ea typeface="標楷體" panose="03000509000000000000" pitchFamily="65" charset="-120"/>
+            </a:endParaRPr>
+          </a:p>
+        </p:txBody>
+      </p:sp>
+      <p:sp>
+        <p:nvSpPr>
+          <p:cNvPr id="4" name="投影片編號版面配置區 3"/>
+          <p:cNvSpPr>
+            <a:spLocks noGrp="1"/>
+          </p:cNvSpPr>
+          <p:nvPr>
+            <p:ph type="sldNum" sz="quarter" idx="5"/>
+          </p:nvPr>
+        </p:nvSpPr>
+        <p:spPr/>
+        <p:txBody>
+          <a:bodyPr/>
+          <a:lstStyle/>
+          <a:p>
+            <a:fld id="{340D96AD-20E4-4A50-8B4C-09BA287D70DF}" type="slidenum">
+              <a:rPr lang="zh-TW" altLang="en-US" smtClean="0"/>
+              <a:pPr/>
+              <a:t>27</a:t>
+            </a:fld>
+            <a:endParaRPr lang="zh-TW" altLang="en-US"/>
+          </a:p>
+        </p:txBody>
+      </p:sp>
+    </p:spTree>
+    <p:extLst>
+      <p:ext uri="{BB962C8B-B14F-4D97-AF65-F5344CB8AC3E}">
+        <p14:creationId xmlns:p14="http://schemas.microsoft.com/office/powerpoint/2010/main" val="381390372"/>
+      </p:ext>
+    </p:extLst>
+  </p:cSld>
+  <p:clrMapOvr>
+    <a:masterClrMapping/>
+  </p:clrMapOvr>
+</p:notes>
+</file>
+
+<file path=ppt/notesSlides/notesSlide25.xml><?xml version="1.0" encoding="utf-8"?>
+<p:notes xmlns:a="http://schemas.openxmlformats.org/drawingml/2006/main" xmlns:r="http://schemas.openxmlformats.org/officeDocument/2006/relationships" xmlns:p="http://schemas.openxmlformats.org/presentationml/2006/main">
+  <p:cSld>
+    <p:spTree>
+      <p:nvGrpSpPr>
+        <p:cNvPr id="1" name=""/>
+        <p:cNvGrpSpPr/>
+        <p:nvPr/>
+      </p:nvGrpSpPr>
+      <p:grpSpPr>
+        <a:xfrm>
+          <a:off x="0" y="0"/>
+          <a:ext cx="0" cy="0"/>
+          <a:chOff x="0" y="0"/>
+          <a:chExt cx="0" cy="0"/>
+        </a:xfrm>
+      </p:grpSpPr>
+      <p:sp>
+        <p:nvSpPr>
+          <p:cNvPr id="2" name="投影片影像版面配置區 1"/>
+          <p:cNvSpPr>
+            <a:spLocks noGrp="1" noRot="1" noChangeAspect="1"/>
+          </p:cNvSpPr>
+          <p:nvPr>
+            <p:ph type="sldImg"/>
+          </p:nvPr>
+        </p:nvSpPr>
+        <p:spPr/>
+      </p:sp>
+      <p:sp>
+        <p:nvSpPr>
+          <p:cNvPr id="3" name="備忘稿版面配置區 2"/>
+          <p:cNvSpPr>
+            <a:spLocks noGrp="1"/>
+          </p:cNvSpPr>
+          <p:nvPr>
+            <p:ph type="body" idx="1"/>
+          </p:nvPr>
+        </p:nvSpPr>
+        <p:spPr/>
+        <p:txBody>
+          <a:bodyPr/>
+          <a:lstStyle/>
+          <a:p>
+            <a:endParaRPr lang="en-US" altLang="zh-TW" dirty="0" smtClean="0"/>
+          </a:p>
+          <a:p>
+            <a:endParaRPr lang="zh-TW" altLang="en-US" dirty="0"/>
+          </a:p>
+        </p:txBody>
+      </p:sp>
+      <p:sp>
+        <p:nvSpPr>
+          <p:cNvPr id="4" name="投影片編號版面配置區 3"/>
+          <p:cNvSpPr>
+            <a:spLocks noGrp="1"/>
+          </p:cNvSpPr>
+          <p:nvPr>
+            <p:ph type="sldNum" sz="quarter" idx="5"/>
+          </p:nvPr>
+        </p:nvSpPr>
+        <p:spPr/>
+        <p:txBody>
+          <a:bodyPr/>
+          <a:lstStyle/>
+          <a:p>
+            <a:fld id="{340D96AD-20E4-4A50-8B4C-09BA287D70DF}" type="slidenum">
+              <a:rPr lang="zh-TW" altLang="en-US" smtClean="0"/>
+              <a:pPr/>
+              <a:t>28</a:t>
+            </a:fld>
+            <a:endParaRPr lang="zh-TW" altLang="en-US"/>
+          </a:p>
+        </p:txBody>
+      </p:sp>
+    </p:spTree>
+    <p:extLst>
+      <p:ext uri="{BB962C8B-B14F-4D97-AF65-F5344CB8AC3E}">
+        <p14:creationId xmlns:p14="http://schemas.microsoft.com/office/powerpoint/2010/main" val="3747489780"/>
+      </p:ext>
+    </p:extLst>
+  </p:cSld>
+  <p:clrMapOvr>
+    <a:masterClrMapping/>
+  </p:clrMapOvr>
+</p:notes>
+</file>
+
+<file path=ppt/notesSlides/notesSlide26.xml><?xml version="1.0" encoding="utf-8"?>
+<p:notes xmlns:a="http://schemas.openxmlformats.org/drawingml/2006/main" xmlns:r="http://schemas.openxmlformats.org/officeDocument/2006/relationships" xmlns:p="http://schemas.openxmlformats.org/presentationml/2006/main">
+  <p:cSld>
+    <p:spTree>
+      <p:nvGrpSpPr>
+        <p:cNvPr id="1" name=""/>
+        <p:cNvGrpSpPr/>
+        <p:nvPr/>
+      </p:nvGrpSpPr>
+      <p:grpSpPr>
+        <a:xfrm>
+          <a:off x="0" y="0"/>
+          <a:ext cx="0" cy="0"/>
+          <a:chOff x="0" y="0"/>
+          <a:chExt cx="0" cy="0"/>
+        </a:xfrm>
+      </p:grpSpPr>
+      <p:sp>
+        <p:nvSpPr>
+          <p:cNvPr id="2" name="投影片影像版面配置區 1"/>
+          <p:cNvSpPr>
+            <a:spLocks noGrp="1" noRot="1" noChangeAspect="1"/>
+          </p:cNvSpPr>
+          <p:nvPr>
+            <p:ph type="sldImg"/>
+          </p:nvPr>
+        </p:nvSpPr>
+        <p:spPr/>
+      </p:sp>
+      <p:sp>
+        <p:nvSpPr>
+          <p:cNvPr id="3" name="備忘稿版面配置區 2"/>
+          <p:cNvSpPr>
+            <a:spLocks noGrp="1"/>
+          </p:cNvSpPr>
+          <p:nvPr>
+            <p:ph type="body" idx="1"/>
+          </p:nvPr>
+        </p:nvSpPr>
+        <p:spPr/>
+        <p:txBody>
+          <a:bodyPr/>
+          <a:lstStyle/>
+          <a:p>
+            <a:r>
+              <a:rPr lang="en-US" altLang="zh-TW" dirty="0" smtClean="0"/>
+              <a:t>Azure Deployment Manager </a:t>
+            </a:r>
+            <a:r>
+              <a:rPr lang="zh-TW" altLang="en-US" dirty="0" smtClean="0"/>
+              <a:t>與 </a:t>
+            </a:r>
+            <a:r>
+              <a:rPr lang="en-US" altLang="zh-TW" dirty="0" smtClean="0"/>
+              <a:t>Azure</a:t>
+            </a:r>
+            <a:r>
+              <a:rPr lang="zh-TW" altLang="en-US" dirty="0" smtClean="0"/>
+              <a:t> </a:t>
+            </a:r>
+            <a:r>
+              <a:rPr lang="en-US" altLang="zh-TW" dirty="0" smtClean="0"/>
+              <a:t>Lighthouse </a:t>
+            </a:r>
+            <a:r>
+              <a:rPr lang="zh-TW" altLang="en-US" dirty="0" smtClean="0"/>
+              <a:t>相關</a:t>
+            </a:r>
+            <a:endParaRPr lang="en-US" altLang="zh-TW" dirty="0" smtClean="0"/>
+          </a:p>
+          <a:p>
+            <a:endParaRPr lang="zh-TW" altLang="en-US" dirty="0"/>
+          </a:p>
+        </p:txBody>
+      </p:sp>
+      <p:sp>
+        <p:nvSpPr>
+          <p:cNvPr id="4" name="投影片編號版面配置區 3"/>
+          <p:cNvSpPr>
+            <a:spLocks noGrp="1"/>
+          </p:cNvSpPr>
+          <p:nvPr>
+            <p:ph type="sldNum" sz="quarter" idx="5"/>
+          </p:nvPr>
+        </p:nvSpPr>
+        <p:spPr/>
+        <p:txBody>
+          <a:bodyPr/>
+          <a:lstStyle/>
+          <a:p>
+            <a:fld id="{340D96AD-20E4-4A50-8B4C-09BA287D70DF}" type="slidenum">
+              <a:rPr lang="zh-TW" altLang="en-US" smtClean="0"/>
+              <a:pPr/>
+              <a:t>29</a:t>
+            </a:fld>
+            <a:endParaRPr lang="zh-TW" altLang="en-US"/>
+          </a:p>
+        </p:txBody>
+      </p:sp>
+    </p:spTree>
+    <p:extLst>
+      <p:ext uri="{BB962C8B-B14F-4D97-AF65-F5344CB8AC3E}">
+        <p14:creationId xmlns:p14="http://schemas.microsoft.com/office/powerpoint/2010/main" val="4216425603"/>
+      </p:ext>
+    </p:extLst>
+  </p:cSld>
+  <p:clrMapOvr>
+    <a:masterClrMapping/>
+  </p:clrMapOvr>
+</p:notes>
+</file>
+
+<file path=ppt/notesSlides/notesSlide27.xml><?xml version="1.0" encoding="utf-8"?>
+<p:notes xmlns:a="http://schemas.openxmlformats.org/drawingml/2006/main" xmlns:r="http://schemas.openxmlformats.org/officeDocument/2006/relationships" xmlns:p="http://schemas.openxmlformats.org/presentationml/2006/main">
+  <p:cSld>
+    <p:spTree>
+      <p:nvGrpSpPr>
+        <p:cNvPr id="1" name=""/>
+        <p:cNvGrpSpPr/>
+        <p:nvPr/>
+      </p:nvGrpSpPr>
+      <p:grpSpPr>
+        <a:xfrm>
+          <a:off x="0" y="0"/>
+          <a:ext cx="0" cy="0"/>
+          <a:chOff x="0" y="0"/>
+          <a:chExt cx="0" cy="0"/>
+        </a:xfrm>
+      </p:grpSpPr>
+      <p:sp>
+        <p:nvSpPr>
+          <p:cNvPr id="2" name="投影片影像版面配置區 1"/>
+          <p:cNvSpPr>
+            <a:spLocks noGrp="1" noRot="1" noChangeAspect="1"/>
+          </p:cNvSpPr>
+          <p:nvPr>
+            <p:ph type="sldImg"/>
+          </p:nvPr>
+        </p:nvSpPr>
+        <p:spPr>
+          <a:xfrm>
+            <a:off x="381000" y="685800"/>
+            <a:ext cx="6096000" cy="3429000"/>
+          </a:xfrm>
+        </p:spPr>
+      </p:sp>
+      <p:sp>
+        <p:nvSpPr>
+          <p:cNvPr id="3" name="備忘稿版面配置區 2"/>
+          <p:cNvSpPr>
+            <a:spLocks noGrp="1"/>
+          </p:cNvSpPr>
+          <p:nvPr>
+            <p:ph type="body" idx="1"/>
+          </p:nvPr>
+        </p:nvSpPr>
+        <p:spPr/>
+        <p:txBody>
+          <a:bodyPr/>
+          <a:lstStyle/>
+          <a:p>
+            <a:endParaRPr lang="zh-TW" altLang="en-US" dirty="0"/>
+          </a:p>
+        </p:txBody>
+      </p:sp>
+      <p:sp>
+        <p:nvSpPr>
+          <p:cNvPr id="4" name="投影片編號版面配置區 3"/>
+          <p:cNvSpPr>
+            <a:spLocks noGrp="1"/>
+          </p:cNvSpPr>
+          <p:nvPr>
+            <p:ph type="sldNum" sz="quarter" idx="5"/>
+          </p:nvPr>
+        </p:nvSpPr>
+        <p:spPr/>
+        <p:txBody>
+          <a:bodyPr/>
+          <a:lstStyle/>
+          <a:p>
+            <a:fld id="{340D96AD-20E4-4A50-8B4C-09BA287D70DF}" type="slidenum">
+              <a:rPr lang="zh-TW" altLang="en-US" smtClean="0"/>
+              <a:pPr/>
+              <a:t>30</a:t>
+            </a:fld>
+            <a:endParaRPr lang="zh-TW" altLang="en-US"/>
+          </a:p>
+        </p:txBody>
+      </p:sp>
+    </p:spTree>
+    <p:extLst>
+      <p:ext uri="{BB962C8B-B14F-4D97-AF65-F5344CB8AC3E}">
+        <p14:creationId xmlns:p14="http://schemas.microsoft.com/office/powerpoint/2010/main" val="2894985844"/>
       </p:ext>
     </p:extLst>
   </p:cSld>
@@ -2210,8 +3243,89 @@
                 <a:ea typeface="+mn-ea"/>
                 <a:cs typeface="+mn-cs"/>
               </a:rPr>
-              <a:t>arm!-&gt; storage-&gt;arm-storage</a:t>
-            </a:r>
+              <a:t>arm!-&gt; storage-&gt;</a:t>
+            </a:r>
+            <a:r>
+              <a:rPr lang="en-US" altLang="zh-TW" sz="1200" b="0" i="0" kern="1200" dirty="0" smtClean="0">
+                <a:solidFill>
+                  <a:schemeClr val="tx1"/>
+                </a:solidFill>
+                <a:effectLst/>
+                <a:latin typeface="+mn-lt"/>
+                <a:ea typeface="+mn-ea"/>
+                <a:cs typeface="+mn-cs"/>
+              </a:rPr>
+              <a:t>arm-storage</a:t>
+            </a:r>
+          </a:p>
+          <a:p>
+            <a:endParaRPr lang="en-US" altLang="zh-TW" sz="1200" b="0" i="0" kern="1200" dirty="0" smtClean="0">
+              <a:solidFill>
+                <a:schemeClr val="tx1"/>
+              </a:solidFill>
+              <a:effectLst/>
+              <a:latin typeface="+mn-lt"/>
+              <a:ea typeface="+mn-ea"/>
+              <a:cs typeface="+mn-cs"/>
+            </a:endParaRPr>
+          </a:p>
+          <a:p>
+            <a:r>
+              <a:rPr lang="zh-TW" altLang="en-US" sz="1200" b="0" i="0" kern="1200" dirty="0" smtClean="0">
+                <a:solidFill>
+                  <a:schemeClr val="tx1"/>
+                </a:solidFill>
+                <a:effectLst/>
+                <a:latin typeface="+mn-lt"/>
+                <a:ea typeface="+mn-ea"/>
+                <a:cs typeface="+mn-cs"/>
+              </a:rPr>
+              <a:t>透過</a:t>
+            </a:r>
+            <a:r>
+              <a:rPr lang="en-US" altLang="zh-TW" sz="1200" b="0" i="0" kern="1200" dirty="0" err="1" smtClean="0">
+                <a:solidFill>
+                  <a:schemeClr val="tx1"/>
+                </a:solidFill>
+                <a:effectLst/>
+                <a:latin typeface="+mn-lt"/>
+                <a:ea typeface="+mn-ea"/>
+                <a:cs typeface="+mn-cs"/>
+              </a:rPr>
+              <a:t>dependon</a:t>
+            </a:r>
+            <a:r>
+              <a:rPr lang="zh-TW" altLang="en-US" sz="1200" b="0" i="0" kern="1200" dirty="0" smtClean="0">
+                <a:solidFill>
+                  <a:schemeClr val="tx1"/>
+                </a:solidFill>
+                <a:effectLst/>
+                <a:latin typeface="+mn-lt"/>
+                <a:ea typeface="+mn-ea"/>
+                <a:cs typeface="+mn-cs"/>
+              </a:rPr>
+              <a:t>決定資源安裝順序</a:t>
+            </a:r>
+            <a:endParaRPr lang="en-US" altLang="zh-TW" sz="1200" b="0" i="0" kern="1200" dirty="0" smtClean="0">
+              <a:solidFill>
+                <a:schemeClr val="tx1"/>
+              </a:solidFill>
+              <a:effectLst/>
+              <a:latin typeface="+mn-lt"/>
+              <a:ea typeface="+mn-ea"/>
+              <a:cs typeface="+mn-cs"/>
+            </a:endParaRPr>
+          </a:p>
+          <a:p>
+            <a:endParaRPr lang="en-US" altLang="zh-TW" sz="1200" b="0" i="0" kern="1200" dirty="0">
+              <a:solidFill>
+                <a:schemeClr val="tx1"/>
+              </a:solidFill>
+              <a:effectLst/>
+              <a:latin typeface="+mn-lt"/>
+              <a:ea typeface="+mn-ea"/>
+              <a:cs typeface="+mn-cs"/>
+            </a:endParaRPr>
           </a:p>
           <a:p>
             <a:endParaRPr lang="zh-TW" altLang="en-US" dirty="0"/>
@@ -2636,7 +3750,57 @@
           <a:lstStyle/>
           <a:p>
             <a:r>
-              <a:rPr lang="en-US" altLang="zh-TW" sz="1200" b="0" i="0" kern="1200" dirty="0" err="1">
+              <a:rPr lang="en-US" altLang="zh-TW" dirty="0">
+                <a:solidFill>
+                  <a:schemeClr val="accent1">
+                    <a:lumMod val="50000"/>
+                  </a:schemeClr>
+                </a:solidFill>
+              </a:rPr>
+              <a:t>New-</a:t>
+            </a:r>
+            <a:r>
+              <a:rPr lang="en-US" altLang="zh-TW" dirty="0" err="1">
+                <a:solidFill>
+                  <a:schemeClr val="accent1">
+                    <a:lumMod val="50000"/>
+                  </a:schemeClr>
+                </a:solidFill>
+              </a:rPr>
+              <a:t>AzResourceGroupDeployment</a:t>
+            </a:r>
+            <a:r>
+              <a:rPr lang="zh-TW" altLang="en-US" dirty="0">
+                <a:solidFill>
+                  <a:schemeClr val="accent1">
+                    <a:lumMod val="50000"/>
+                  </a:schemeClr>
+                </a:solidFill>
+              </a:rPr>
+              <a:t>設定 </a:t>
+            </a:r>
+            <a:r>
+              <a:rPr lang="en-US" altLang="zh-TW" dirty="0">
+                <a:solidFill>
+                  <a:schemeClr val="accent1">
+                    <a:lumMod val="50000"/>
+                  </a:schemeClr>
+                </a:solidFill>
+              </a:rPr>
+              <a:t>Name</a:t>
+            </a:r>
+            <a:r>
+              <a:rPr lang="zh-TW" altLang="en-US" dirty="0">
+                <a:solidFill>
+                  <a:schemeClr val="accent1">
+                    <a:lumMod val="50000"/>
+                  </a:schemeClr>
+                </a:solidFill>
+              </a:rPr>
+              <a:t> </a:t>
+            </a:r>
+            <a:r>
+              <a:rPr lang="zh-TW" altLang="en-US" sz="1200" b="0" i="0" kern="1200" dirty="0">
                 <a:solidFill>
                   <a:schemeClr val="tx1"/>
                 </a:solidFill>
@@ -2645,8 +3809,66 @@
                 <a:ea typeface="+mn-ea"/>
                 <a:cs typeface="+mn-cs"/>
               </a:rPr>
-              <a:t>dependsOn</a:t>
-            </a:r>
+              <a:t>名稱相同會複寫</a:t>
+            </a:r>
+            <a:endParaRPr lang="en-US" altLang="zh-TW" sz="1200" b="0" i="0" kern="1200" dirty="0">
+              <a:solidFill>
+                <a:schemeClr val="tx1"/>
+              </a:solidFill>
+              <a:effectLst/>
+              <a:latin typeface="+mn-lt"/>
+              <a:ea typeface="+mn-ea"/>
+              <a:cs typeface="+mn-cs"/>
+            </a:endParaRPr>
+          </a:p>
+          <a:p>
+            <a:r>
+              <a:rPr lang="zh-TW" altLang="en-US" sz="1200" b="0" i="0" kern="1200" dirty="0">
+                <a:solidFill>
+                  <a:schemeClr val="tx1"/>
+                </a:solidFill>
+                <a:effectLst/>
+                <a:latin typeface="+mn-lt"/>
+                <a:ea typeface="+mn-ea"/>
+                <a:cs typeface="+mn-cs"/>
+              </a:rPr>
+              <a:t>沒指定名稱會預設代</a:t>
+            </a:r>
+            <a:r>
+              <a:rPr lang="en-US" altLang="zh-TW" sz="1200" b="0" i="0" kern="1200" dirty="0">
+                <a:solidFill>
+                  <a:schemeClr val="tx1"/>
+                </a:solidFill>
+                <a:effectLst/>
+                <a:latin typeface="+mn-lt"/>
+                <a:ea typeface="+mn-ea"/>
+                <a:cs typeface="+mn-cs"/>
+              </a:rPr>
+              <a:t>Template </a:t>
+            </a:r>
+            <a:r>
+              <a:rPr lang="zh-TW" altLang="en-US" sz="1200" b="0" i="0" kern="1200" dirty="0">
+                <a:solidFill>
+                  <a:schemeClr val="tx1"/>
+                </a:solidFill>
+                <a:effectLst/>
+                <a:latin typeface="+mn-lt"/>
+                <a:ea typeface="+mn-ea"/>
+                <a:cs typeface="+mn-cs"/>
+              </a:rPr>
+              <a:t>檔名</a:t>
+            </a:r>
+            <a:endParaRPr lang="en-US" altLang="zh-TW" sz="1200" b="0" i="0" kern="1200" dirty="0">
+              <a:solidFill>
+                <a:schemeClr val="tx1"/>
+              </a:solidFill>
+              <a:effectLst/>
+              <a:latin typeface="+mn-lt"/>
+              <a:ea typeface="+mn-ea"/>
+              <a:cs typeface="+mn-cs"/>
+            </a:endParaRPr>
+          </a:p>
+          <a:p>
             <a:endParaRPr lang="zh-TW" altLang="en-US" dirty="0"/>
           </a:p>
         </p:txBody>
@@ -2678,7 +3900,7 @@
     </p:spTree>
     <p:extLst>
       <p:ext uri="{BB962C8B-B14F-4D97-AF65-F5344CB8AC3E}">
-        <p14:creationId xmlns:p14="http://schemas.microsoft.com/office/powerpoint/2010/main" val="737672941"/>
+        <p14:creationId xmlns:p14="http://schemas.microsoft.com/office/powerpoint/2010/main" val="2879847677"/>
       </p:ext>
     </p:extLst>
   </p:cSld>
@@ -2733,39 +3955,126 @@
           <a:lstStyle/>
           <a:p>
             <a:r>
-              <a:rPr lang="zh-TW" altLang="en-US" sz="1200" dirty="0"/>
-              <a:t>資源管理器會將範本轉換為 </a:t>
-            </a:r>
-            <a:r>
-              <a:rPr lang="en-US" altLang="zh-TW" sz="1200" dirty="0"/>
-              <a:t>REST API </a:t>
-            </a:r>
-            <a:r>
-              <a:rPr lang="zh-TW" altLang="en-US" sz="1200" dirty="0"/>
-              <a:t>操作</a:t>
-            </a:r>
-            <a:endParaRPr lang="en-US" altLang="zh-TW" sz="1200" dirty="0">
-              <a:latin typeface="標楷體" panose="03000509000000000000" pitchFamily="65" charset="-120"/>
-              <a:ea typeface="標楷體" panose="03000509000000000000" pitchFamily="65" charset="-120"/>
+              <a:rPr lang="en-US" altLang="zh-TW" dirty="0">
+                <a:solidFill>
+                  <a:schemeClr val="accent1">
+                    <a:lumMod val="50000"/>
+                  </a:schemeClr>
+                </a:solidFill>
+              </a:rPr>
+              <a:t>New-</a:t>
+            </a:r>
+            <a:r>
+              <a:rPr lang="en-US" altLang="zh-TW" dirty="0" err="1">
+                <a:solidFill>
+                  <a:schemeClr val="accent1">
+                    <a:lumMod val="50000"/>
+                  </a:schemeClr>
+                </a:solidFill>
+              </a:rPr>
+              <a:t>AzResourceGroupDeployment</a:t>
+            </a:r>
+            <a:r>
+              <a:rPr lang="zh-TW" altLang="en-US" dirty="0">
+                <a:solidFill>
+                  <a:schemeClr val="accent1">
+                    <a:lumMod val="50000"/>
+                  </a:schemeClr>
+                </a:solidFill>
+              </a:rPr>
+              <a:t>設定 </a:t>
+            </a:r>
+            <a:r>
+              <a:rPr lang="en-US" altLang="zh-TW" dirty="0">
+                <a:solidFill>
+                  <a:schemeClr val="accent1">
+                    <a:lumMod val="50000"/>
+                  </a:schemeClr>
+                </a:solidFill>
+              </a:rPr>
+              <a:t>Name</a:t>
+            </a:r>
+            <a:r>
+              <a:rPr lang="zh-TW" altLang="en-US" dirty="0">
+                <a:solidFill>
+                  <a:schemeClr val="accent1">
+                    <a:lumMod val="50000"/>
+                  </a:schemeClr>
+                </a:solidFill>
+              </a:rPr>
+              <a:t> </a:t>
+            </a:r>
+            <a:r>
+              <a:rPr lang="zh-TW" altLang="en-US" sz="1200" b="0" i="0" kern="1200" dirty="0">
+                <a:solidFill>
+                  <a:schemeClr val="tx1"/>
+                </a:solidFill>
+                <a:effectLst/>
+                <a:latin typeface="+mn-lt"/>
+                <a:ea typeface="+mn-ea"/>
+                <a:cs typeface="+mn-cs"/>
+              </a:rPr>
+              <a:t>名稱相同會複寫</a:t>
+            </a:r>
+            <a:endParaRPr lang="en-US" altLang="zh-TW" sz="1200" b="0" i="0" kern="1200" dirty="0">
+              <a:solidFill>
+                <a:schemeClr val="tx1"/>
+              </a:solidFill>
+              <a:effectLst/>
+              <a:latin typeface="+mn-lt"/>
+              <a:ea typeface="+mn-ea"/>
+              <a:cs typeface="+mn-cs"/>
             </a:endParaRPr>
           </a:p>
           <a:p>
-            <a:endParaRPr lang="en-US" altLang="zh-TW" sz="1200" dirty="0">
-              <a:latin typeface="標楷體" panose="03000509000000000000" pitchFamily="65" charset="-120"/>
-              <a:ea typeface="標楷體" panose="03000509000000000000" pitchFamily="65" charset="-120"/>
+            <a:r>
+              <a:rPr lang="zh-TW" altLang="en-US" sz="1200" b="0" i="0" kern="1200" dirty="0">
+                <a:solidFill>
+                  <a:schemeClr val="tx1"/>
+                </a:solidFill>
+                <a:effectLst/>
+                <a:latin typeface="+mn-lt"/>
+                <a:ea typeface="+mn-ea"/>
+                <a:cs typeface="+mn-cs"/>
+              </a:rPr>
+              <a:t>沒指定名稱會預設代</a:t>
+            </a:r>
+            <a:r>
+              <a:rPr lang="en-US" altLang="zh-TW" sz="1200" b="0" i="0" kern="1200" dirty="0">
+                <a:solidFill>
+                  <a:schemeClr val="tx1"/>
+                </a:solidFill>
+                <a:effectLst/>
+                <a:latin typeface="+mn-lt"/>
+                <a:ea typeface="+mn-ea"/>
+                <a:cs typeface="+mn-cs"/>
+              </a:rPr>
+              <a:t>Template </a:t>
+            </a:r>
+            <a:r>
+              <a:rPr lang="zh-TW" altLang="en-US" sz="1200" b="0" i="0" kern="1200" dirty="0">
+                <a:solidFill>
+                  <a:schemeClr val="tx1"/>
+                </a:solidFill>
+                <a:effectLst/>
+                <a:latin typeface="+mn-lt"/>
+                <a:ea typeface="+mn-ea"/>
+                <a:cs typeface="+mn-cs"/>
+              </a:rPr>
+              <a:t>檔名</a:t>
+            </a:r>
+            <a:endParaRPr lang="en-US" altLang="zh-TW" sz="1200" b="0" i="0" kern="1200" dirty="0">
+              <a:solidFill>
+                <a:schemeClr val="tx1"/>
+              </a:solidFill>
+              <a:effectLst/>
+              <a:latin typeface="+mn-lt"/>
+              <a:ea typeface="+mn-ea"/>
+              <a:cs typeface="+mn-cs"/>
             </a:endParaRPr>
           </a:p>
           <a:p>
-            <a:endParaRPr lang="en-US" altLang="zh-TW" sz="1200" dirty="0">
-              <a:latin typeface="標楷體" panose="03000509000000000000" pitchFamily="65" charset="-120"/>
-              <a:ea typeface="標楷體" panose="03000509000000000000" pitchFamily="65" charset="-120"/>
-            </a:endParaRPr>
-          </a:p>
-          <a:p>
-            <a:endParaRPr lang="zh-TW" altLang="en-US" sz="1200" dirty="0">
-              <a:latin typeface="標楷體" panose="03000509000000000000" pitchFamily="65" charset="-120"/>
-              <a:ea typeface="標楷體" panose="03000509000000000000" pitchFamily="65" charset="-120"/>
-            </a:endParaRPr>
+            <a:endParaRPr lang="zh-TW" altLang="en-US" dirty="0"/>
           </a:p>
         </p:txBody>
       </p:sp>
@@ -2796,7 +4105,7 @@
     </p:spTree>
     <p:extLst>
       <p:ext uri="{BB962C8B-B14F-4D97-AF65-F5344CB8AC3E}">
-        <p14:creationId xmlns:p14="http://schemas.microsoft.com/office/powerpoint/2010/main" val="1383340830"/>
+        <p14:creationId xmlns:p14="http://schemas.microsoft.com/office/powerpoint/2010/main" val="619151018"/>
       </p:ext>
     </p:extLst>
   </p:cSld>
@@ -9963,36 +11272,12 @@
               <a:t>Template </a:t>
             </a:r>
             <a:r>
-              <a:rPr lang="zh-TW" altLang="en-US" dirty="0">
+              <a:rPr lang="zh-TW" altLang="en-US" dirty="0" smtClean="0">
                 <a:latin typeface="標楷體" panose="03000509000000000000" pitchFamily="65" charset="-120"/>
                 <a:ea typeface="標楷體" panose="03000509000000000000" pitchFamily="65" charset="-120"/>
                 <a:cs typeface="Times New Roman" panose="02020603050405020304" pitchFamily="18" charset="0"/>
               </a:rPr>
-              <a:t>部屬 </a:t>
-            </a:r>
-            <a:r>
-              <a:rPr lang="en-US" altLang="zh-TW" dirty="0">
-                <a:latin typeface="標楷體" panose="03000509000000000000" pitchFamily="65" charset="-120"/>
-                <a:ea typeface="標楷體" panose="03000509000000000000" pitchFamily="65" charset="-120"/>
-                <a:cs typeface="Times New Roman" panose="02020603050405020304" pitchFamily="18" charset="0"/>
-              </a:rPr>
-              <a:t>&amp;</a:t>
-            </a:r>
-            <a:r>
-              <a:rPr lang="zh-TW" altLang="en-US" dirty="0">
-                <a:latin typeface="標楷體" panose="03000509000000000000" pitchFamily="65" charset="-120"/>
-                <a:ea typeface="標楷體" panose="03000509000000000000" pitchFamily="65" charset="-120"/>
-                <a:cs typeface="Times New Roman" panose="02020603050405020304" pitchFamily="18" charset="0"/>
-              </a:rPr>
-              <a:t> </a:t>
-            </a:r>
-            <a:r>
-              <a:rPr lang="en-US" altLang="zh-TW" dirty="0">
-                <a:latin typeface="標楷體" panose="03000509000000000000" pitchFamily="65" charset="-120"/>
-                <a:ea typeface="標楷體" panose="03000509000000000000" pitchFamily="65" charset="-120"/>
-                <a:cs typeface="Times New Roman" panose="02020603050405020304" pitchFamily="18" charset="0"/>
-              </a:rPr>
-              <a:t>Azure Logic Apps</a:t>
+              <a:t>部屬</a:t>
             </a:r>
             <a:endParaRPr lang="zh-TW" altLang="en-US" dirty="0">
               <a:latin typeface="標楷體" panose="03000509000000000000" pitchFamily="65" charset="-120"/>
@@ -10101,7 +11386,7 @@
           <p:cNvPr id="3" name="內容版面配置區 2">
             <a:extLst>
               <a:ext uri="{FF2B5EF4-FFF2-40B4-BE49-F238E27FC236}">
-                <a16:creationId xmlns:a16="http://schemas.microsoft.com/office/drawing/2014/main" id="{F6F48397-A7C4-4B51-8F76-1A1BA24D1249}"/>
+                <a16:creationId xmlns:a16="http://schemas.microsoft.com/office/drawing/2014/main" xmlns="" id="{F6F48397-A7C4-4B51-8F76-1A1BA24D1249}"/>
               </a:ext>
             </a:extLst>
           </p:cNvPr>
@@ -10343,32 +11628,18 @@
           <a:lstStyle/>
           <a:p>
             <a:r>
-              <a:rPr lang="zh-TW" altLang="en-US" dirty="0">
+              <a:rPr lang="en-US" altLang="zh-TW" dirty="0" smtClean="0">
                 <a:latin typeface="標楷體" panose="03000509000000000000" pitchFamily="65" charset="-120"/>
                 <a:ea typeface="標楷體" panose="03000509000000000000" pitchFamily="65" charset="-120"/>
               </a:rPr>
-              <a:t>常見</a:t>
-            </a:r>
-            <a:r>
-              <a:rPr lang="en-US" altLang="zh-TW" dirty="0">
+              <a:t>ARM </a:t>
+            </a:r>
+            <a:r>
+              <a:rPr lang="zh-TW" altLang="en-US" dirty="0" smtClean="0">
                 <a:latin typeface="標楷體" panose="03000509000000000000" pitchFamily="65" charset="-120"/>
                 <a:ea typeface="標楷體" panose="03000509000000000000" pitchFamily="65" charset="-120"/>
               </a:rPr>
-              <a:t>ARM</a:t>
-            </a:r>
-            <a:r>
-              <a:rPr lang="zh-TW" altLang="en-US" dirty="0">
-                <a:latin typeface="標楷體" panose="03000509000000000000" pitchFamily="65" charset="-120"/>
-                <a:ea typeface="標楷體" panose="03000509000000000000" pitchFamily="65" charset="-120"/>
-              </a:rPr>
-              <a:t> </a:t>
-            </a:r>
-            <a:r>
-              <a:rPr lang="en-US" altLang="zh-TW" dirty="0">
-                <a:latin typeface="標楷體" panose="03000509000000000000" pitchFamily="65" charset="-120"/>
-                <a:ea typeface="標楷體" panose="03000509000000000000" pitchFamily="65" charset="-120"/>
-              </a:rPr>
-              <a:t>Template Function</a:t>
+              <a:t>範本結構描述</a:t>
             </a:r>
             <a:endParaRPr lang="zh-TW" altLang="en-US" dirty="0">
               <a:latin typeface="標楷體" panose="03000509000000000000" pitchFamily="65" charset="-120"/>
@@ -10548,13 +11819,7 @@
       </p:sp>
       <p:sp>
         <p:nvSpPr>
-          <p:cNvPr id="2" name="內容版面配置區 1">
-            <a:extLst>
-              <a:ext uri="{FF2B5EF4-FFF2-40B4-BE49-F238E27FC236}">
-                <a16:creationId xmlns:a16="http://schemas.microsoft.com/office/drawing/2014/main" id="{E21BEB3C-975F-4C47-AD59-E9032615C5D7}"/>
-              </a:ext>
-            </a:extLst>
-          </p:cNvPr>
+          <p:cNvPr id="2" name="內容版面配置區 1"/>
           <p:cNvSpPr>
             <a:spLocks noGrp="1"/>
           </p:cNvSpPr>
@@ -10567,90 +11832,62 @@
           <a:bodyPr/>
           <a:lstStyle/>
           <a:p>
+            <a:endParaRPr lang="en-US" altLang="zh-TW" dirty="0" smtClean="0"/>
+          </a:p>
+          <a:p>
+            <a:r>
+              <a:rPr lang="en-US" altLang="zh-TW" dirty="0" smtClean="0"/>
+              <a:t>https</a:t>
+            </a:r>
             <a:r>
               <a:rPr lang="en-US" altLang="zh-TW" dirty="0"/>
-              <a:t>[parameters(‘</a:t>
-            </a:r>
-            <a:r>
-              <a:rPr lang="en-US" altLang="zh-TW" b="1" i="1" dirty="0"/>
-              <a:t>&lt;Parameter Name&gt;</a:t>
-            </a:r>
+              <a:t>://schema.management.azure.com/schemas/2019-04-01/deploymentTemplate.json</a:t>
+            </a:r>
+            <a:r>
+              <a:rPr lang="en-US" altLang="zh-TW" dirty="0" smtClean="0"/>
+              <a:t>#</a:t>
+            </a:r>
+            <a:endParaRPr lang="en-US" altLang="zh-TW" dirty="0"/>
+          </a:p>
+          <a:p>
             <a:r>
               <a:rPr lang="en-US" altLang="zh-TW" dirty="0"/>
-              <a:t>’)]</a:t>
+              <a:t>https://schema.management.azure.com/schemas/2015-01-01/deploymentParameters.json#"</a:t>
             </a:r>
           </a:p>
           <a:p>
             <a:endParaRPr lang="en-US" altLang="zh-TW" dirty="0"/>
           </a:p>
-          <a:p>
-            <a:r>
-              <a:rPr lang="en-US" altLang="zh-TW" dirty="0"/>
-              <a:t>[variables(‘’)]</a:t>
-            </a:r>
-            <a:endParaRPr lang="zh-TW" altLang="en-US" dirty="0"/>
-          </a:p>
-          <a:p>
-            <a:pPr marL="0" indent="0">
-              <a:buNone/>
-            </a:pPr>
-            <a:endParaRPr lang="en-US" altLang="zh-TW" dirty="0"/>
-          </a:p>
-          <a:p>
-            <a:r>
-              <a:rPr lang="en-US" altLang="zh-TW" dirty="0"/>
-              <a:t>[</a:t>
-            </a:r>
-            <a:r>
-              <a:rPr lang="en-US" altLang="zh-TW" dirty="0" err="1"/>
-              <a:t>resourceGroup</a:t>
-            </a:r>
-            <a:r>
-              <a:rPr lang="en-US" altLang="zh-TW" dirty="0"/>
-              <a:t>().</a:t>
-            </a:r>
-            <a:r>
-              <a:rPr lang="en-US" altLang="zh-TW" b="1" i="1" dirty="0"/>
-              <a:t>&lt;Azure Resource Property&gt;</a:t>
-            </a:r>
-            <a:r>
-              <a:rPr lang="en-US" altLang="zh-TW" dirty="0"/>
-              <a:t>]</a:t>
-            </a:r>
-          </a:p>
-          <a:p>
-            <a:pPr lvl="1"/>
-            <a:r>
-              <a:rPr lang="en-US" altLang="zh-TW" dirty="0" err="1"/>
-              <a:t>Ex:location</a:t>
-            </a:r>
-            <a:r>
-              <a:rPr lang="en-US" altLang="zh-TW" dirty="0"/>
-              <a:t>, name</a:t>
-            </a:r>
-          </a:p>
-          <a:p>
-            <a:pPr lvl="1"/>
-            <a:endParaRPr lang="en-US" altLang="zh-TW" dirty="0"/>
-          </a:p>
-          <a:p>
-            <a:r>
-              <a:rPr lang="en-US" altLang="zh-TW" dirty="0">
-                <a:hlinkClick r:id="rId3"/>
-              </a:rPr>
-              <a:t>Reference: Function</a:t>
-            </a:r>
-            <a:endParaRPr lang="en-US" altLang="zh-TW" dirty="0"/>
-          </a:p>
-          <a:p>
-            <a:endParaRPr lang="en-US" altLang="zh-TW" dirty="0"/>
-          </a:p>
-        </p:txBody>
-      </p:sp>
+        </p:txBody>
+      </p:sp>
+      <p:pic>
+        <p:nvPicPr>
+          <p:cNvPr id="4" name="圖片 3"/>
+          <p:cNvPicPr>
+            <a:picLocks noChangeAspect="1"/>
+          </p:cNvPicPr>
+          <p:nvPr/>
+        </p:nvPicPr>
+        <p:blipFill>
+          <a:blip r:embed="rId3"/>
+          <a:stretch>
+            <a:fillRect/>
+          </a:stretch>
+        </p:blipFill>
+        <p:spPr>
+          <a:xfrm>
+            <a:off x="378981" y="1772816"/>
+            <a:ext cx="11813019" cy="3338462"/>
+          </a:xfrm>
+          <a:prstGeom prst="rect">
+            <a:avLst/>
+          </a:prstGeom>
+        </p:spPr>
+      </p:pic>
     </p:spTree>
     <p:extLst>
       <p:ext uri="{BB962C8B-B14F-4D97-AF65-F5344CB8AC3E}">
-        <p14:creationId xmlns:p14="http://schemas.microsoft.com/office/powerpoint/2010/main" val="2807073787"/>
+        <p14:creationId xmlns:p14="http://schemas.microsoft.com/office/powerpoint/2010/main" val="1323552180"/>
       </p:ext>
     </p:extLst>
   </p:cSld>
@@ -10693,19 +11930,23 @@
           <a:lstStyle/>
           <a:p>
             <a:r>
-              <a:rPr lang="en-US" altLang="zh-TW" dirty="0">
+              <a:rPr lang="en-US" altLang="zh-TW" dirty="0" smtClean="0">
                 <a:latin typeface="標楷體" panose="03000509000000000000" pitchFamily="65" charset="-120"/>
                 <a:ea typeface="標楷體" panose="03000509000000000000" pitchFamily="65" charset="-120"/>
               </a:rPr>
-              <a:t>ARM Template </a:t>
-            </a:r>
-            <a:r>
-              <a:rPr lang="zh-TW" altLang="en-US" dirty="0">
+              <a:t>ARM </a:t>
+            </a:r>
+            <a:r>
+              <a:rPr lang="zh-TW" altLang="en-US" dirty="0" smtClean="0">
                 <a:latin typeface="標楷體" panose="03000509000000000000" pitchFamily="65" charset="-120"/>
                 <a:ea typeface="標楷體" panose="03000509000000000000" pitchFamily="65" charset="-120"/>
               </a:rPr>
-              <a:t>設計</a:t>
-            </a:r>
+              <a:t>範本結構描述</a:t>
+            </a:r>
+            <a:endParaRPr lang="zh-TW" altLang="en-US" dirty="0">
+              <a:latin typeface="標楷體" panose="03000509000000000000" pitchFamily="65" charset="-120"/>
+              <a:ea typeface="標楷體" panose="03000509000000000000" pitchFamily="65" charset="-120"/>
+            </a:endParaRPr>
           </a:p>
         </p:txBody>
       </p:sp>
@@ -10878,12 +12119,1015 @@
           </a:p>
         </p:txBody>
       </p:sp>
+      <p:sp>
+        <p:nvSpPr>
+          <p:cNvPr id="2" name="內容版面配置區 1"/>
+          <p:cNvSpPr>
+            <a:spLocks noGrp="1"/>
+          </p:cNvSpPr>
+          <p:nvPr>
+            <p:ph idx="1"/>
+          </p:nvPr>
+        </p:nvSpPr>
+        <p:spPr/>
+        <p:txBody>
+          <a:bodyPr/>
+          <a:lstStyle/>
+          <a:p>
+            <a:r>
+              <a:rPr lang="zh-TW" altLang="en-US" sz="2800" dirty="0" smtClean="0"/>
+              <a:t>訂用帳戶層級 部屬</a:t>
+            </a:r>
+            <a:r>
+              <a:rPr lang="zh-TW" altLang="en-US" sz="2800" dirty="0"/>
+              <a:t>架構</a:t>
+            </a:r>
+            <a:r>
+              <a:rPr lang="en-US" altLang="zh-TW" sz="2800" dirty="0" smtClean="0"/>
+              <a:t>:</a:t>
+            </a:r>
+          </a:p>
+          <a:p>
+            <a:pPr lvl="1"/>
+            <a:r>
+              <a:rPr lang="en-US" altLang="zh-TW" sz="2400" dirty="0"/>
+              <a:t>https://schema.management.azure.com/schemas/2018-05-01/subscriptionDeploymentTemplate.json</a:t>
+            </a:r>
+            <a:r>
+              <a:rPr lang="en-US" altLang="zh-TW" sz="2400" dirty="0" smtClean="0"/>
+              <a:t>#</a:t>
+            </a:r>
+          </a:p>
+          <a:p>
+            <a:r>
+              <a:rPr lang="zh-TW" altLang="en-US" sz="2800" dirty="0" smtClean="0"/>
+              <a:t>部屬層級 部屬架構</a:t>
+            </a:r>
+            <a:r>
+              <a:rPr lang="en-US" altLang="zh-TW" sz="2800" dirty="0" smtClean="0"/>
+              <a:t>:</a:t>
+            </a:r>
+          </a:p>
+          <a:p>
+            <a:pPr lvl="1"/>
+            <a:r>
+              <a:rPr lang="en-US" altLang="zh-TW" sz="2400" dirty="0" smtClean="0"/>
+              <a:t>https</a:t>
+            </a:r>
+            <a:r>
+              <a:rPr lang="en-US" altLang="zh-TW" sz="2400" dirty="0"/>
+              <a:t>://schema.management.azure.com/schemas/2019-04-01/deploymentTemplate.json</a:t>
+            </a:r>
+            <a:r>
+              <a:rPr lang="en-US" altLang="zh-TW" sz="2400" dirty="0" smtClean="0"/>
+              <a:t>#</a:t>
+            </a:r>
+          </a:p>
+          <a:p>
+            <a:r>
+              <a:rPr lang="zh-TW" altLang="en-US" sz="2800" dirty="0" smtClean="0"/>
+              <a:t>參數檔 部屬</a:t>
+            </a:r>
+            <a:r>
+              <a:rPr lang="zh-TW" altLang="en-US" sz="2800" dirty="0"/>
+              <a:t>架構</a:t>
+            </a:r>
+            <a:r>
+              <a:rPr lang="en-US" altLang="zh-TW" sz="2800" dirty="0" smtClean="0"/>
+              <a:t>:</a:t>
+            </a:r>
+            <a:endParaRPr lang="en-US" altLang="zh-TW" sz="2800" dirty="0"/>
+          </a:p>
+          <a:p>
+            <a:pPr lvl="1"/>
+            <a:r>
+              <a:rPr lang="en-US" altLang="zh-TW" sz="2400" dirty="0"/>
+              <a:t>https://schema.management.azure.com/schemas/2015-01-01/deploymentParameters.json</a:t>
+            </a:r>
+            <a:r>
+              <a:rPr lang="en-US" altLang="zh-TW" sz="2400" dirty="0" smtClean="0"/>
+              <a:t>#</a:t>
+            </a:r>
+          </a:p>
+          <a:p>
+            <a:endParaRPr lang="en-US" altLang="zh-TW" sz="2800" dirty="0"/>
+          </a:p>
+          <a:p>
+            <a:endParaRPr lang="en-US" altLang="zh-TW" sz="2800" dirty="0"/>
+          </a:p>
+        </p:txBody>
+      </p:sp>
+    </p:spTree>
+    <p:extLst>
+      <p:ext uri="{BB962C8B-B14F-4D97-AF65-F5344CB8AC3E}">
+        <p14:creationId xmlns:p14="http://schemas.microsoft.com/office/powerpoint/2010/main" val="4164214892"/>
+      </p:ext>
+    </p:extLst>
+  </p:cSld>
+  <p:clrMapOvr>
+    <a:masterClrMapping/>
+  </p:clrMapOvr>
+</p:sld>
+</file>
+
+<file path=ppt/slides/slide13.xml><?xml version="1.0" encoding="utf-8"?>
+<p:sld xmlns:a="http://schemas.openxmlformats.org/drawingml/2006/main" xmlns:r="http://schemas.openxmlformats.org/officeDocument/2006/relationships" xmlns:p="http://schemas.openxmlformats.org/presentationml/2006/main">
+  <p:cSld>
+    <p:spTree>
+      <p:nvGrpSpPr>
+        <p:cNvPr id="1" name=""/>
+        <p:cNvGrpSpPr/>
+        <p:nvPr/>
+      </p:nvGrpSpPr>
+      <p:grpSpPr>
+        <a:xfrm>
+          <a:off x="0" y="0"/>
+          <a:ext cx="0" cy="0"/>
+          <a:chOff x="0" y="0"/>
+          <a:chExt cx="0" cy="0"/>
+        </a:xfrm>
+      </p:grpSpPr>
+      <p:sp>
+        <p:nvSpPr>
+          <p:cNvPr id="5122" name="標題 1"/>
+          <p:cNvSpPr>
+            <a:spLocks noGrp="1"/>
+          </p:cNvSpPr>
+          <p:nvPr>
+            <p:ph type="title"/>
+          </p:nvPr>
+        </p:nvSpPr>
+        <p:spPr/>
+        <p:txBody>
+          <a:bodyPr/>
+          <a:lstStyle/>
+          <a:p>
+            <a:r>
+              <a:rPr lang="en-US" altLang="zh-TW" dirty="0" smtClean="0">
+                <a:latin typeface="標楷體" panose="03000509000000000000" pitchFamily="65" charset="-120"/>
+                <a:ea typeface="標楷體" panose="03000509000000000000" pitchFamily="65" charset="-120"/>
+              </a:rPr>
+              <a:t>ARM </a:t>
+            </a:r>
+            <a:r>
+              <a:rPr lang="zh-TW" altLang="en-US" dirty="0" smtClean="0">
+                <a:latin typeface="標楷體" panose="03000509000000000000" pitchFamily="65" charset="-120"/>
+                <a:ea typeface="標楷體" panose="03000509000000000000" pitchFamily="65" charset="-120"/>
+              </a:rPr>
+              <a:t>範本部屬模式</a:t>
+            </a:r>
+            <a:endParaRPr lang="zh-TW" altLang="en-US" dirty="0">
+              <a:latin typeface="標楷體" panose="03000509000000000000" pitchFamily="65" charset="-120"/>
+              <a:ea typeface="標楷體" panose="03000509000000000000" pitchFamily="65" charset="-120"/>
+            </a:endParaRPr>
+          </a:p>
+        </p:txBody>
+      </p:sp>
+      <p:sp>
+        <p:nvSpPr>
+          <p:cNvPr id="5124" name="投影片編號版面配置區 3"/>
+          <p:cNvSpPr>
+            <a:spLocks noGrp="1"/>
+          </p:cNvSpPr>
+          <p:nvPr>
+            <p:ph type="sldNum" sz="quarter" idx="12"/>
+          </p:nvPr>
+        </p:nvSpPr>
+        <p:spPr>
+          <a:noFill/>
+        </p:spPr>
+        <p:txBody>
+          <a:bodyPr/>
+          <a:lstStyle>
+            <a:lvl1pPr>
+              <a:spcBef>
+                <a:spcPct val="20000"/>
+              </a:spcBef>
+              <a:buChar char="•"/>
+              <a:defRPr kumimoji="1" sz="3200">
+                <a:solidFill>
+                  <a:schemeClr val="tx1"/>
+                </a:solidFill>
+                <a:latin typeface="Arial" panose="020B0604020202020204" pitchFamily="34" charset="0"/>
+                <a:ea typeface="新細明體" panose="02020500000000000000" pitchFamily="18" charset="-120"/>
+              </a:defRPr>
+            </a:lvl1pPr>
+            <a:lvl2pPr marL="742950" indent="-285750">
+              <a:spcBef>
+                <a:spcPct val="20000"/>
+              </a:spcBef>
+              <a:buChar char="–"/>
+              <a:defRPr kumimoji="1" sz="2800">
+                <a:solidFill>
+                  <a:schemeClr val="tx1"/>
+                </a:solidFill>
+                <a:latin typeface="Arial" panose="020B0604020202020204" pitchFamily="34" charset="0"/>
+                <a:ea typeface="新細明體" panose="02020500000000000000" pitchFamily="18" charset="-120"/>
+              </a:defRPr>
+            </a:lvl2pPr>
+            <a:lvl3pPr marL="1143000" indent="-228600">
+              <a:spcBef>
+                <a:spcPct val="20000"/>
+              </a:spcBef>
+              <a:buChar char="•"/>
+              <a:defRPr kumimoji="1" sz="2400">
+                <a:solidFill>
+                  <a:schemeClr val="tx1"/>
+                </a:solidFill>
+                <a:latin typeface="Arial" panose="020B0604020202020204" pitchFamily="34" charset="0"/>
+                <a:ea typeface="新細明體" panose="02020500000000000000" pitchFamily="18" charset="-120"/>
+              </a:defRPr>
+            </a:lvl3pPr>
+            <a:lvl4pPr marL="1600200" indent="-228600">
+              <a:spcBef>
+                <a:spcPct val="20000"/>
+              </a:spcBef>
+              <a:buChar char="–"/>
+              <a:defRPr kumimoji="1" sz="2000">
+                <a:solidFill>
+                  <a:schemeClr val="tx1"/>
+                </a:solidFill>
+                <a:latin typeface="Arial" panose="020B0604020202020204" pitchFamily="34" charset="0"/>
+                <a:ea typeface="新細明體" panose="02020500000000000000" pitchFamily="18" charset="-120"/>
+              </a:defRPr>
+            </a:lvl4pPr>
+            <a:lvl5pPr marL="2057400" indent="-228600">
+              <a:spcBef>
+                <a:spcPct val="20000"/>
+              </a:spcBef>
+              <a:buChar char="»"/>
+              <a:defRPr kumimoji="1" sz="2000">
+                <a:solidFill>
+                  <a:schemeClr val="tx1"/>
+                </a:solidFill>
+                <a:latin typeface="Arial" panose="020B0604020202020204" pitchFamily="34" charset="0"/>
+                <a:ea typeface="新細明體" panose="02020500000000000000" pitchFamily="18" charset="-120"/>
+              </a:defRPr>
+            </a:lvl5pPr>
+            <a:lvl6pPr marL="2514600" indent="-228600" eaLnBrk="0" fontAlgn="base" hangingPunct="0">
+              <a:spcBef>
+                <a:spcPct val="20000"/>
+              </a:spcBef>
+              <a:spcAft>
+                <a:spcPct val="0"/>
+              </a:spcAft>
+              <a:buChar char="»"/>
+              <a:defRPr kumimoji="1" sz="2000">
+                <a:solidFill>
+                  <a:schemeClr val="tx1"/>
+                </a:solidFill>
+                <a:latin typeface="Arial" panose="020B0604020202020204" pitchFamily="34" charset="0"/>
+                <a:ea typeface="新細明體" panose="02020500000000000000" pitchFamily="18" charset="-120"/>
+              </a:defRPr>
+            </a:lvl6pPr>
+            <a:lvl7pPr marL="2971800" indent="-228600" eaLnBrk="0" fontAlgn="base" hangingPunct="0">
+              <a:spcBef>
+                <a:spcPct val="20000"/>
+              </a:spcBef>
+              <a:spcAft>
+                <a:spcPct val="0"/>
+              </a:spcAft>
+              <a:buChar char="»"/>
+              <a:defRPr kumimoji="1" sz="2000">
+                <a:solidFill>
+                  <a:schemeClr val="tx1"/>
+                </a:solidFill>
+                <a:latin typeface="Arial" panose="020B0604020202020204" pitchFamily="34" charset="0"/>
+                <a:ea typeface="新細明體" panose="02020500000000000000" pitchFamily="18" charset="-120"/>
+              </a:defRPr>
+            </a:lvl7pPr>
+            <a:lvl8pPr marL="3429000" indent="-228600" eaLnBrk="0" fontAlgn="base" hangingPunct="0">
+              <a:spcBef>
+                <a:spcPct val="20000"/>
+              </a:spcBef>
+              <a:spcAft>
+                <a:spcPct val="0"/>
+              </a:spcAft>
+              <a:buChar char="»"/>
+              <a:defRPr kumimoji="1" sz="2000">
+                <a:solidFill>
+                  <a:schemeClr val="tx1"/>
+                </a:solidFill>
+                <a:latin typeface="Arial" panose="020B0604020202020204" pitchFamily="34" charset="0"/>
+                <a:ea typeface="新細明體" panose="02020500000000000000" pitchFamily="18" charset="-120"/>
+              </a:defRPr>
+            </a:lvl8pPr>
+            <a:lvl9pPr marL="3886200" indent="-228600" eaLnBrk="0" fontAlgn="base" hangingPunct="0">
+              <a:spcBef>
+                <a:spcPct val="20000"/>
+              </a:spcBef>
+              <a:spcAft>
+                <a:spcPct val="0"/>
+              </a:spcAft>
+              <a:buChar char="»"/>
+              <a:defRPr kumimoji="1" sz="2000">
+                <a:solidFill>
+                  <a:schemeClr val="tx1"/>
+                </a:solidFill>
+                <a:latin typeface="Arial" panose="020B0604020202020204" pitchFamily="34" charset="0"/>
+                <a:ea typeface="新細明體" panose="02020500000000000000" pitchFamily="18" charset="-120"/>
+              </a:defRPr>
+            </a:lvl9pPr>
+          </a:lstStyle>
+          <a:p>
+            <a:pPr>
+              <a:spcBef>
+                <a:spcPct val="0"/>
+              </a:spcBef>
+              <a:buFontTx/>
+              <a:buNone/>
+            </a:pPr>
+            <a:fld id="{29316ABD-C291-4E8A-B771-0D60D81F2558}" type="slidenum">
+              <a:rPr lang="en-US" altLang="zh-TW" sz="1400"/>
+              <a:pPr>
+                <a:spcBef>
+                  <a:spcPct val="0"/>
+                </a:spcBef>
+                <a:buFontTx/>
+                <a:buNone/>
+              </a:pPr>
+              <a:t>13</a:t>
+            </a:fld>
+            <a:endParaRPr lang="en-US" altLang="zh-TW" sz="1400" dirty="0"/>
+          </a:p>
+        </p:txBody>
+      </p:sp>
+      <p:sp>
+        <p:nvSpPr>
+          <p:cNvPr id="2" name="內容版面配置區 1"/>
+          <p:cNvSpPr>
+            <a:spLocks noGrp="1"/>
+          </p:cNvSpPr>
+          <p:nvPr>
+            <p:ph idx="1"/>
+          </p:nvPr>
+        </p:nvSpPr>
+        <p:spPr/>
+        <p:txBody>
+          <a:bodyPr/>
+          <a:lstStyle/>
+          <a:p>
+            <a:r>
+              <a:rPr lang="en-US" altLang="zh-TW" dirty="0"/>
+              <a:t>Complete </a:t>
+            </a:r>
+            <a:r>
+              <a:rPr lang="en-US" altLang="zh-TW" dirty="0" smtClean="0"/>
+              <a:t>mode</a:t>
+            </a:r>
+          </a:p>
+          <a:p>
+            <a:pPr lvl="1"/>
+            <a:r>
+              <a:rPr lang="zh-TW" altLang="en-US" dirty="0"/>
+              <a:t>只有根層級範本支援完整部署</a:t>
+            </a:r>
+            <a:r>
+              <a:rPr lang="zh-TW" altLang="en-US" dirty="0" smtClean="0"/>
+              <a:t>模式</a:t>
+            </a:r>
+            <a:endParaRPr lang="en-US" altLang="zh-TW" dirty="0" smtClean="0"/>
+          </a:p>
+          <a:p>
+            <a:pPr lvl="1"/>
+            <a:r>
+              <a:rPr lang="zh-TW" altLang="en-US" dirty="0" smtClean="0"/>
+              <a:t>訂閱</a:t>
+            </a:r>
+            <a:r>
+              <a:rPr lang="zh-TW" altLang="en-US" dirty="0"/>
+              <a:t>級部署不支援完整模式。</a:t>
+            </a:r>
+          </a:p>
+          <a:p>
+            <a:pPr lvl="1"/>
+            <a:r>
+              <a:rPr lang="en-US" altLang="zh-TW" dirty="0" smtClean="0"/>
+              <a:t>Azure Portal</a:t>
+            </a:r>
+            <a:r>
+              <a:rPr lang="zh-TW" altLang="en-US" dirty="0" smtClean="0"/>
+              <a:t>不</a:t>
+            </a:r>
+            <a:r>
+              <a:rPr lang="zh-TW" altLang="en-US" dirty="0"/>
+              <a:t>支援完整模式</a:t>
+            </a:r>
+            <a:r>
+              <a:rPr lang="zh-TW" altLang="en-US" dirty="0" smtClean="0"/>
+              <a:t>。</a:t>
+            </a:r>
+            <a:endParaRPr lang="en-US" altLang="zh-TW" dirty="0" smtClean="0"/>
+          </a:p>
+          <a:p>
+            <a:pPr lvl="1"/>
+            <a:endParaRPr lang="en-US" altLang="zh-TW" dirty="0" smtClean="0"/>
+          </a:p>
+          <a:p>
+            <a:endParaRPr lang="en-US" altLang="zh-TW" dirty="0" smtClean="0"/>
+          </a:p>
+          <a:p>
+            <a:r>
+              <a:rPr lang="en-US" altLang="zh-TW" dirty="0" smtClean="0"/>
+              <a:t>Incremental mode</a:t>
+            </a:r>
+          </a:p>
+          <a:p>
+            <a:pPr lvl="1"/>
+            <a:r>
+              <a:rPr lang="zh-TW" altLang="en-US" dirty="0"/>
+              <a:t>預設</a:t>
+            </a:r>
+          </a:p>
+        </p:txBody>
+      </p:sp>
+    </p:spTree>
+    <p:extLst>
+      <p:ext uri="{BB962C8B-B14F-4D97-AF65-F5344CB8AC3E}">
+        <p14:creationId xmlns:p14="http://schemas.microsoft.com/office/powerpoint/2010/main" val="3296902372"/>
+      </p:ext>
+    </p:extLst>
+  </p:cSld>
+  <p:clrMapOvr>
+    <a:masterClrMapping/>
+  </p:clrMapOvr>
+</p:sld>
+</file>
+
+<file path=ppt/slides/slide14.xml><?xml version="1.0" encoding="utf-8"?>
+<p:sld xmlns:a="http://schemas.openxmlformats.org/drawingml/2006/main" xmlns:r="http://schemas.openxmlformats.org/officeDocument/2006/relationships" xmlns:p="http://schemas.openxmlformats.org/presentationml/2006/main">
+  <p:cSld>
+    <p:spTree>
+      <p:nvGrpSpPr>
+        <p:cNvPr id="1" name=""/>
+        <p:cNvGrpSpPr/>
+        <p:nvPr/>
+      </p:nvGrpSpPr>
+      <p:grpSpPr>
+        <a:xfrm>
+          <a:off x="0" y="0"/>
+          <a:ext cx="0" cy="0"/>
+          <a:chOff x="0" y="0"/>
+          <a:chExt cx="0" cy="0"/>
+        </a:xfrm>
+      </p:grpSpPr>
+      <p:sp>
+        <p:nvSpPr>
+          <p:cNvPr id="5122" name="標題 1"/>
+          <p:cNvSpPr>
+            <a:spLocks noGrp="1"/>
+          </p:cNvSpPr>
+          <p:nvPr>
+            <p:ph type="title"/>
+          </p:nvPr>
+        </p:nvSpPr>
+        <p:spPr/>
+        <p:txBody>
+          <a:bodyPr/>
+          <a:lstStyle/>
+          <a:p>
+            <a:r>
+              <a:rPr lang="zh-TW" altLang="en-US" dirty="0">
+                <a:latin typeface="標楷體" panose="03000509000000000000" pitchFamily="65" charset="-120"/>
+                <a:ea typeface="標楷體" panose="03000509000000000000" pitchFamily="65" charset="-120"/>
+              </a:rPr>
+              <a:t>常見</a:t>
+            </a:r>
+            <a:r>
+              <a:rPr lang="en-US" altLang="zh-TW" dirty="0">
+                <a:latin typeface="標楷體" panose="03000509000000000000" pitchFamily="65" charset="-120"/>
+                <a:ea typeface="標楷體" panose="03000509000000000000" pitchFamily="65" charset="-120"/>
+              </a:rPr>
+              <a:t>ARM</a:t>
+            </a:r>
+            <a:r>
+              <a:rPr lang="zh-TW" altLang="en-US" dirty="0">
+                <a:latin typeface="標楷體" panose="03000509000000000000" pitchFamily="65" charset="-120"/>
+                <a:ea typeface="標楷體" panose="03000509000000000000" pitchFamily="65" charset="-120"/>
+              </a:rPr>
+              <a:t> </a:t>
+            </a:r>
+            <a:r>
+              <a:rPr lang="en-US" altLang="zh-TW" dirty="0">
+                <a:latin typeface="標楷體" panose="03000509000000000000" pitchFamily="65" charset="-120"/>
+                <a:ea typeface="標楷體" panose="03000509000000000000" pitchFamily="65" charset="-120"/>
+              </a:rPr>
+              <a:t>Template Function</a:t>
+            </a:r>
+            <a:endParaRPr lang="zh-TW" altLang="en-US" dirty="0">
+              <a:latin typeface="標楷體" panose="03000509000000000000" pitchFamily="65" charset="-120"/>
+              <a:ea typeface="標楷體" panose="03000509000000000000" pitchFamily="65" charset="-120"/>
+            </a:endParaRPr>
+          </a:p>
+        </p:txBody>
+      </p:sp>
+      <p:sp>
+        <p:nvSpPr>
+          <p:cNvPr id="5124" name="投影片編號版面配置區 3"/>
+          <p:cNvSpPr>
+            <a:spLocks noGrp="1"/>
+          </p:cNvSpPr>
+          <p:nvPr>
+            <p:ph type="sldNum" sz="quarter" idx="12"/>
+          </p:nvPr>
+        </p:nvSpPr>
+        <p:spPr>
+          <a:noFill/>
+        </p:spPr>
+        <p:txBody>
+          <a:bodyPr/>
+          <a:lstStyle>
+            <a:lvl1pPr>
+              <a:spcBef>
+                <a:spcPct val="20000"/>
+              </a:spcBef>
+              <a:buChar char="•"/>
+              <a:defRPr kumimoji="1" sz="3200">
+                <a:solidFill>
+                  <a:schemeClr val="tx1"/>
+                </a:solidFill>
+                <a:latin typeface="Arial" panose="020B0604020202020204" pitchFamily="34" charset="0"/>
+                <a:ea typeface="新細明體" panose="02020500000000000000" pitchFamily="18" charset="-120"/>
+              </a:defRPr>
+            </a:lvl1pPr>
+            <a:lvl2pPr marL="742950" indent="-285750">
+              <a:spcBef>
+                <a:spcPct val="20000"/>
+              </a:spcBef>
+              <a:buChar char="–"/>
+              <a:defRPr kumimoji="1" sz="2800">
+                <a:solidFill>
+                  <a:schemeClr val="tx1"/>
+                </a:solidFill>
+                <a:latin typeface="Arial" panose="020B0604020202020204" pitchFamily="34" charset="0"/>
+                <a:ea typeface="新細明體" panose="02020500000000000000" pitchFamily="18" charset="-120"/>
+              </a:defRPr>
+            </a:lvl2pPr>
+            <a:lvl3pPr marL="1143000" indent="-228600">
+              <a:spcBef>
+                <a:spcPct val="20000"/>
+              </a:spcBef>
+              <a:buChar char="•"/>
+              <a:defRPr kumimoji="1" sz="2400">
+                <a:solidFill>
+                  <a:schemeClr val="tx1"/>
+                </a:solidFill>
+                <a:latin typeface="Arial" panose="020B0604020202020204" pitchFamily="34" charset="0"/>
+                <a:ea typeface="新細明體" panose="02020500000000000000" pitchFamily="18" charset="-120"/>
+              </a:defRPr>
+            </a:lvl3pPr>
+            <a:lvl4pPr marL="1600200" indent="-228600">
+              <a:spcBef>
+                <a:spcPct val="20000"/>
+              </a:spcBef>
+              <a:buChar char="–"/>
+              <a:defRPr kumimoji="1" sz="2000">
+                <a:solidFill>
+                  <a:schemeClr val="tx1"/>
+                </a:solidFill>
+                <a:latin typeface="Arial" panose="020B0604020202020204" pitchFamily="34" charset="0"/>
+                <a:ea typeface="新細明體" panose="02020500000000000000" pitchFamily="18" charset="-120"/>
+              </a:defRPr>
+            </a:lvl4pPr>
+            <a:lvl5pPr marL="2057400" indent="-228600">
+              <a:spcBef>
+                <a:spcPct val="20000"/>
+              </a:spcBef>
+              <a:buChar char="»"/>
+              <a:defRPr kumimoji="1" sz="2000">
+                <a:solidFill>
+                  <a:schemeClr val="tx1"/>
+                </a:solidFill>
+                <a:latin typeface="Arial" panose="020B0604020202020204" pitchFamily="34" charset="0"/>
+                <a:ea typeface="新細明體" panose="02020500000000000000" pitchFamily="18" charset="-120"/>
+              </a:defRPr>
+            </a:lvl5pPr>
+            <a:lvl6pPr marL="2514600" indent="-228600" eaLnBrk="0" fontAlgn="base" hangingPunct="0">
+              <a:spcBef>
+                <a:spcPct val="20000"/>
+              </a:spcBef>
+              <a:spcAft>
+                <a:spcPct val="0"/>
+              </a:spcAft>
+              <a:buChar char="»"/>
+              <a:defRPr kumimoji="1" sz="2000">
+                <a:solidFill>
+                  <a:schemeClr val="tx1"/>
+                </a:solidFill>
+                <a:latin typeface="Arial" panose="020B0604020202020204" pitchFamily="34" charset="0"/>
+                <a:ea typeface="新細明體" panose="02020500000000000000" pitchFamily="18" charset="-120"/>
+              </a:defRPr>
+            </a:lvl6pPr>
+            <a:lvl7pPr marL="2971800" indent="-228600" eaLnBrk="0" fontAlgn="base" hangingPunct="0">
+              <a:spcBef>
+                <a:spcPct val="20000"/>
+              </a:spcBef>
+              <a:spcAft>
+                <a:spcPct val="0"/>
+              </a:spcAft>
+              <a:buChar char="»"/>
+              <a:defRPr kumimoji="1" sz="2000">
+                <a:solidFill>
+                  <a:schemeClr val="tx1"/>
+                </a:solidFill>
+                <a:latin typeface="Arial" panose="020B0604020202020204" pitchFamily="34" charset="0"/>
+                <a:ea typeface="新細明體" panose="02020500000000000000" pitchFamily="18" charset="-120"/>
+              </a:defRPr>
+            </a:lvl7pPr>
+            <a:lvl8pPr marL="3429000" indent="-228600" eaLnBrk="0" fontAlgn="base" hangingPunct="0">
+              <a:spcBef>
+                <a:spcPct val="20000"/>
+              </a:spcBef>
+              <a:spcAft>
+                <a:spcPct val="0"/>
+              </a:spcAft>
+              <a:buChar char="»"/>
+              <a:defRPr kumimoji="1" sz="2000">
+                <a:solidFill>
+                  <a:schemeClr val="tx1"/>
+                </a:solidFill>
+                <a:latin typeface="Arial" panose="020B0604020202020204" pitchFamily="34" charset="0"/>
+                <a:ea typeface="新細明體" panose="02020500000000000000" pitchFamily="18" charset="-120"/>
+              </a:defRPr>
+            </a:lvl8pPr>
+            <a:lvl9pPr marL="3886200" indent="-228600" eaLnBrk="0" fontAlgn="base" hangingPunct="0">
+              <a:spcBef>
+                <a:spcPct val="20000"/>
+              </a:spcBef>
+              <a:spcAft>
+                <a:spcPct val="0"/>
+              </a:spcAft>
+              <a:buChar char="»"/>
+              <a:defRPr kumimoji="1" sz="2000">
+                <a:solidFill>
+                  <a:schemeClr val="tx1"/>
+                </a:solidFill>
+                <a:latin typeface="Arial" panose="020B0604020202020204" pitchFamily="34" charset="0"/>
+                <a:ea typeface="新細明體" panose="02020500000000000000" pitchFamily="18" charset="-120"/>
+              </a:defRPr>
+            </a:lvl9pPr>
+          </a:lstStyle>
+          <a:p>
+            <a:pPr>
+              <a:spcBef>
+                <a:spcPct val="0"/>
+              </a:spcBef>
+              <a:buFontTx/>
+              <a:buNone/>
+            </a:pPr>
+            <a:fld id="{29316ABD-C291-4E8A-B771-0D60D81F2558}" type="slidenum">
+              <a:rPr lang="en-US" altLang="zh-TW" sz="1400"/>
+              <a:pPr>
+                <a:spcBef>
+                  <a:spcPct val="0"/>
+                </a:spcBef>
+                <a:buFontTx/>
+                <a:buNone/>
+              </a:pPr>
+              <a:t>14</a:t>
+            </a:fld>
+            <a:endParaRPr lang="en-US" altLang="zh-TW" sz="1400" dirty="0"/>
+          </a:p>
+        </p:txBody>
+      </p:sp>
+      <p:sp>
+        <p:nvSpPr>
+          <p:cNvPr id="2" name="內容版面配置區 1">
+            <a:extLst>
+              <a:ext uri="{FF2B5EF4-FFF2-40B4-BE49-F238E27FC236}">
+                <a16:creationId xmlns:a16="http://schemas.microsoft.com/office/drawing/2014/main" xmlns="" id="{E21BEB3C-975F-4C47-AD59-E9032615C5D7}"/>
+              </a:ext>
+            </a:extLst>
+          </p:cNvPr>
+          <p:cNvSpPr>
+            <a:spLocks noGrp="1"/>
+          </p:cNvSpPr>
+          <p:nvPr>
+            <p:ph idx="1"/>
+          </p:nvPr>
+        </p:nvSpPr>
+        <p:spPr/>
+        <p:txBody>
+          <a:bodyPr/>
+          <a:lstStyle/>
+          <a:p>
+            <a:r>
+              <a:rPr lang="en-US" altLang="zh-TW" dirty="0"/>
+              <a:t>[parameters(‘</a:t>
+            </a:r>
+            <a:r>
+              <a:rPr lang="en-US" altLang="zh-TW" b="1" i="1" dirty="0"/>
+              <a:t>&lt;Parameter Name&gt;</a:t>
+            </a:r>
+            <a:r>
+              <a:rPr lang="en-US" altLang="zh-TW" dirty="0"/>
+              <a:t>’)]</a:t>
+            </a:r>
+          </a:p>
+          <a:p>
+            <a:endParaRPr lang="en-US" altLang="zh-TW" dirty="0"/>
+          </a:p>
+          <a:p>
+            <a:r>
+              <a:rPr lang="en-US" altLang="zh-TW" dirty="0"/>
+              <a:t>[variables(‘’)]</a:t>
+            </a:r>
+            <a:endParaRPr lang="zh-TW" altLang="en-US" dirty="0"/>
+          </a:p>
+          <a:p>
+            <a:pPr marL="0" indent="0">
+              <a:buNone/>
+            </a:pPr>
+            <a:endParaRPr lang="en-US" altLang="zh-TW" dirty="0"/>
+          </a:p>
+          <a:p>
+            <a:r>
+              <a:rPr lang="en-US" altLang="zh-TW" dirty="0"/>
+              <a:t>[</a:t>
+            </a:r>
+            <a:r>
+              <a:rPr lang="en-US" altLang="zh-TW" dirty="0" err="1"/>
+              <a:t>resourceGroup</a:t>
+            </a:r>
+            <a:r>
+              <a:rPr lang="en-US" altLang="zh-TW" dirty="0"/>
+              <a:t>().</a:t>
+            </a:r>
+            <a:r>
+              <a:rPr lang="en-US" altLang="zh-TW" b="1" i="1" dirty="0"/>
+              <a:t>&lt;Azure Resource Property&gt;</a:t>
+            </a:r>
+            <a:r>
+              <a:rPr lang="en-US" altLang="zh-TW" dirty="0"/>
+              <a:t>]</a:t>
+            </a:r>
+          </a:p>
+          <a:p>
+            <a:pPr lvl="1"/>
+            <a:r>
+              <a:rPr lang="en-US" altLang="zh-TW" dirty="0" err="1"/>
+              <a:t>Ex:location</a:t>
+            </a:r>
+            <a:r>
+              <a:rPr lang="en-US" altLang="zh-TW" dirty="0"/>
+              <a:t>, name</a:t>
+            </a:r>
+          </a:p>
+          <a:p>
+            <a:pPr lvl="1"/>
+            <a:endParaRPr lang="en-US" altLang="zh-TW" dirty="0"/>
+          </a:p>
+          <a:p>
+            <a:r>
+              <a:rPr lang="en-US" altLang="zh-TW" dirty="0">
+                <a:hlinkClick r:id="rId3"/>
+              </a:rPr>
+              <a:t>Reference: Function</a:t>
+            </a:r>
+            <a:endParaRPr lang="en-US" altLang="zh-TW" dirty="0"/>
+          </a:p>
+          <a:p>
+            <a:endParaRPr lang="en-US" altLang="zh-TW" dirty="0"/>
+          </a:p>
+        </p:txBody>
+      </p:sp>
+    </p:spTree>
+    <p:extLst>
+      <p:ext uri="{BB962C8B-B14F-4D97-AF65-F5344CB8AC3E}">
+        <p14:creationId xmlns:p14="http://schemas.microsoft.com/office/powerpoint/2010/main" val="2807073787"/>
+      </p:ext>
+    </p:extLst>
+  </p:cSld>
+  <p:clrMapOvr>
+    <a:masterClrMapping/>
+  </p:clrMapOvr>
+</p:sld>
+</file>
+
+<file path=ppt/slides/slide15.xml><?xml version="1.0" encoding="utf-8"?>
+<p:sld xmlns:a="http://schemas.openxmlformats.org/drawingml/2006/main" xmlns:r="http://schemas.openxmlformats.org/officeDocument/2006/relationships" xmlns:p="http://schemas.openxmlformats.org/presentationml/2006/main">
+  <p:cSld>
+    <p:spTree>
+      <p:nvGrpSpPr>
+        <p:cNvPr id="1" name=""/>
+        <p:cNvGrpSpPr/>
+        <p:nvPr/>
+      </p:nvGrpSpPr>
+      <p:grpSpPr>
+        <a:xfrm>
+          <a:off x="0" y="0"/>
+          <a:ext cx="0" cy="0"/>
+          <a:chOff x="0" y="0"/>
+          <a:chExt cx="0" cy="0"/>
+        </a:xfrm>
+      </p:grpSpPr>
+      <p:sp>
+        <p:nvSpPr>
+          <p:cNvPr id="5122" name="標題 1"/>
+          <p:cNvSpPr>
+            <a:spLocks noGrp="1"/>
+          </p:cNvSpPr>
+          <p:nvPr>
+            <p:ph type="title"/>
+          </p:nvPr>
+        </p:nvSpPr>
+        <p:spPr/>
+        <p:txBody>
+          <a:bodyPr/>
+          <a:lstStyle/>
+          <a:p>
+            <a:r>
+              <a:rPr lang="en-US" altLang="zh-TW" dirty="0">
+                <a:latin typeface="標楷體" panose="03000509000000000000" pitchFamily="65" charset="-120"/>
+                <a:ea typeface="標楷體" panose="03000509000000000000" pitchFamily="65" charset="-120"/>
+              </a:rPr>
+              <a:t>ARM Template </a:t>
+            </a:r>
+            <a:r>
+              <a:rPr lang="zh-TW" altLang="en-US" dirty="0">
+                <a:latin typeface="標楷體" panose="03000509000000000000" pitchFamily="65" charset="-120"/>
+                <a:ea typeface="標楷體" panose="03000509000000000000" pitchFamily="65" charset="-120"/>
+              </a:rPr>
+              <a:t>設計</a:t>
+            </a:r>
+          </a:p>
+        </p:txBody>
+      </p:sp>
+      <p:sp>
+        <p:nvSpPr>
+          <p:cNvPr id="5124" name="投影片編號版面配置區 3"/>
+          <p:cNvSpPr>
+            <a:spLocks noGrp="1"/>
+          </p:cNvSpPr>
+          <p:nvPr>
+            <p:ph type="sldNum" sz="quarter" idx="12"/>
+          </p:nvPr>
+        </p:nvSpPr>
+        <p:spPr>
+          <a:noFill/>
+        </p:spPr>
+        <p:txBody>
+          <a:bodyPr/>
+          <a:lstStyle>
+            <a:lvl1pPr>
+              <a:spcBef>
+                <a:spcPct val="20000"/>
+              </a:spcBef>
+              <a:buChar char="•"/>
+              <a:defRPr kumimoji="1" sz="3200">
+                <a:solidFill>
+                  <a:schemeClr val="tx1"/>
+                </a:solidFill>
+                <a:latin typeface="Arial" panose="020B0604020202020204" pitchFamily="34" charset="0"/>
+                <a:ea typeface="新細明體" panose="02020500000000000000" pitchFamily="18" charset="-120"/>
+              </a:defRPr>
+            </a:lvl1pPr>
+            <a:lvl2pPr marL="742950" indent="-285750">
+              <a:spcBef>
+                <a:spcPct val="20000"/>
+              </a:spcBef>
+              <a:buChar char="–"/>
+              <a:defRPr kumimoji="1" sz="2800">
+                <a:solidFill>
+                  <a:schemeClr val="tx1"/>
+                </a:solidFill>
+                <a:latin typeface="Arial" panose="020B0604020202020204" pitchFamily="34" charset="0"/>
+                <a:ea typeface="新細明體" panose="02020500000000000000" pitchFamily="18" charset="-120"/>
+              </a:defRPr>
+            </a:lvl2pPr>
+            <a:lvl3pPr marL="1143000" indent="-228600">
+              <a:spcBef>
+                <a:spcPct val="20000"/>
+              </a:spcBef>
+              <a:buChar char="•"/>
+              <a:defRPr kumimoji="1" sz="2400">
+                <a:solidFill>
+                  <a:schemeClr val="tx1"/>
+                </a:solidFill>
+                <a:latin typeface="Arial" panose="020B0604020202020204" pitchFamily="34" charset="0"/>
+                <a:ea typeface="新細明體" panose="02020500000000000000" pitchFamily="18" charset="-120"/>
+              </a:defRPr>
+            </a:lvl3pPr>
+            <a:lvl4pPr marL="1600200" indent="-228600">
+              <a:spcBef>
+                <a:spcPct val="20000"/>
+              </a:spcBef>
+              <a:buChar char="–"/>
+              <a:defRPr kumimoji="1" sz="2000">
+                <a:solidFill>
+                  <a:schemeClr val="tx1"/>
+                </a:solidFill>
+                <a:latin typeface="Arial" panose="020B0604020202020204" pitchFamily="34" charset="0"/>
+                <a:ea typeface="新細明體" panose="02020500000000000000" pitchFamily="18" charset="-120"/>
+              </a:defRPr>
+            </a:lvl4pPr>
+            <a:lvl5pPr marL="2057400" indent="-228600">
+              <a:spcBef>
+                <a:spcPct val="20000"/>
+              </a:spcBef>
+              <a:buChar char="»"/>
+              <a:defRPr kumimoji="1" sz="2000">
+                <a:solidFill>
+                  <a:schemeClr val="tx1"/>
+                </a:solidFill>
+                <a:latin typeface="Arial" panose="020B0604020202020204" pitchFamily="34" charset="0"/>
+                <a:ea typeface="新細明體" panose="02020500000000000000" pitchFamily="18" charset="-120"/>
+              </a:defRPr>
+            </a:lvl5pPr>
+            <a:lvl6pPr marL="2514600" indent="-228600" eaLnBrk="0" fontAlgn="base" hangingPunct="0">
+              <a:spcBef>
+                <a:spcPct val="20000"/>
+              </a:spcBef>
+              <a:spcAft>
+                <a:spcPct val="0"/>
+              </a:spcAft>
+              <a:buChar char="»"/>
+              <a:defRPr kumimoji="1" sz="2000">
+                <a:solidFill>
+                  <a:schemeClr val="tx1"/>
+                </a:solidFill>
+                <a:latin typeface="Arial" panose="020B0604020202020204" pitchFamily="34" charset="0"/>
+                <a:ea typeface="新細明體" panose="02020500000000000000" pitchFamily="18" charset="-120"/>
+              </a:defRPr>
+            </a:lvl6pPr>
+            <a:lvl7pPr marL="2971800" indent="-228600" eaLnBrk="0" fontAlgn="base" hangingPunct="0">
+              <a:spcBef>
+                <a:spcPct val="20000"/>
+              </a:spcBef>
+              <a:spcAft>
+                <a:spcPct val="0"/>
+              </a:spcAft>
+              <a:buChar char="»"/>
+              <a:defRPr kumimoji="1" sz="2000">
+                <a:solidFill>
+                  <a:schemeClr val="tx1"/>
+                </a:solidFill>
+                <a:latin typeface="Arial" panose="020B0604020202020204" pitchFamily="34" charset="0"/>
+                <a:ea typeface="新細明體" panose="02020500000000000000" pitchFamily="18" charset="-120"/>
+              </a:defRPr>
+            </a:lvl7pPr>
+            <a:lvl8pPr marL="3429000" indent="-228600" eaLnBrk="0" fontAlgn="base" hangingPunct="0">
+              <a:spcBef>
+                <a:spcPct val="20000"/>
+              </a:spcBef>
+              <a:spcAft>
+                <a:spcPct val="0"/>
+              </a:spcAft>
+              <a:buChar char="»"/>
+              <a:defRPr kumimoji="1" sz="2000">
+                <a:solidFill>
+                  <a:schemeClr val="tx1"/>
+                </a:solidFill>
+                <a:latin typeface="Arial" panose="020B0604020202020204" pitchFamily="34" charset="0"/>
+                <a:ea typeface="新細明體" panose="02020500000000000000" pitchFamily="18" charset="-120"/>
+              </a:defRPr>
+            </a:lvl8pPr>
+            <a:lvl9pPr marL="3886200" indent="-228600" eaLnBrk="0" fontAlgn="base" hangingPunct="0">
+              <a:spcBef>
+                <a:spcPct val="20000"/>
+              </a:spcBef>
+              <a:spcAft>
+                <a:spcPct val="0"/>
+              </a:spcAft>
+              <a:buChar char="»"/>
+              <a:defRPr kumimoji="1" sz="2000">
+                <a:solidFill>
+                  <a:schemeClr val="tx1"/>
+                </a:solidFill>
+                <a:latin typeface="Arial" panose="020B0604020202020204" pitchFamily="34" charset="0"/>
+                <a:ea typeface="新細明體" panose="02020500000000000000" pitchFamily="18" charset="-120"/>
+              </a:defRPr>
+            </a:lvl9pPr>
+          </a:lstStyle>
+          <a:p>
+            <a:pPr>
+              <a:spcBef>
+                <a:spcPct val="0"/>
+              </a:spcBef>
+              <a:buFontTx/>
+              <a:buNone/>
+            </a:pPr>
+            <a:fld id="{29316ABD-C291-4E8A-B771-0D60D81F2558}" type="slidenum">
+              <a:rPr lang="en-US" altLang="zh-TW" sz="1400"/>
+              <a:pPr>
+                <a:spcBef>
+                  <a:spcPct val="0"/>
+                </a:spcBef>
+                <a:buFontTx/>
+                <a:buNone/>
+              </a:pPr>
+              <a:t>15</a:t>
+            </a:fld>
+            <a:endParaRPr lang="en-US" altLang="zh-TW" sz="1400" dirty="0"/>
+          </a:p>
+        </p:txBody>
+      </p:sp>
       <p:pic>
         <p:nvPicPr>
           <p:cNvPr id="1028" name="Picture 4" descr="三層式範本">
             <a:extLst>
               <a:ext uri="{FF2B5EF4-FFF2-40B4-BE49-F238E27FC236}">
-                <a16:creationId xmlns:a16="http://schemas.microsoft.com/office/drawing/2014/main" id="{C116F007-CE1C-4DB6-9B71-9C258454210E}"/>
+                <a16:creationId xmlns:a16="http://schemas.microsoft.com/office/drawing/2014/main" xmlns="" id="{C116F007-CE1C-4DB6-9B71-9C258454210E}"/>
               </a:ext>
             </a:extLst>
           </p:cNvPr>
@@ -10938,7 +13182,7 @@
 </p:sld>
 </file>
 
-<file path=ppt/slides/slide13.xml><?xml version="1.0" encoding="utf-8"?>
+<file path=ppt/slides/slide16.xml><?xml version="1.0" encoding="utf-8"?>
 <p:sld xmlns:a="http://schemas.openxmlformats.org/drawingml/2006/main" xmlns:r="http://schemas.openxmlformats.org/officeDocument/2006/relationships" xmlns:p="http://schemas.openxmlformats.org/presentationml/2006/main">
   <p:cSld>
     <p:spTree>
@@ -11150,7 +13394,7 @@
                 <a:buFontTx/>
                 <a:buNone/>
               </a:pPr>
-              <a:t>13</a:t>
+              <a:t>16</a:t>
             </a:fld>
             <a:endParaRPr lang="en-US" altLang="zh-TW" sz="1400" dirty="0"/>
           </a:p>
@@ -11161,7 +13405,7 @@
           <p:cNvPr id="1028" name="Picture 4" descr="三層式範本">
             <a:extLst>
               <a:ext uri="{FF2B5EF4-FFF2-40B4-BE49-F238E27FC236}">
-                <a16:creationId xmlns:a16="http://schemas.microsoft.com/office/drawing/2014/main" id="{C116F007-CE1C-4DB6-9B71-9C258454210E}"/>
+                <a16:creationId xmlns:a16="http://schemas.microsoft.com/office/drawing/2014/main" xmlns="" id="{C116F007-CE1C-4DB6-9B71-9C258454210E}"/>
               </a:ext>
             </a:extLst>
           </p:cNvPr>
@@ -11216,7 +13460,7 @@
 </p:sld>
 </file>
 
-<file path=ppt/slides/slide14.xml><?xml version="1.0" encoding="utf-8"?>
+<file path=ppt/slides/slide17.xml><?xml version="1.0" encoding="utf-8"?>
 <p:sld xmlns:a="http://schemas.openxmlformats.org/drawingml/2006/main" xmlns:r="http://schemas.openxmlformats.org/officeDocument/2006/relationships" xmlns:p="http://schemas.openxmlformats.org/presentationml/2006/main">
   <p:cSld>
     <p:spTree>
@@ -11253,7 +13497,14 @@
                 <a:latin typeface="標楷體" panose="03000509000000000000" pitchFamily="65" charset="-120"/>
                 <a:ea typeface="標楷體" panose="03000509000000000000" pitchFamily="65" charset="-120"/>
               </a:rPr>
-              <a:t>Share ARM Template</a:t>
+              <a:t>ARM Template </a:t>
+            </a:r>
+            <a:r>
+              <a:rPr lang="zh-TW" altLang="en-US" dirty="0" smtClean="0">
+                <a:latin typeface="標楷體" panose="03000509000000000000" pitchFamily="65" charset="-120"/>
+                <a:ea typeface="標楷體" panose="03000509000000000000" pitchFamily="65" charset="-120"/>
+              </a:rPr>
+              <a:t>模組化</a:t>
             </a:r>
             <a:endParaRPr lang="zh-TW" altLang="en-US" dirty="0">
               <a:latin typeface="標楷體" panose="03000509000000000000" pitchFamily="65" charset="-120"/>
@@ -11425,72 +13676,261 @@
                 <a:buFontTx/>
                 <a:buNone/>
               </a:pPr>
-              <a:t>14</a:t>
+              <a:t>17</a:t>
             </a:fld>
             <a:endParaRPr lang="en-US" altLang="zh-TW" sz="1400" dirty="0"/>
           </a:p>
         </p:txBody>
       </p:sp>
-      <p:sp>
-        <p:nvSpPr>
-          <p:cNvPr id="4" name="矩形 3">
-            <a:extLst>
-              <a:ext uri="{FF2B5EF4-FFF2-40B4-BE49-F238E27FC236}">
-                <a16:creationId xmlns:a16="http://schemas.microsoft.com/office/drawing/2014/main" id="{223FACD4-1006-4E52-B895-D99DD66D9EA7}"/>
-              </a:ext>
-            </a:extLst>
-          </p:cNvPr>
-          <p:cNvSpPr/>
+      <p:pic>
+        <p:nvPicPr>
+          <p:cNvPr id="2" name="圖片 1"/>
+          <p:cNvPicPr>
+            <a:picLocks noChangeAspect="1"/>
+          </p:cNvPicPr>
           <p:nvPr/>
-        </p:nvSpPr>
+        </p:nvPicPr>
+        <p:blipFill>
+          <a:blip r:embed="rId3"/>
+          <a:stretch>
+            <a:fillRect/>
+          </a:stretch>
+        </p:blipFill>
         <p:spPr>
           <a:xfrm>
-            <a:off x="609600" y="2665778"/>
-            <a:ext cx="8638976" cy="1754326"/>
+            <a:off x="2711624" y="1358900"/>
+            <a:ext cx="6886575" cy="4886325"/>
           </a:xfrm>
           <a:prstGeom prst="rect">
             <a:avLst/>
           </a:prstGeom>
         </p:spPr>
-        <p:txBody>
-          <a:bodyPr wrap="square">
-            <a:spAutoFit/>
-          </a:bodyPr>
+      </p:pic>
+    </p:spTree>
+    <p:extLst>
+      <p:ext uri="{BB962C8B-B14F-4D97-AF65-F5344CB8AC3E}">
+        <p14:creationId xmlns:p14="http://schemas.microsoft.com/office/powerpoint/2010/main" val="2066788601"/>
+      </p:ext>
+    </p:extLst>
+  </p:cSld>
+  <p:clrMapOvr>
+    <a:masterClrMapping/>
+  </p:clrMapOvr>
+</p:sld>
+</file>
+
+<file path=ppt/slides/slide18.xml><?xml version="1.0" encoding="utf-8"?>
+<p:sld xmlns:a="http://schemas.openxmlformats.org/drawingml/2006/main" xmlns:r="http://schemas.openxmlformats.org/officeDocument/2006/relationships" xmlns:p="http://schemas.openxmlformats.org/presentationml/2006/main">
+  <p:cSld>
+    <p:spTree>
+      <p:nvGrpSpPr>
+        <p:cNvPr id="1" name=""/>
+        <p:cNvGrpSpPr/>
+        <p:nvPr/>
+      </p:nvGrpSpPr>
+      <p:grpSpPr>
+        <a:xfrm>
+          <a:off x="0" y="0"/>
+          <a:ext cx="0" cy="0"/>
+          <a:chOff x="0" y="0"/>
+          <a:chExt cx="0" cy="0"/>
+        </a:xfrm>
+      </p:grpSpPr>
+      <p:sp>
+        <p:nvSpPr>
+          <p:cNvPr id="5122" name="標題 1"/>
+          <p:cNvSpPr>
+            <a:spLocks noGrp="1"/>
+          </p:cNvSpPr>
+          <p:nvPr>
+            <p:ph type="title"/>
+          </p:nvPr>
+        </p:nvSpPr>
+        <p:spPr/>
+        <p:txBody>
+          <a:bodyPr/>
           <a:lstStyle/>
           <a:p>
-            <a:endParaRPr lang="en-US" altLang="zh-TW" dirty="0"/>
-          </a:p>
-          <a:p>
             <a:r>
               <a:rPr lang="en-US" altLang="zh-TW" dirty="0">
-                <a:hlinkClick r:id="rId3"/>
-              </a:rPr>
-              <a:t>https://azuredeploy.net/</a:t>
-            </a:r>
-            <a:endParaRPr lang="zh-TW" altLang="en-US" dirty="0"/>
-          </a:p>
-          <a:p>
-            <a:endParaRPr lang="en-US" altLang="zh-TW" dirty="0"/>
-          </a:p>
-          <a:p>
-            <a:endParaRPr lang="en-US" altLang="zh-TW" dirty="0"/>
-          </a:p>
-          <a:p>
-            <a:r>
-              <a:rPr lang="zh-TW" altLang="en-US" dirty="0"/>
-              <a:t>https://deploy.azure.com/?repository</a:t>
-            </a:r>
-            <a:r>
-              <a:rPr lang="en-US" altLang="zh-TW" dirty="0"/>
-              <a:t>=</a:t>
-            </a:r>
-            <a:r>
-              <a:rPr lang="en-US" altLang="zh-TW" dirty="0">
-                <a:hlinkClick r:id="rId4"/>
-              </a:rPr>
-              <a:t> https://github.com/kenhong4134/AzureTemplateTest/blob/master/deploy.json</a:t>
-            </a:r>
-            <a:endParaRPr lang="zh-TW" altLang="en-US" dirty="0"/>
+                <a:latin typeface="標楷體" panose="03000509000000000000" pitchFamily="65" charset="-120"/>
+                <a:ea typeface="標楷體" panose="03000509000000000000" pitchFamily="65" charset="-120"/>
+              </a:rPr>
+              <a:t>Share ARM Template</a:t>
+            </a:r>
+            <a:endParaRPr lang="zh-TW" altLang="en-US" dirty="0">
+              <a:latin typeface="標楷體" panose="03000509000000000000" pitchFamily="65" charset="-120"/>
+              <a:ea typeface="標楷體" panose="03000509000000000000" pitchFamily="65" charset="-120"/>
+            </a:endParaRPr>
+          </a:p>
+        </p:txBody>
+      </p:sp>
+      <p:sp>
+        <p:nvSpPr>
+          <p:cNvPr id="5124" name="投影片編號版面配置區 3"/>
+          <p:cNvSpPr>
+            <a:spLocks noGrp="1"/>
+          </p:cNvSpPr>
+          <p:nvPr>
+            <p:ph type="sldNum" sz="quarter" idx="12"/>
+          </p:nvPr>
+        </p:nvSpPr>
+        <p:spPr>
+          <a:noFill/>
+        </p:spPr>
+        <p:txBody>
+          <a:bodyPr/>
+          <a:lstStyle>
+            <a:lvl1pPr>
+              <a:spcBef>
+                <a:spcPct val="20000"/>
+              </a:spcBef>
+              <a:buChar char="•"/>
+              <a:defRPr kumimoji="1" sz="3200">
+                <a:solidFill>
+                  <a:schemeClr val="tx1"/>
+                </a:solidFill>
+                <a:latin typeface="Arial" panose="020B0604020202020204" pitchFamily="34" charset="0"/>
+                <a:ea typeface="新細明體" panose="02020500000000000000" pitchFamily="18" charset="-120"/>
+              </a:defRPr>
+            </a:lvl1pPr>
+            <a:lvl2pPr marL="742950" indent="-285750">
+              <a:spcBef>
+                <a:spcPct val="20000"/>
+              </a:spcBef>
+              <a:buChar char="–"/>
+              <a:defRPr kumimoji="1" sz="2800">
+                <a:solidFill>
+                  <a:schemeClr val="tx1"/>
+                </a:solidFill>
+                <a:latin typeface="Arial" panose="020B0604020202020204" pitchFamily="34" charset="0"/>
+                <a:ea typeface="新細明體" panose="02020500000000000000" pitchFamily="18" charset="-120"/>
+              </a:defRPr>
+            </a:lvl2pPr>
+            <a:lvl3pPr marL="1143000" indent="-228600">
+              <a:spcBef>
+                <a:spcPct val="20000"/>
+              </a:spcBef>
+              <a:buChar char="•"/>
+              <a:defRPr kumimoji="1" sz="2400">
+                <a:solidFill>
+                  <a:schemeClr val="tx1"/>
+                </a:solidFill>
+                <a:latin typeface="Arial" panose="020B0604020202020204" pitchFamily="34" charset="0"/>
+                <a:ea typeface="新細明體" panose="02020500000000000000" pitchFamily="18" charset="-120"/>
+              </a:defRPr>
+            </a:lvl3pPr>
+            <a:lvl4pPr marL="1600200" indent="-228600">
+              <a:spcBef>
+                <a:spcPct val="20000"/>
+              </a:spcBef>
+              <a:buChar char="–"/>
+              <a:defRPr kumimoji="1" sz="2000">
+                <a:solidFill>
+                  <a:schemeClr val="tx1"/>
+                </a:solidFill>
+                <a:latin typeface="Arial" panose="020B0604020202020204" pitchFamily="34" charset="0"/>
+                <a:ea typeface="新細明體" panose="02020500000000000000" pitchFamily="18" charset="-120"/>
+              </a:defRPr>
+            </a:lvl4pPr>
+            <a:lvl5pPr marL="2057400" indent="-228600">
+              <a:spcBef>
+                <a:spcPct val="20000"/>
+              </a:spcBef>
+              <a:buChar char="»"/>
+              <a:defRPr kumimoji="1" sz="2000">
+                <a:solidFill>
+                  <a:schemeClr val="tx1"/>
+                </a:solidFill>
+                <a:latin typeface="Arial" panose="020B0604020202020204" pitchFamily="34" charset="0"/>
+                <a:ea typeface="新細明體" panose="02020500000000000000" pitchFamily="18" charset="-120"/>
+              </a:defRPr>
+            </a:lvl5pPr>
+            <a:lvl6pPr marL="2514600" indent="-228600" eaLnBrk="0" fontAlgn="base" hangingPunct="0">
+              <a:spcBef>
+                <a:spcPct val="20000"/>
+              </a:spcBef>
+              <a:spcAft>
+                <a:spcPct val="0"/>
+              </a:spcAft>
+              <a:buChar char="»"/>
+              <a:defRPr kumimoji="1" sz="2000">
+                <a:solidFill>
+                  <a:schemeClr val="tx1"/>
+                </a:solidFill>
+                <a:latin typeface="Arial" panose="020B0604020202020204" pitchFamily="34" charset="0"/>
+                <a:ea typeface="新細明體" panose="02020500000000000000" pitchFamily="18" charset="-120"/>
+              </a:defRPr>
+            </a:lvl6pPr>
+            <a:lvl7pPr marL="2971800" indent="-228600" eaLnBrk="0" fontAlgn="base" hangingPunct="0">
+              <a:spcBef>
+                <a:spcPct val="20000"/>
+              </a:spcBef>
+              <a:spcAft>
+                <a:spcPct val="0"/>
+              </a:spcAft>
+              <a:buChar char="»"/>
+              <a:defRPr kumimoji="1" sz="2000">
+                <a:solidFill>
+                  <a:schemeClr val="tx1"/>
+                </a:solidFill>
+                <a:latin typeface="Arial" panose="020B0604020202020204" pitchFamily="34" charset="0"/>
+                <a:ea typeface="新細明體" panose="02020500000000000000" pitchFamily="18" charset="-120"/>
+              </a:defRPr>
+            </a:lvl7pPr>
+            <a:lvl8pPr marL="3429000" indent="-228600" eaLnBrk="0" fontAlgn="base" hangingPunct="0">
+              <a:spcBef>
+                <a:spcPct val="20000"/>
+              </a:spcBef>
+              <a:spcAft>
+                <a:spcPct val="0"/>
+              </a:spcAft>
+              <a:buChar char="»"/>
+              <a:defRPr kumimoji="1" sz="2000">
+                <a:solidFill>
+                  <a:schemeClr val="tx1"/>
+                </a:solidFill>
+                <a:latin typeface="Arial" panose="020B0604020202020204" pitchFamily="34" charset="0"/>
+                <a:ea typeface="新細明體" panose="02020500000000000000" pitchFamily="18" charset="-120"/>
+              </a:defRPr>
+            </a:lvl8pPr>
+            <a:lvl9pPr marL="3886200" indent="-228600" eaLnBrk="0" fontAlgn="base" hangingPunct="0">
+              <a:spcBef>
+                <a:spcPct val="20000"/>
+              </a:spcBef>
+              <a:spcAft>
+                <a:spcPct val="0"/>
+              </a:spcAft>
+              <a:buChar char="»"/>
+              <a:defRPr kumimoji="1" sz="2000">
+                <a:solidFill>
+                  <a:schemeClr val="tx1"/>
+                </a:solidFill>
+                <a:latin typeface="Arial" panose="020B0604020202020204" pitchFamily="34" charset="0"/>
+                <a:ea typeface="新細明體" panose="02020500000000000000" pitchFamily="18" charset="-120"/>
+              </a:defRPr>
+            </a:lvl9pPr>
+          </a:lstStyle>
+          <a:p>
+            <a:pPr>
+              <a:spcBef>
+                <a:spcPct val="0"/>
+              </a:spcBef>
+              <a:buFontTx/>
+              <a:buNone/>
+            </a:pPr>
+            <a:fld id="{29316ABD-C291-4E8A-B771-0D60D81F2558}" type="slidenum">
+              <a:rPr lang="en-US" altLang="zh-TW" sz="1400"/>
+              <a:pPr>
+                <a:spcBef>
+                  <a:spcPct val="0"/>
+                </a:spcBef>
+                <a:buFontTx/>
+                <a:buNone/>
+              </a:pPr>
+              <a:t>18</a:t>
+            </a:fld>
+            <a:endParaRPr lang="en-US" altLang="zh-TW" sz="1400" dirty="0"/>
           </a:p>
         </p:txBody>
       </p:sp>
@@ -11499,7 +13939,7 @@
           <p:cNvPr id="7" name="圖形 6">
             <a:extLst>
               <a:ext uri="{FF2B5EF4-FFF2-40B4-BE49-F238E27FC236}">
-                <a16:creationId xmlns:a16="http://schemas.microsoft.com/office/drawing/2014/main" id="{A8528A59-9479-451B-AC74-90ACCF79BE45}"/>
+                <a16:creationId xmlns:a16="http://schemas.microsoft.com/office/drawing/2014/main" xmlns="" id="{A8528A59-9479-451B-AC74-90ACCF79BE45}"/>
               </a:ext>
             </a:extLst>
           </p:cNvPr>
@@ -11509,13 +13949,13 @@
           <p:nvPr/>
         </p:nvPicPr>
         <p:blipFill>
-          <a:blip r:embed="rId5">
+          <a:blip r:embed="rId3">
             <a:extLst>
               <a:ext uri="{28A0092B-C50C-407E-A947-70E740481C1C}">
                 <a14:useLocalDpi xmlns:a14="http://schemas.microsoft.com/office/drawing/2010/main" val="0"/>
               </a:ext>
               <a:ext uri="{96DAC541-7B7A-43D3-8B79-37D633B846F1}">
-                <asvg:svgBlip xmlns:asvg="http://schemas.microsoft.com/office/drawing/2016/SVG/main" r:embed="rId6"/>
+                <asvg:svgBlip xmlns:asvg="http://schemas.microsoft.com/office/drawing/2016/SVG/main" xmlns="" r:embed="rId6"/>
               </a:ext>
             </a:extLst>
           </a:blip>
@@ -11525,7 +13965,7 @@
         </p:blipFill>
         <p:spPr>
           <a:xfrm>
-            <a:off x="4021654" y="2735809"/>
+            <a:off x="3863752" y="3068960"/>
             <a:ext cx="4148692" cy="844644"/>
           </a:xfrm>
           <a:prstGeom prst="rect">
@@ -11546,7 +13986,7 @@
 </p:sld>
 </file>
 
-<file path=ppt/slides/slide15.xml><?xml version="1.0" encoding="utf-8"?>
+<file path=ppt/slides/slide19.xml><?xml version="1.0" encoding="utf-8"?>
 <p:sld xmlns:a="http://schemas.openxmlformats.org/drawingml/2006/main" xmlns:r="http://schemas.openxmlformats.org/officeDocument/2006/relationships" xmlns:p="http://schemas.openxmlformats.org/presentationml/2006/main">
   <p:cSld>
     <p:spTree>
@@ -11755,7 +14195,7 @@
                 <a:buFontTx/>
                 <a:buNone/>
               </a:pPr>
-              <a:t>15</a:t>
+              <a:t>19</a:t>
             </a:fld>
             <a:endParaRPr lang="en-US" altLang="zh-TW" sz="1400" dirty="0"/>
           </a:p>
@@ -11766,7 +14206,7 @@
           <p:cNvPr id="4" name="矩形 3">
             <a:extLst>
               <a:ext uri="{FF2B5EF4-FFF2-40B4-BE49-F238E27FC236}">
-                <a16:creationId xmlns:a16="http://schemas.microsoft.com/office/drawing/2014/main" id="{223FACD4-1006-4E52-B895-D99DD66D9EA7}"/>
+                <a16:creationId xmlns:a16="http://schemas.microsoft.com/office/drawing/2014/main" xmlns="" id="{223FACD4-1006-4E52-B895-D99DD66D9EA7}"/>
               </a:ext>
             </a:extLst>
           </p:cNvPr>
@@ -11793,19 +14233,24 @@
               <a:buChar char="•"/>
             </a:pPr>
             <a:r>
-              <a:rPr lang="en-US" altLang="zh-TW" dirty="0"/>
+              <a:rPr lang="en-US" altLang="zh-TW" dirty="0" smtClean="0">
+                <a:hlinkClick r:id="rId3"/>
+              </a:rPr>
               <a:t>Old</a:t>
             </a:r>
-          </a:p>
-          <a:p>
-            <a:pPr marL="742950" lvl="1" indent="-285750">
-              <a:buFont typeface="Arial" panose="020B0604020202020204" pitchFamily="34" charset="0"/>
-              <a:buChar char="•"/>
-            </a:pPr>
-            <a:r>
-              <a:rPr lang="en-US" altLang="zh-TW" dirty="0"/>
-              <a:t>https://azuredeploy.net/</a:t>
-            </a:r>
+            <a:r>
+              <a:rPr lang="zh-TW" altLang="en-US" dirty="0" smtClean="0">
+                <a:hlinkClick r:id="rId3"/>
+              </a:rPr>
+              <a:t> </a:t>
+            </a:r>
+            <a:r>
+              <a:rPr lang="en-US" altLang="zh-TW" dirty="0" smtClean="0">
+                <a:hlinkClick r:id="rId3"/>
+              </a:rPr>
+              <a:t>Method</a:t>
+            </a:r>
+            <a:endParaRPr lang="en-US" altLang="zh-TW" dirty="0"/>
           </a:p>
           <a:p>
             <a:pPr marL="285750" indent="-285750">
@@ -11820,7 +14265,9 @@
               <a:buChar char="•"/>
             </a:pPr>
             <a:r>
-              <a:rPr lang="zh-TW" altLang="en-US" dirty="0"/>
+              <a:rPr lang="zh-TW" altLang="en-US" dirty="0">
+                <a:hlinkClick r:id="rId4"/>
+              </a:rPr>
               <a:t>https://deploy.azure.com/?repository</a:t>
             </a:r>
             <a:r>
@@ -11829,9 +14276,13 @@
             </a:r>
             <a:r>
               <a:rPr lang="en-US" altLang="zh-TW" dirty="0">
-                <a:hlinkClick r:id="rId3"/>
-              </a:rPr>
-              <a:t> https://github.com/kenhong4134/AzureTemplateTest/blob/master/deploy.json</a:t>
+                <a:hlinkClick r:id="rId5"/>
+              </a:rPr>
+              <a:t> </a:t>
+            </a:r>
+            <a:r>
+              <a:rPr lang="en-US" altLang="zh-TW" dirty="0"/>
+              <a:t>https://github.com/kenhong4134/AzureTemplateTest/blob/master/~Excercise/deploy.json</a:t>
             </a:r>
             <a:endParaRPr lang="en-US" altLang="zh-TW" dirty="0"/>
           </a:p>
@@ -11850,6 +14301,53 @@
             <a:endParaRPr lang="en-US" altLang="zh-TW" dirty="0"/>
           </a:p>
           <a:p>
+            <a:pPr marL="285750" indent="-285750">
+              <a:buFont typeface="Arial" panose="020B0604020202020204" pitchFamily="34" charset="0"/>
+              <a:buChar char="•"/>
+            </a:pPr>
+            <a:r>
+              <a:rPr lang="en-US" altLang="zh-TW" dirty="0" smtClean="0">
+                <a:hlinkClick r:id="rId6"/>
+              </a:rPr>
+              <a:t>Suggest Method</a:t>
+            </a:r>
+            <a:endParaRPr lang="en-US" altLang="zh-TW" dirty="0"/>
+          </a:p>
+          <a:p>
+            <a:pPr marL="742950" lvl="1" indent="-285750">
+              <a:buFont typeface="Arial" panose="020B0604020202020204" pitchFamily="34" charset="0"/>
+              <a:buChar char="•"/>
+            </a:pPr>
+            <a:endParaRPr lang="en-US" altLang="zh-TW" dirty="0" smtClean="0">
+              <a:hlinkClick r:id="rId6"/>
+            </a:endParaRPr>
+          </a:p>
+          <a:p>
+            <a:pPr marL="742950" lvl="1" indent="-285750">
+              <a:buFont typeface="Arial" panose="020B0604020202020204" pitchFamily="34" charset="0"/>
+              <a:buChar char="•"/>
+            </a:pPr>
+            <a:r>
+              <a:rPr lang="en-US" altLang="zh-TW" dirty="0" smtClean="0">
+                <a:hlinkClick r:id="rId6"/>
+              </a:rPr>
+              <a:t>https</a:t>
+            </a:r>
+            <a:r>
+              <a:rPr lang="en-US" altLang="zh-TW" dirty="0">
+                <a:hlinkClick r:id="rId6"/>
+              </a:rPr>
+              <a:t>://</a:t>
+            </a:r>
+            <a:r>
+              <a:rPr lang="en-US" altLang="zh-TW" dirty="0" smtClean="0">
+                <a:hlinkClick r:id="rId6"/>
+              </a:rPr>
+              <a:t>docs.microsoft.com/zh-tw/azure/azure-resource-manager/templates/deploy-to-azure-button</a:t>
+            </a:r>
+            <a:endParaRPr lang="en-US" altLang="zh-TW" dirty="0" smtClean="0"/>
+          </a:p>
+          <a:p>
             <a:pPr marL="742950" lvl="1" indent="-285750">
               <a:buFont typeface="Arial" panose="020B0604020202020204" pitchFamily="34" charset="0"/>
               <a:buChar char="•"/>
@@ -11857,54 +14355,17 @@
             <a:endParaRPr lang="en-US" altLang="zh-TW" dirty="0"/>
           </a:p>
           <a:p>
-            <a:pPr marL="285750" indent="-285750">
-              <a:buFont typeface="Arial" panose="020B0604020202020204" pitchFamily="34" charset="0"/>
-              <a:buChar char="•"/>
-            </a:pPr>
-            <a:r>
-              <a:rPr lang="en-US" altLang="zh-TW" dirty="0"/>
-              <a:t>New</a:t>
-            </a:r>
-          </a:p>
-          <a:p>
             <a:pPr marL="742950" lvl="1" indent="-285750">
               <a:buFont typeface="Arial" panose="020B0604020202020204" pitchFamily="34" charset="0"/>
               <a:buChar char="•"/>
             </a:pPr>
-            <a:r>
-              <a:rPr lang="en-US" altLang="zh-TW" dirty="0">
-                <a:hlinkClick r:id="rId4"/>
-              </a:rPr>
-              <a:t>https://portal.azure.com/#create/Microsoft.Template/uri/</a:t>
-            </a:r>
-            <a:endParaRPr lang="en-US" altLang="zh-TW" dirty="0"/>
+            <a:endParaRPr lang="en-US" altLang="zh-TW" dirty="0" smtClean="0"/>
           </a:p>
           <a:p>
             <a:pPr marL="742950" lvl="1" indent="-285750">
               <a:buFont typeface="Arial" panose="020B0604020202020204" pitchFamily="34" charset="0"/>
               <a:buChar char="•"/>
             </a:pPr>
-            <a:endParaRPr lang="en-US" altLang="zh-TW">
-              <a:hlinkClick r:id="rId5"/>
-            </a:endParaRPr>
-          </a:p>
-          <a:p>
-            <a:pPr marL="742950" lvl="1" indent="-285750">
-              <a:buFont typeface="Arial" panose="020B0604020202020204" pitchFamily="34" charset="0"/>
-              <a:buChar char="•"/>
-            </a:pPr>
-            <a:r>
-              <a:rPr lang="en-US" altLang="zh-TW">
-                <a:hlinkClick r:id="rId5"/>
-              </a:rPr>
-              <a:t>https</a:t>
-            </a:r>
-            <a:r>
-              <a:rPr lang="en-US" altLang="zh-TW" dirty="0">
-                <a:hlinkClick r:id="rId5"/>
-              </a:rPr>
-              <a:t>://docs.microsoft.com/zh-tw/azure/azure-resource-manager/templates/deploy-to-azure-button</a:t>
-            </a:r>
             <a:endParaRPr lang="zh-TW" altLang="en-US" dirty="0"/>
           </a:p>
         </p:txBody>
@@ -11922,7 +14383,7 @@
 </p:sld>
 </file>
 
-<file path=ppt/slides/slide16.xml><?xml version="1.0" encoding="utf-8"?>
+<file path=ppt/slides/slide2.xml><?xml version="1.0" encoding="utf-8"?>
 <p:sld xmlns:a="http://schemas.openxmlformats.org/drawingml/2006/main" xmlns:r="http://schemas.openxmlformats.org/officeDocument/2006/relationships" xmlns:p="http://schemas.openxmlformats.org/presentationml/2006/main">
   <p:cSld>
     <p:spTree>
@@ -11955,13 +14416,360 @@
           <a:lstStyle/>
           <a:p>
             <a:r>
-              <a:rPr lang="en-US" altLang="zh-TW" dirty="0">
+              <a:rPr lang="zh-TW" altLang="en-US" dirty="0">
                 <a:latin typeface="標楷體" panose="03000509000000000000" pitchFamily="65" charset="-120"/>
                 <a:ea typeface="標楷體" panose="03000509000000000000" pitchFamily="65" charset="-120"/>
               </a:rPr>
-              <a:t>Share ARM Template</a:t>
-            </a:r>
-            <a:endParaRPr lang="zh-TW" altLang="en-US" dirty="0">
+              <a:t>目錄</a:t>
+            </a:r>
+          </a:p>
+        </p:txBody>
+      </p:sp>
+      <p:sp>
+        <p:nvSpPr>
+          <p:cNvPr id="5123" name="內容版面配置區 2"/>
+          <p:cNvSpPr>
+            <a:spLocks noGrp="1"/>
+          </p:cNvSpPr>
+          <p:nvPr>
+            <p:ph idx="1"/>
+          </p:nvPr>
+        </p:nvSpPr>
+        <p:spPr>
+          <a:xfrm>
+            <a:off x="1981201" y="1600201"/>
+            <a:ext cx="8075613" cy="4525963"/>
+          </a:xfrm>
+        </p:spPr>
+        <p:txBody>
+          <a:bodyPr/>
+          <a:lstStyle/>
+          <a:p>
+            <a:pPr>
+              <a:buFont typeface="+mj-ea"/>
+              <a:buAutoNum type="ea1ChtPeriod"/>
+            </a:pPr>
+            <a:r>
+              <a:rPr lang="en-US" altLang="zh-TW" sz="1800" dirty="0" err="1">
+                <a:latin typeface="標楷體" panose="03000509000000000000" pitchFamily="65" charset="-120"/>
+                <a:ea typeface="標楷體" panose="03000509000000000000" pitchFamily="65" charset="-120"/>
+              </a:rPr>
+              <a:t>Oauth</a:t>
+            </a:r>
+            <a:r>
+              <a:rPr lang="zh-TW" altLang="en-US" sz="1800" dirty="0">
+                <a:latin typeface="標楷體" panose="03000509000000000000" pitchFamily="65" charset="-120"/>
+                <a:ea typeface="標楷體" panose="03000509000000000000" pitchFamily="65" charset="-120"/>
+              </a:rPr>
+              <a:t> 簡介</a:t>
+            </a:r>
+            <a:endParaRPr lang="en-US" altLang="zh-TW" sz="1800" dirty="0">
+              <a:latin typeface="標楷體" panose="03000509000000000000" pitchFamily="65" charset="-120"/>
+              <a:ea typeface="標楷體" panose="03000509000000000000" pitchFamily="65" charset="-120"/>
+            </a:endParaRPr>
+          </a:p>
+          <a:p>
+            <a:pPr>
+              <a:buFont typeface="+mj-ea"/>
+              <a:buAutoNum type="ea1ChtPeriod"/>
+            </a:pPr>
+            <a:r>
+              <a:rPr lang="en-US" altLang="zh-TW" sz="1800" dirty="0" err="1">
+                <a:latin typeface="標楷體" panose="03000509000000000000" pitchFamily="65" charset="-120"/>
+                <a:ea typeface="標楷體" panose="03000509000000000000" pitchFamily="65" charset="-120"/>
+              </a:rPr>
+              <a:t>Oauth</a:t>
+            </a:r>
+            <a:r>
+              <a:rPr lang="zh-TW" altLang="en-US" sz="1800" dirty="0">
+                <a:latin typeface="標楷體" panose="03000509000000000000" pitchFamily="65" charset="-120"/>
+                <a:ea typeface="標楷體" panose="03000509000000000000" pitchFamily="65" charset="-120"/>
+              </a:rPr>
+              <a:t> 角色</a:t>
+            </a:r>
+            <a:r>
+              <a:rPr lang="en-US" altLang="zh-TW" sz="1800" dirty="0">
+                <a:latin typeface="標楷體" panose="03000509000000000000" pitchFamily="65" charset="-120"/>
+                <a:ea typeface="標楷體" panose="03000509000000000000" pitchFamily="65" charset="-120"/>
+              </a:rPr>
+              <a:t>(Actors)</a:t>
+            </a:r>
+          </a:p>
+          <a:p>
+            <a:pPr>
+              <a:buFont typeface="+mj-ea"/>
+              <a:buAutoNum type="ea1ChtPeriod"/>
+            </a:pPr>
+            <a:r>
+              <a:rPr lang="en-US" altLang="zh-TW" sz="1800" dirty="0" err="1">
+                <a:latin typeface="標楷體" panose="03000509000000000000" pitchFamily="65" charset="-120"/>
+                <a:ea typeface="標楷體" panose="03000509000000000000" pitchFamily="65" charset="-120"/>
+              </a:rPr>
+              <a:t>Oauth</a:t>
+            </a:r>
+            <a:r>
+              <a:rPr lang="en-US" altLang="zh-TW" sz="1800" dirty="0">
+                <a:latin typeface="標楷體" panose="03000509000000000000" pitchFamily="65" charset="-120"/>
+                <a:ea typeface="標楷體" panose="03000509000000000000" pitchFamily="65" charset="-120"/>
+              </a:rPr>
+              <a:t> </a:t>
+            </a:r>
+            <a:r>
+              <a:rPr lang="zh-TW" altLang="en-US" sz="1800" dirty="0">
+                <a:latin typeface="標楷體" panose="03000509000000000000" pitchFamily="65" charset="-120"/>
+                <a:ea typeface="標楷體" panose="03000509000000000000" pitchFamily="65" charset="-120"/>
+              </a:rPr>
+              <a:t>令牌</a:t>
+            </a:r>
+            <a:r>
+              <a:rPr lang="en-US" altLang="zh-TW" sz="1800" dirty="0">
+                <a:latin typeface="標楷體" panose="03000509000000000000" pitchFamily="65" charset="-120"/>
+                <a:ea typeface="標楷體" panose="03000509000000000000" pitchFamily="65" charset="-120"/>
+              </a:rPr>
+              <a:t>(Tokens)</a:t>
+            </a:r>
+          </a:p>
+          <a:p>
+            <a:pPr>
+              <a:buFont typeface="+mj-ea"/>
+              <a:buAutoNum type="ea1ChtPeriod"/>
+            </a:pPr>
+            <a:r>
+              <a:rPr lang="en-US" altLang="zh-TW" sz="1800" dirty="0" err="1">
+                <a:latin typeface="標楷體" panose="03000509000000000000" pitchFamily="65" charset="-120"/>
+                <a:ea typeface="標楷體" panose="03000509000000000000" pitchFamily="65" charset="-120"/>
+              </a:rPr>
+              <a:t>Oauth</a:t>
+            </a:r>
+            <a:r>
+              <a:rPr lang="zh-TW" altLang="en-US" sz="1800" dirty="0">
+                <a:latin typeface="標楷體" panose="03000509000000000000" pitchFamily="65" charset="-120"/>
+                <a:ea typeface="標楷體" panose="03000509000000000000" pitchFamily="65" charset="-120"/>
+              </a:rPr>
+              <a:t> 資料傳輸接點</a:t>
+            </a:r>
+            <a:r>
+              <a:rPr lang="en-US" altLang="zh-TW" sz="1800" dirty="0">
+                <a:latin typeface="標楷體" panose="03000509000000000000" pitchFamily="65" charset="-120"/>
+                <a:ea typeface="標楷體" panose="03000509000000000000" pitchFamily="65" charset="-120"/>
+              </a:rPr>
+              <a:t>(</a:t>
+            </a:r>
+            <a:r>
+              <a:rPr lang="en-US" altLang="zh-TW" sz="1800" dirty="0" err="1">
+                <a:latin typeface="標楷體" panose="03000509000000000000" pitchFamily="65" charset="-120"/>
+                <a:ea typeface="標楷體" panose="03000509000000000000" pitchFamily="65" charset="-120"/>
+              </a:rPr>
+              <a:t>EndPoints</a:t>
+            </a:r>
+            <a:r>
+              <a:rPr lang="en-US" altLang="zh-TW" sz="1800" dirty="0">
+                <a:latin typeface="標楷體" panose="03000509000000000000" pitchFamily="65" charset="-120"/>
+                <a:ea typeface="標楷體" panose="03000509000000000000" pitchFamily="65" charset="-120"/>
+              </a:rPr>
+              <a:t>)</a:t>
+            </a:r>
+          </a:p>
+          <a:p>
+            <a:pPr>
+              <a:buFont typeface="+mj-ea"/>
+              <a:buAutoNum type="ea1ChtPeriod"/>
+            </a:pPr>
+            <a:r>
+              <a:rPr lang="zh-TW" altLang="en-US" sz="1800" dirty="0">
+                <a:latin typeface="標楷體" panose="03000509000000000000" pitchFamily="65" charset="-120"/>
+                <a:ea typeface="標楷體" panose="03000509000000000000" pitchFamily="65" charset="-120"/>
+              </a:rPr>
+              <a:t>版本差異</a:t>
+            </a:r>
+            <a:endParaRPr lang="en-US" altLang="zh-TW" sz="1800" dirty="0">
+              <a:latin typeface="標楷體" panose="03000509000000000000" pitchFamily="65" charset="-120"/>
+              <a:ea typeface="標楷體" panose="03000509000000000000" pitchFamily="65" charset="-120"/>
+            </a:endParaRPr>
+          </a:p>
+          <a:p>
+            <a:pPr>
+              <a:buFont typeface="+mj-ea"/>
+              <a:buAutoNum type="ea1ChtPeriod"/>
+            </a:pPr>
+            <a:r>
+              <a:rPr lang="en-US" altLang="zh-TW" sz="1800" dirty="0">
+                <a:latin typeface="標楷體" panose="03000509000000000000" pitchFamily="65" charset="-120"/>
+                <a:ea typeface="標楷體" panose="03000509000000000000" pitchFamily="65" charset="-120"/>
+              </a:rPr>
+              <a:t>OAuth</a:t>
+            </a:r>
+            <a:r>
+              <a:rPr lang="zh-TW" altLang="en-US" sz="1800" dirty="0">
+                <a:latin typeface="標楷體" panose="03000509000000000000" pitchFamily="65" charset="-120"/>
+                <a:ea typeface="標楷體" panose="03000509000000000000" pitchFamily="65" charset="-120"/>
+              </a:rPr>
+              <a:t>與</a:t>
+            </a:r>
+            <a:r>
+              <a:rPr lang="en-US" altLang="zh-TW" sz="1800" dirty="0">
+                <a:latin typeface="標楷體" panose="03000509000000000000" pitchFamily="65" charset="-120"/>
+                <a:ea typeface="標楷體" panose="03000509000000000000" pitchFamily="65" charset="-120"/>
+              </a:rPr>
+              <a:t>OpenID</a:t>
+            </a:r>
+            <a:r>
+              <a:rPr lang="zh-TW" altLang="en-US" sz="1800" dirty="0">
+                <a:latin typeface="標楷體" panose="03000509000000000000" pitchFamily="65" charset="-120"/>
+                <a:ea typeface="標楷體" panose="03000509000000000000" pitchFamily="65" charset="-120"/>
+              </a:rPr>
+              <a:t>的差異</a:t>
+            </a:r>
+            <a:endParaRPr lang="en-US" altLang="zh-TW" sz="1800" dirty="0">
+              <a:latin typeface="標楷體" panose="03000509000000000000" pitchFamily="65" charset="-120"/>
+              <a:ea typeface="標楷體" panose="03000509000000000000" pitchFamily="65" charset="-120"/>
+            </a:endParaRPr>
+          </a:p>
+          <a:p>
+            <a:pPr>
+              <a:buFont typeface="+mj-ea"/>
+              <a:buAutoNum type="ea1ChtPeriod"/>
+            </a:pPr>
+            <a:r>
+              <a:rPr lang="zh-TW" altLang="en-US" sz="1800" dirty="0">
+                <a:latin typeface="標楷體" panose="03000509000000000000" pitchFamily="65" charset="-120"/>
+                <a:ea typeface="標楷體" panose="03000509000000000000" pitchFamily="65" charset="-120"/>
+              </a:rPr>
+              <a:t>授權方式</a:t>
+            </a:r>
+            <a:endParaRPr lang="en-US" altLang="zh-TW" sz="1800" dirty="0">
+              <a:latin typeface="標楷體" panose="03000509000000000000" pitchFamily="65" charset="-120"/>
+              <a:ea typeface="標楷體" panose="03000509000000000000" pitchFamily="65" charset="-120"/>
+            </a:endParaRPr>
+          </a:p>
+          <a:p>
+            <a:pPr>
+              <a:buFont typeface="+mj-ea"/>
+              <a:buAutoNum type="ea1ChtPeriod"/>
+            </a:pPr>
+            <a:r>
+              <a:rPr lang="zh-TW" altLang="en-US" sz="1800" dirty="0">
+                <a:latin typeface="標楷體" panose="03000509000000000000" pitchFamily="65" charset="-120"/>
+                <a:ea typeface="標楷體" panose="03000509000000000000" pitchFamily="65" charset="-120"/>
+              </a:rPr>
+              <a:t>衍伸議題</a:t>
+            </a:r>
+            <a:endParaRPr lang="en-US" altLang="zh-TW" sz="1800" dirty="0">
+              <a:latin typeface="標楷體" panose="03000509000000000000" pitchFamily="65" charset="-120"/>
+              <a:ea typeface="標楷體" panose="03000509000000000000" pitchFamily="65" charset="-120"/>
+            </a:endParaRPr>
+          </a:p>
+          <a:p>
+            <a:pPr>
+              <a:buFont typeface="+mj-ea"/>
+              <a:buAutoNum type="ea1ChtPeriod"/>
+            </a:pPr>
+            <a:r>
+              <a:rPr lang="en-US" altLang="zh-TW" sz="1800" dirty="0">
+                <a:latin typeface="標楷體" panose="03000509000000000000" pitchFamily="65" charset="-120"/>
+                <a:ea typeface="標楷體" panose="03000509000000000000" pitchFamily="65" charset="-120"/>
+              </a:rPr>
+              <a:t>Demo</a:t>
+            </a:r>
+          </a:p>
+          <a:p>
+            <a:pPr marL="742950" lvl="2" indent="-342900">
+              <a:buFont typeface="+mj-ea"/>
+              <a:buAutoNum type="ea1ChtPeriod"/>
+            </a:pPr>
+            <a:r>
+              <a:rPr lang="en-US" altLang="zh-TW" sz="1400" dirty="0">
+                <a:latin typeface="標楷體" panose="03000509000000000000" pitchFamily="65" charset="-120"/>
+                <a:ea typeface="標楷體" panose="03000509000000000000" pitchFamily="65" charset="-120"/>
+                <a:cs typeface="+mn-cs"/>
+              </a:rPr>
+              <a:t>Facebook</a:t>
+            </a:r>
+            <a:r>
+              <a:rPr lang="zh-TW" altLang="en-US" sz="1400" dirty="0">
+                <a:latin typeface="標楷體" panose="03000509000000000000" pitchFamily="65" charset="-120"/>
+                <a:ea typeface="標楷體" panose="03000509000000000000" pitchFamily="65" charset="-120"/>
+                <a:cs typeface="+mn-cs"/>
+              </a:rPr>
+              <a:t>資料驗證</a:t>
+            </a:r>
+            <a:endParaRPr lang="en-US" altLang="zh-TW" sz="1400" dirty="0">
+              <a:latin typeface="標楷體" panose="03000509000000000000" pitchFamily="65" charset="-120"/>
+              <a:ea typeface="標楷體" panose="03000509000000000000" pitchFamily="65" charset="-120"/>
+              <a:cs typeface="+mn-cs"/>
+            </a:endParaRPr>
+          </a:p>
+          <a:p>
+            <a:pPr marL="742950" lvl="2" indent="-342900">
+              <a:buFont typeface="+mj-ea"/>
+              <a:buAutoNum type="ea1ChtPeriod"/>
+            </a:pPr>
+            <a:r>
+              <a:rPr lang="en-US" altLang="zh-TW" sz="1400" dirty="0">
+                <a:latin typeface="標楷體" panose="03000509000000000000" pitchFamily="65" charset="-120"/>
+                <a:ea typeface="標楷體" panose="03000509000000000000" pitchFamily="65" charset="-120"/>
+                <a:cs typeface="+mn-cs"/>
+              </a:rPr>
+              <a:t>Google</a:t>
+            </a:r>
+            <a:r>
+              <a:rPr lang="zh-TW" altLang="en-US" sz="1400" dirty="0">
+                <a:latin typeface="標楷體" panose="03000509000000000000" pitchFamily="65" charset="-120"/>
+                <a:ea typeface="標楷體" panose="03000509000000000000" pitchFamily="65" charset="-120"/>
+                <a:cs typeface="+mn-cs"/>
+              </a:rPr>
+              <a:t>資料驗證</a:t>
+            </a:r>
+            <a:endParaRPr lang="en-US" altLang="zh-TW" sz="1400" dirty="0">
+              <a:latin typeface="標楷體" panose="03000509000000000000" pitchFamily="65" charset="-120"/>
+              <a:ea typeface="標楷體" panose="03000509000000000000" pitchFamily="65" charset="-120"/>
+              <a:cs typeface="+mn-cs"/>
+            </a:endParaRPr>
+          </a:p>
+          <a:p>
+            <a:pPr marL="742950" lvl="2" indent="-342900">
+              <a:buFont typeface="+mj-ea"/>
+              <a:buAutoNum type="ea1ChtPeriod"/>
+            </a:pPr>
+            <a:r>
+              <a:rPr lang="en-US" altLang="zh-TW" sz="1400" dirty="0">
+                <a:latin typeface="標楷體" panose="03000509000000000000" pitchFamily="65" charset="-120"/>
+                <a:ea typeface="標楷體" panose="03000509000000000000" pitchFamily="65" charset="-120"/>
+                <a:cs typeface="+mn-cs"/>
+              </a:rPr>
+              <a:t>Line</a:t>
+            </a:r>
+            <a:r>
+              <a:rPr lang="zh-TW" altLang="en-US" sz="1400" dirty="0">
+                <a:latin typeface="標楷體" panose="03000509000000000000" pitchFamily="65" charset="-120"/>
+                <a:ea typeface="標楷體" panose="03000509000000000000" pitchFamily="65" charset="-120"/>
+                <a:cs typeface="+mn-cs"/>
+              </a:rPr>
+              <a:t>資料驗證</a:t>
+            </a:r>
+            <a:endParaRPr lang="en-US" altLang="zh-TW" sz="1400" dirty="0">
+              <a:latin typeface="標楷體" panose="03000509000000000000" pitchFamily="65" charset="-120"/>
+              <a:ea typeface="標楷體" panose="03000509000000000000" pitchFamily="65" charset="-120"/>
+              <a:cs typeface="+mn-cs"/>
+            </a:endParaRPr>
+          </a:p>
+          <a:p>
+            <a:pPr marL="342900" lvl="1" indent="-342900">
+              <a:buFont typeface="+mj-ea"/>
+              <a:buAutoNum type="ea1ChtPeriod"/>
+            </a:pPr>
+            <a:endParaRPr lang="en-US" altLang="zh-TW" sz="1800" dirty="0">
+              <a:latin typeface="標楷體" panose="03000509000000000000" pitchFamily="65" charset="-120"/>
+              <a:ea typeface="標楷體" panose="03000509000000000000" pitchFamily="65" charset="-120"/>
+              <a:cs typeface="+mn-cs"/>
+            </a:endParaRPr>
+          </a:p>
+          <a:p>
+            <a:pPr>
+              <a:buFont typeface="+mj-ea"/>
+              <a:buAutoNum type="ea1ChtPeriod"/>
+            </a:pPr>
+            <a:endParaRPr lang="zh-TW" altLang="en-US" sz="1800" dirty="0">
               <a:latin typeface="標楷體" panose="03000509000000000000" pitchFamily="65" charset="-120"/>
               <a:ea typeface="標楷體" panose="03000509000000000000" pitchFamily="65" charset="-120"/>
             </a:endParaRPr>
@@ -12131,7 +14939,235 @@
                 <a:buFontTx/>
                 <a:buNone/>
               </a:pPr>
-              <a:t>16</a:t>
+              <a:t>2</a:t>
+            </a:fld>
+            <a:endParaRPr lang="en-US" altLang="zh-TW" sz="1400" dirty="0"/>
+          </a:p>
+        </p:txBody>
+      </p:sp>
+    </p:spTree>
+    <p:extLst>
+      <p:ext uri="{BB962C8B-B14F-4D97-AF65-F5344CB8AC3E}">
+        <p14:creationId xmlns:p14="http://schemas.microsoft.com/office/powerpoint/2010/main" val="3781620894"/>
+      </p:ext>
+    </p:extLst>
+  </p:cSld>
+  <p:clrMapOvr>
+    <a:masterClrMapping/>
+  </p:clrMapOvr>
+</p:sld>
+</file>
+
+<file path=ppt/slides/slide20.xml><?xml version="1.0" encoding="utf-8"?>
+<p:sld xmlns:a="http://schemas.openxmlformats.org/drawingml/2006/main" xmlns:r="http://schemas.openxmlformats.org/officeDocument/2006/relationships" xmlns:p="http://schemas.openxmlformats.org/presentationml/2006/main">
+  <p:cSld>
+    <p:spTree>
+      <p:nvGrpSpPr>
+        <p:cNvPr id="1" name=""/>
+        <p:cNvGrpSpPr/>
+        <p:nvPr/>
+      </p:nvGrpSpPr>
+      <p:grpSpPr>
+        <a:xfrm>
+          <a:off x="0" y="0"/>
+          <a:ext cx="0" cy="0"/>
+          <a:chOff x="0" y="0"/>
+          <a:chExt cx="0" cy="0"/>
+        </a:xfrm>
+      </p:grpSpPr>
+      <p:sp>
+        <p:nvSpPr>
+          <p:cNvPr id="5122" name="標題 1"/>
+          <p:cNvSpPr>
+            <a:spLocks noGrp="1"/>
+          </p:cNvSpPr>
+          <p:nvPr>
+            <p:ph type="title"/>
+          </p:nvPr>
+        </p:nvSpPr>
+        <p:spPr/>
+        <p:txBody>
+          <a:bodyPr/>
+          <a:lstStyle/>
+          <a:p>
+            <a:r>
+              <a:rPr lang="en-US" altLang="zh-TW" dirty="0">
+                <a:latin typeface="標楷體" panose="03000509000000000000" pitchFamily="65" charset="-120"/>
+                <a:ea typeface="標楷體" panose="03000509000000000000" pitchFamily="65" charset="-120"/>
+              </a:rPr>
+              <a:t>Share ARM Template</a:t>
+            </a:r>
+            <a:endParaRPr lang="zh-TW" altLang="en-US" dirty="0">
+              <a:latin typeface="標楷體" panose="03000509000000000000" pitchFamily="65" charset="-120"/>
+              <a:ea typeface="標楷體" panose="03000509000000000000" pitchFamily="65" charset="-120"/>
+            </a:endParaRPr>
+          </a:p>
+        </p:txBody>
+      </p:sp>
+      <p:sp>
+        <p:nvSpPr>
+          <p:cNvPr id="5124" name="投影片編號版面配置區 3"/>
+          <p:cNvSpPr>
+            <a:spLocks noGrp="1"/>
+          </p:cNvSpPr>
+          <p:nvPr>
+            <p:ph type="sldNum" sz="quarter" idx="12"/>
+          </p:nvPr>
+        </p:nvSpPr>
+        <p:spPr>
+          <a:noFill/>
+        </p:spPr>
+        <p:txBody>
+          <a:bodyPr/>
+          <a:lstStyle>
+            <a:lvl1pPr>
+              <a:spcBef>
+                <a:spcPct val="20000"/>
+              </a:spcBef>
+              <a:buChar char="•"/>
+              <a:defRPr kumimoji="1" sz="3200">
+                <a:solidFill>
+                  <a:schemeClr val="tx1"/>
+                </a:solidFill>
+                <a:latin typeface="Arial" panose="020B0604020202020204" pitchFamily="34" charset="0"/>
+                <a:ea typeface="新細明體" panose="02020500000000000000" pitchFamily="18" charset="-120"/>
+              </a:defRPr>
+            </a:lvl1pPr>
+            <a:lvl2pPr marL="742950" indent="-285750">
+              <a:spcBef>
+                <a:spcPct val="20000"/>
+              </a:spcBef>
+              <a:buChar char="–"/>
+              <a:defRPr kumimoji="1" sz="2800">
+                <a:solidFill>
+                  <a:schemeClr val="tx1"/>
+                </a:solidFill>
+                <a:latin typeface="Arial" panose="020B0604020202020204" pitchFamily="34" charset="0"/>
+                <a:ea typeface="新細明體" panose="02020500000000000000" pitchFamily="18" charset="-120"/>
+              </a:defRPr>
+            </a:lvl2pPr>
+            <a:lvl3pPr marL="1143000" indent="-228600">
+              <a:spcBef>
+                <a:spcPct val="20000"/>
+              </a:spcBef>
+              <a:buChar char="•"/>
+              <a:defRPr kumimoji="1" sz="2400">
+                <a:solidFill>
+                  <a:schemeClr val="tx1"/>
+                </a:solidFill>
+                <a:latin typeface="Arial" panose="020B0604020202020204" pitchFamily="34" charset="0"/>
+                <a:ea typeface="新細明體" panose="02020500000000000000" pitchFamily="18" charset="-120"/>
+              </a:defRPr>
+            </a:lvl3pPr>
+            <a:lvl4pPr marL="1600200" indent="-228600">
+              <a:spcBef>
+                <a:spcPct val="20000"/>
+              </a:spcBef>
+              <a:buChar char="–"/>
+              <a:defRPr kumimoji="1" sz="2000">
+                <a:solidFill>
+                  <a:schemeClr val="tx1"/>
+                </a:solidFill>
+                <a:latin typeface="Arial" panose="020B0604020202020204" pitchFamily="34" charset="0"/>
+                <a:ea typeface="新細明體" panose="02020500000000000000" pitchFamily="18" charset="-120"/>
+              </a:defRPr>
+            </a:lvl4pPr>
+            <a:lvl5pPr marL="2057400" indent="-228600">
+              <a:spcBef>
+                <a:spcPct val="20000"/>
+              </a:spcBef>
+              <a:buChar char="»"/>
+              <a:defRPr kumimoji="1" sz="2000">
+                <a:solidFill>
+                  <a:schemeClr val="tx1"/>
+                </a:solidFill>
+                <a:latin typeface="Arial" panose="020B0604020202020204" pitchFamily="34" charset="0"/>
+                <a:ea typeface="新細明體" panose="02020500000000000000" pitchFamily="18" charset="-120"/>
+              </a:defRPr>
+            </a:lvl5pPr>
+            <a:lvl6pPr marL="2514600" indent="-228600" eaLnBrk="0" fontAlgn="base" hangingPunct="0">
+              <a:spcBef>
+                <a:spcPct val="20000"/>
+              </a:spcBef>
+              <a:spcAft>
+                <a:spcPct val="0"/>
+              </a:spcAft>
+              <a:buChar char="»"/>
+              <a:defRPr kumimoji="1" sz="2000">
+                <a:solidFill>
+                  <a:schemeClr val="tx1"/>
+                </a:solidFill>
+                <a:latin typeface="Arial" panose="020B0604020202020204" pitchFamily="34" charset="0"/>
+                <a:ea typeface="新細明體" panose="02020500000000000000" pitchFamily="18" charset="-120"/>
+              </a:defRPr>
+            </a:lvl6pPr>
+            <a:lvl7pPr marL="2971800" indent="-228600" eaLnBrk="0" fontAlgn="base" hangingPunct="0">
+              <a:spcBef>
+                <a:spcPct val="20000"/>
+              </a:spcBef>
+              <a:spcAft>
+                <a:spcPct val="0"/>
+              </a:spcAft>
+              <a:buChar char="»"/>
+              <a:defRPr kumimoji="1" sz="2000">
+                <a:solidFill>
+                  <a:schemeClr val="tx1"/>
+                </a:solidFill>
+                <a:latin typeface="Arial" panose="020B0604020202020204" pitchFamily="34" charset="0"/>
+                <a:ea typeface="新細明體" panose="02020500000000000000" pitchFamily="18" charset="-120"/>
+              </a:defRPr>
+            </a:lvl7pPr>
+            <a:lvl8pPr marL="3429000" indent="-228600" eaLnBrk="0" fontAlgn="base" hangingPunct="0">
+              <a:spcBef>
+                <a:spcPct val="20000"/>
+              </a:spcBef>
+              <a:spcAft>
+                <a:spcPct val="0"/>
+              </a:spcAft>
+              <a:buChar char="»"/>
+              <a:defRPr kumimoji="1" sz="2000">
+                <a:solidFill>
+                  <a:schemeClr val="tx1"/>
+                </a:solidFill>
+                <a:latin typeface="Arial" panose="020B0604020202020204" pitchFamily="34" charset="0"/>
+                <a:ea typeface="新細明體" panose="02020500000000000000" pitchFamily="18" charset="-120"/>
+              </a:defRPr>
+            </a:lvl8pPr>
+            <a:lvl9pPr marL="3886200" indent="-228600" eaLnBrk="0" fontAlgn="base" hangingPunct="0">
+              <a:spcBef>
+                <a:spcPct val="20000"/>
+              </a:spcBef>
+              <a:spcAft>
+                <a:spcPct val="0"/>
+              </a:spcAft>
+              <a:buChar char="»"/>
+              <a:defRPr kumimoji="1" sz="2000">
+                <a:solidFill>
+                  <a:schemeClr val="tx1"/>
+                </a:solidFill>
+                <a:latin typeface="Arial" panose="020B0604020202020204" pitchFamily="34" charset="0"/>
+                <a:ea typeface="新細明體" panose="02020500000000000000" pitchFamily="18" charset="-120"/>
+              </a:defRPr>
+            </a:lvl9pPr>
+          </a:lstStyle>
+          <a:p>
+            <a:pPr>
+              <a:spcBef>
+                <a:spcPct val="0"/>
+              </a:spcBef>
+              <a:buFontTx/>
+              <a:buNone/>
+            </a:pPr>
+            <a:fld id="{29316ABD-C291-4E8A-B771-0D60D81F2558}" type="slidenum">
+              <a:rPr lang="en-US" altLang="zh-TW" sz="1400"/>
+              <a:pPr>
+                <a:spcBef>
+                  <a:spcPct val="0"/>
+                </a:spcBef>
+                <a:buFontTx/>
+                <a:buNone/>
+              </a:pPr>
+              <a:t>20</a:t>
             </a:fld>
             <a:endParaRPr lang="en-US" altLang="zh-TW" sz="1400" dirty="0"/>
           </a:p>
@@ -12142,7 +15178,7 @@
           <p:cNvPr id="2" name="圖片 1">
             <a:extLst>
               <a:ext uri="{FF2B5EF4-FFF2-40B4-BE49-F238E27FC236}">
-                <a16:creationId xmlns:a16="http://schemas.microsoft.com/office/drawing/2014/main" id="{4EF768F7-848C-4810-BDCA-850EECC75EDA}"/>
+                <a16:creationId xmlns:a16="http://schemas.microsoft.com/office/drawing/2014/main" xmlns="" id="{4EF768F7-848C-4810-BDCA-850EECC75EDA}"/>
               </a:ext>
             </a:extLst>
           </p:cNvPr>
@@ -12180,7 +15216,7 @@
 </p:sld>
 </file>
 
-<file path=ppt/slides/slide17.xml><?xml version="1.0" encoding="utf-8"?>
+<file path=ppt/slides/slide21.xml><?xml version="1.0" encoding="utf-8"?>
 <p:sld xmlns:a="http://schemas.openxmlformats.org/drawingml/2006/main" xmlns:r="http://schemas.openxmlformats.org/officeDocument/2006/relationships" xmlns:p="http://schemas.openxmlformats.org/presentationml/2006/main">
   <p:cSld>
     <p:spTree>
@@ -12389,7 +15425,7 @@
                 <a:buFontTx/>
                 <a:buNone/>
               </a:pPr>
-              <a:t>17</a:t>
+              <a:t>21</a:t>
             </a:fld>
             <a:endParaRPr lang="en-US" altLang="zh-TW" sz="1400" dirty="0"/>
           </a:p>
@@ -12400,7 +15436,7 @@
           <p:cNvPr id="5" name="圖片 4">
             <a:extLst>
               <a:ext uri="{FF2B5EF4-FFF2-40B4-BE49-F238E27FC236}">
-                <a16:creationId xmlns:a16="http://schemas.microsoft.com/office/drawing/2014/main" id="{A12078D8-5B7A-4BA2-8940-A8FE4321A947}"/>
+                <a16:creationId xmlns:a16="http://schemas.microsoft.com/office/drawing/2014/main" xmlns="" id="{A12078D8-5B7A-4BA2-8940-A8FE4321A947}"/>
               </a:ext>
             </a:extLst>
           </p:cNvPr>
@@ -12438,7 +15474,7 @@
 </p:sld>
 </file>
 
-<file path=ppt/slides/slide18.xml><?xml version="1.0" encoding="utf-8"?>
+<file path=ppt/slides/slide22.xml><?xml version="1.0" encoding="utf-8"?>
 <p:sld xmlns:a="http://schemas.openxmlformats.org/drawingml/2006/main" xmlns:r="http://schemas.openxmlformats.org/officeDocument/2006/relationships" xmlns:p="http://schemas.openxmlformats.org/presentationml/2006/main">
   <p:cSld>
     <p:spTree>
@@ -12647,7 +15683,7 @@
                 <a:buFontTx/>
                 <a:buNone/>
               </a:pPr>
-              <a:t>18</a:t>
+              <a:t>22</a:t>
             </a:fld>
             <a:endParaRPr lang="en-US" altLang="zh-TW" sz="1400" dirty="0"/>
           </a:p>
@@ -12658,7 +15694,7 @@
           <p:cNvPr id="2" name="圖片 1">
             <a:extLst>
               <a:ext uri="{FF2B5EF4-FFF2-40B4-BE49-F238E27FC236}">
-                <a16:creationId xmlns:a16="http://schemas.microsoft.com/office/drawing/2014/main" id="{862DD08B-E593-40D1-B95B-A9E5B6E84839}"/>
+                <a16:creationId xmlns:a16="http://schemas.microsoft.com/office/drawing/2014/main" xmlns="" id="{862DD08B-E593-40D1-B95B-A9E5B6E84839}"/>
               </a:ext>
             </a:extLst>
           </p:cNvPr>
@@ -12696,7 +15732,7 @@
 </p:sld>
 </file>
 
-<file path=ppt/slides/slide19.xml><?xml version="1.0" encoding="utf-8"?>
+<file path=ppt/slides/slide23.xml><?xml version="1.0" encoding="utf-8"?>
 <p:sld xmlns:a="http://schemas.openxmlformats.org/drawingml/2006/main" xmlns:r="http://schemas.openxmlformats.org/officeDocument/2006/relationships" xmlns:p="http://schemas.openxmlformats.org/presentationml/2006/main">
   <p:cSld>
     <p:spTree>
@@ -12729,12 +15765,37 @@
           <a:lstStyle/>
           <a:p>
             <a:r>
-              <a:rPr lang="zh-TW" altLang="en-US" dirty="0">
+              <a:rPr lang="en-US" altLang="zh-TW" dirty="0" smtClean="0">
                 <a:latin typeface="標楷體" panose="03000509000000000000" pitchFamily="65" charset="-120"/>
                 <a:ea typeface="標楷體" panose="03000509000000000000" pitchFamily="65" charset="-120"/>
               </a:rPr>
-              <a:t>結論</a:t>
-            </a:r>
+              <a:t>ARM Template</a:t>
+            </a:r>
+            <a:r>
+              <a:rPr lang="zh-TW" altLang="en-US" dirty="0" smtClean="0">
+                <a:latin typeface="標楷體" panose="03000509000000000000" pitchFamily="65" charset="-120"/>
+                <a:ea typeface="標楷體" panose="03000509000000000000" pitchFamily="65" charset="-120"/>
+              </a:rPr>
+              <a:t> </a:t>
+            </a:r>
+            <a:r>
+              <a:rPr lang="en-US" altLang="zh-TW" dirty="0" smtClean="0">
+                <a:latin typeface="標楷體" panose="03000509000000000000" pitchFamily="65" charset="-120"/>
+                <a:ea typeface="標楷體" panose="03000509000000000000" pitchFamily="65" charset="-120"/>
+              </a:rPr>
+              <a:t>with Azure </a:t>
+            </a:r>
+            <a:r>
+              <a:rPr lang="en-US" altLang="zh-TW" dirty="0" err="1" smtClean="0">
+                <a:latin typeface="標楷體" panose="03000509000000000000" pitchFamily="65" charset="-120"/>
+                <a:ea typeface="標楷體" panose="03000509000000000000" pitchFamily="65" charset="-120"/>
+              </a:rPr>
+              <a:t>Devops</a:t>
+            </a:r>
+            <a:endParaRPr lang="zh-TW" altLang="en-US" dirty="0">
+              <a:latin typeface="標楷體" panose="03000509000000000000" pitchFamily="65" charset="-120"/>
+              <a:ea typeface="標楷體" panose="03000509000000000000" pitchFamily="65" charset="-120"/>
+            </a:endParaRPr>
           </a:p>
         </p:txBody>
       </p:sp>
@@ -12901,7 +15962,7 @@
                 <a:buFontTx/>
                 <a:buNone/>
               </a:pPr>
-              <a:t>19</a:t>
+              <a:t>23</a:t>
             </a:fld>
             <a:endParaRPr lang="en-US" altLang="zh-TW" sz="1400" dirty="0"/>
           </a:p>
@@ -12909,13 +15970,7 @@
       </p:sp>
       <p:sp>
         <p:nvSpPr>
-          <p:cNvPr id="2" name="內容版面配置區 1">
-            <a:extLst>
-              <a:ext uri="{FF2B5EF4-FFF2-40B4-BE49-F238E27FC236}">
-                <a16:creationId xmlns:a16="http://schemas.microsoft.com/office/drawing/2014/main" id="{AC12AE61-73D2-4E21-960F-A55039BBFF01}"/>
-              </a:ext>
-            </a:extLst>
-          </p:cNvPr>
+          <p:cNvPr id="3" name="內容版面配置區 2"/>
           <p:cNvSpPr>
             <a:spLocks noGrp="1"/>
           </p:cNvSpPr>
@@ -12928,41 +15983,38 @@
           <a:bodyPr/>
           <a:lstStyle/>
           <a:p>
-            <a:r>
-              <a:rPr lang="zh-TW" altLang="en-US" dirty="0"/>
-              <a:t>優點</a:t>
-            </a:r>
-            <a:r>
-              <a:rPr lang="en-US" altLang="zh-TW" dirty="0"/>
-              <a:t>:</a:t>
-            </a:r>
-          </a:p>
-          <a:p>
-            <a:pPr lvl="1"/>
-            <a:r>
-              <a:rPr lang="zh-TW" altLang="en-US" dirty="0"/>
-              <a:t>一次化部屬所有</a:t>
-            </a:r>
-            <a:r>
-              <a:rPr lang="en-US" altLang="zh-TW" dirty="0"/>
-              <a:t>Azure</a:t>
-            </a:r>
-            <a:r>
-              <a:rPr lang="zh-TW" altLang="en-US" dirty="0"/>
-              <a:t>資源</a:t>
-            </a:r>
-            <a:endParaRPr lang="en-US" altLang="zh-TW" dirty="0"/>
-          </a:p>
-          <a:p>
-            <a:pPr lvl="1"/>
-            <a:endParaRPr lang="zh-TW" altLang="en-US" dirty="0"/>
-          </a:p>
-        </p:txBody>
-      </p:sp>
+            <a:endParaRPr lang="zh-TW" altLang="en-US"/>
+          </a:p>
+        </p:txBody>
+      </p:sp>
+      <p:pic>
+        <p:nvPicPr>
+          <p:cNvPr id="4" name="圖片 3"/>
+          <p:cNvPicPr>
+            <a:picLocks noChangeAspect="1"/>
+          </p:cNvPicPr>
+          <p:nvPr/>
+        </p:nvPicPr>
+        <p:blipFill>
+          <a:blip r:embed="rId3"/>
+          <a:stretch>
+            <a:fillRect/>
+          </a:stretch>
+        </p:blipFill>
+        <p:spPr>
+          <a:xfrm>
+            <a:off x="1109662" y="1528436"/>
+            <a:ext cx="9972675" cy="4819650"/>
+          </a:xfrm>
+          <a:prstGeom prst="rect">
+            <a:avLst/>
+          </a:prstGeom>
+        </p:spPr>
+      </p:pic>
     </p:spTree>
     <p:extLst>
       <p:ext uri="{BB962C8B-B14F-4D97-AF65-F5344CB8AC3E}">
-        <p14:creationId xmlns:p14="http://schemas.microsoft.com/office/powerpoint/2010/main" val="378882519"/>
+        <p14:creationId xmlns:p14="http://schemas.microsoft.com/office/powerpoint/2010/main" val="2804412738"/>
       </p:ext>
     </p:extLst>
   </p:cSld>
@@ -12972,7 +16024,7 @@
 </p:sld>
 </file>
 
-<file path=ppt/slides/slide2.xml><?xml version="1.0" encoding="utf-8"?>
+<file path=ppt/slides/slide24.xml><?xml version="1.0" encoding="utf-8"?>
 <p:sld xmlns:a="http://schemas.openxmlformats.org/drawingml/2006/main" xmlns:r="http://schemas.openxmlformats.org/officeDocument/2006/relationships" xmlns:p="http://schemas.openxmlformats.org/presentationml/2006/main">
   <p:cSld>
     <p:spTree>
@@ -13005,366 +16057,66 @@
           <a:lstStyle/>
           <a:p>
             <a:r>
-              <a:rPr lang="zh-TW" altLang="en-US" dirty="0">
+              <a:rPr lang="en-US" altLang="zh-TW" dirty="0" smtClean="0">
                 <a:latin typeface="標楷體" panose="03000509000000000000" pitchFamily="65" charset="-120"/>
                 <a:ea typeface="標楷體" panose="03000509000000000000" pitchFamily="65" charset="-120"/>
               </a:rPr>
-              <a:t>目錄</a:t>
-            </a:r>
-          </a:p>
-        </p:txBody>
-      </p:sp>
-      <p:sp>
-        <p:nvSpPr>
-          <p:cNvPr id="5123" name="內容版面配置區 2"/>
-          <p:cNvSpPr>
-            <a:spLocks noGrp="1"/>
-          </p:cNvSpPr>
-          <p:nvPr>
-            <p:ph idx="1"/>
-          </p:nvPr>
-        </p:nvSpPr>
-        <p:spPr>
-          <a:xfrm>
-            <a:off x="1981201" y="1600201"/>
-            <a:ext cx="8075613" cy="4525963"/>
-          </a:xfrm>
-        </p:spPr>
-        <p:txBody>
-          <a:bodyPr/>
-          <a:lstStyle/>
-          <a:p>
-            <a:pPr>
-              <a:buFont typeface="+mj-ea"/>
-              <a:buAutoNum type="ea1ChtPeriod"/>
-            </a:pPr>
-            <a:r>
-              <a:rPr lang="en-US" altLang="zh-TW" sz="1800" dirty="0" err="1">
+              <a:t>ARM Template</a:t>
+            </a:r>
+            <a:r>
+              <a:rPr lang="zh-TW" altLang="en-US" dirty="0" smtClean="0">
                 <a:latin typeface="標楷體" panose="03000509000000000000" pitchFamily="65" charset="-120"/>
                 <a:ea typeface="標楷體" panose="03000509000000000000" pitchFamily="65" charset="-120"/>
               </a:rPr>
-              <a:t>Oauth</a:t>
-            </a:r>
-            <a:r>
-              <a:rPr lang="zh-TW" altLang="en-US" sz="1800" dirty="0">
+              <a:t> </a:t>
+            </a:r>
+            <a:r>
+              <a:rPr lang="en-US" altLang="zh-TW" dirty="0" smtClean="0">
                 <a:latin typeface="標楷體" panose="03000509000000000000" pitchFamily="65" charset="-120"/>
                 <a:ea typeface="標楷體" panose="03000509000000000000" pitchFamily="65" charset="-120"/>
               </a:rPr>
-              <a:t> 簡介</a:t>
-            </a:r>
-            <a:endParaRPr lang="en-US" altLang="zh-TW" sz="1800" dirty="0">
+              <a:t>with Azure </a:t>
+            </a:r>
+            <a:r>
+              <a:rPr lang="en-US" altLang="zh-TW" dirty="0" err="1" smtClean="0">
+                <a:latin typeface="標楷體" panose="03000509000000000000" pitchFamily="65" charset="-120"/>
+                <a:ea typeface="標楷體" panose="03000509000000000000" pitchFamily="65" charset="-120"/>
+              </a:rPr>
+              <a:t>Devops</a:t>
+            </a:r>
+            <a:endParaRPr lang="zh-TW" altLang="en-US" dirty="0">
               <a:latin typeface="標楷體" panose="03000509000000000000" pitchFamily="65" charset="-120"/>
               <a:ea typeface="標楷體" panose="03000509000000000000" pitchFamily="65" charset="-120"/>
             </a:endParaRPr>
           </a:p>
-          <a:p>
-            <a:pPr>
-              <a:buFont typeface="+mj-ea"/>
-              <a:buAutoNum type="ea1ChtPeriod"/>
-            </a:pPr>
-            <a:r>
-              <a:rPr lang="en-US" altLang="zh-TW" sz="1800" dirty="0" err="1">
-                <a:latin typeface="標楷體" panose="03000509000000000000" pitchFamily="65" charset="-120"/>
-                <a:ea typeface="標楷體" panose="03000509000000000000" pitchFamily="65" charset="-120"/>
-              </a:rPr>
-              <a:t>Oauth</a:t>
-            </a:r>
-            <a:r>
-              <a:rPr lang="zh-TW" altLang="en-US" sz="1800" dirty="0">
-                <a:latin typeface="標楷體" panose="03000509000000000000" pitchFamily="65" charset="-120"/>
-                <a:ea typeface="標楷體" panose="03000509000000000000" pitchFamily="65" charset="-120"/>
-              </a:rPr>
-              <a:t> 角色</a:t>
-            </a:r>
-            <a:r>
-              <a:rPr lang="en-US" altLang="zh-TW" sz="1800" dirty="0">
-                <a:latin typeface="標楷體" panose="03000509000000000000" pitchFamily="65" charset="-120"/>
-                <a:ea typeface="標楷體" panose="03000509000000000000" pitchFamily="65" charset="-120"/>
-              </a:rPr>
-              <a:t>(Actors)</a:t>
-            </a:r>
-          </a:p>
-          <a:p>
-            <a:pPr>
-              <a:buFont typeface="+mj-ea"/>
-              <a:buAutoNum type="ea1ChtPeriod"/>
-            </a:pPr>
-            <a:r>
-              <a:rPr lang="en-US" altLang="zh-TW" sz="1800" dirty="0" err="1">
-                <a:latin typeface="標楷體" panose="03000509000000000000" pitchFamily="65" charset="-120"/>
-                <a:ea typeface="標楷體" panose="03000509000000000000" pitchFamily="65" charset="-120"/>
-              </a:rPr>
-              <a:t>Oauth</a:t>
-            </a:r>
-            <a:r>
-              <a:rPr lang="en-US" altLang="zh-TW" sz="1800" dirty="0">
-                <a:latin typeface="標楷體" panose="03000509000000000000" pitchFamily="65" charset="-120"/>
-                <a:ea typeface="標楷體" panose="03000509000000000000" pitchFamily="65" charset="-120"/>
-              </a:rPr>
-              <a:t> </a:t>
-            </a:r>
-            <a:r>
-              <a:rPr lang="zh-TW" altLang="en-US" sz="1800" dirty="0">
-                <a:latin typeface="標楷體" panose="03000509000000000000" pitchFamily="65" charset="-120"/>
-                <a:ea typeface="標楷體" panose="03000509000000000000" pitchFamily="65" charset="-120"/>
-              </a:rPr>
-              <a:t>令牌</a:t>
-            </a:r>
-            <a:r>
-              <a:rPr lang="en-US" altLang="zh-TW" sz="1800" dirty="0">
-                <a:latin typeface="標楷體" panose="03000509000000000000" pitchFamily="65" charset="-120"/>
-                <a:ea typeface="標楷體" panose="03000509000000000000" pitchFamily="65" charset="-120"/>
-              </a:rPr>
-              <a:t>(Tokens)</a:t>
-            </a:r>
-          </a:p>
-          <a:p>
-            <a:pPr>
-              <a:buFont typeface="+mj-ea"/>
-              <a:buAutoNum type="ea1ChtPeriod"/>
-            </a:pPr>
-            <a:r>
-              <a:rPr lang="en-US" altLang="zh-TW" sz="1800" dirty="0" err="1">
-                <a:latin typeface="標楷體" panose="03000509000000000000" pitchFamily="65" charset="-120"/>
-                <a:ea typeface="標楷體" panose="03000509000000000000" pitchFamily="65" charset="-120"/>
-              </a:rPr>
-              <a:t>Oauth</a:t>
-            </a:r>
-            <a:r>
-              <a:rPr lang="zh-TW" altLang="en-US" sz="1800" dirty="0">
-                <a:latin typeface="標楷體" panose="03000509000000000000" pitchFamily="65" charset="-120"/>
-                <a:ea typeface="標楷體" panose="03000509000000000000" pitchFamily="65" charset="-120"/>
-              </a:rPr>
-              <a:t> 資料傳輸接點</a:t>
-            </a:r>
-            <a:r>
-              <a:rPr lang="en-US" altLang="zh-TW" sz="1800" dirty="0">
-                <a:latin typeface="標楷體" panose="03000509000000000000" pitchFamily="65" charset="-120"/>
-                <a:ea typeface="標楷體" panose="03000509000000000000" pitchFamily="65" charset="-120"/>
-              </a:rPr>
-              <a:t>(</a:t>
-            </a:r>
-            <a:r>
-              <a:rPr lang="en-US" altLang="zh-TW" sz="1800" dirty="0" err="1">
-                <a:latin typeface="標楷體" panose="03000509000000000000" pitchFamily="65" charset="-120"/>
-                <a:ea typeface="標楷體" panose="03000509000000000000" pitchFamily="65" charset="-120"/>
-              </a:rPr>
-              <a:t>EndPoints</a:t>
-            </a:r>
-            <a:r>
-              <a:rPr lang="en-US" altLang="zh-TW" sz="1800" dirty="0">
-                <a:latin typeface="標楷體" panose="03000509000000000000" pitchFamily="65" charset="-120"/>
-                <a:ea typeface="標楷體" panose="03000509000000000000" pitchFamily="65" charset="-120"/>
-              </a:rPr>
-              <a:t>)</a:t>
-            </a:r>
-          </a:p>
-          <a:p>
-            <a:pPr>
-              <a:buFont typeface="+mj-ea"/>
-              <a:buAutoNum type="ea1ChtPeriod"/>
-            </a:pPr>
-            <a:r>
-              <a:rPr lang="zh-TW" altLang="en-US" sz="1800" dirty="0">
-                <a:latin typeface="標楷體" panose="03000509000000000000" pitchFamily="65" charset="-120"/>
-                <a:ea typeface="標楷體" panose="03000509000000000000" pitchFamily="65" charset="-120"/>
-              </a:rPr>
-              <a:t>版本差異</a:t>
-            </a:r>
-            <a:endParaRPr lang="en-US" altLang="zh-TW" sz="1800" dirty="0">
-              <a:latin typeface="標楷體" panose="03000509000000000000" pitchFamily="65" charset="-120"/>
-              <a:ea typeface="標楷體" panose="03000509000000000000" pitchFamily="65" charset="-120"/>
-            </a:endParaRPr>
-          </a:p>
-          <a:p>
-            <a:pPr>
-              <a:buFont typeface="+mj-ea"/>
-              <a:buAutoNum type="ea1ChtPeriod"/>
-            </a:pPr>
-            <a:r>
-              <a:rPr lang="en-US" altLang="zh-TW" sz="1800" dirty="0">
-                <a:latin typeface="標楷體" panose="03000509000000000000" pitchFamily="65" charset="-120"/>
-                <a:ea typeface="標楷體" panose="03000509000000000000" pitchFamily="65" charset="-120"/>
-              </a:rPr>
-              <a:t>OAuth</a:t>
-            </a:r>
-            <a:r>
-              <a:rPr lang="zh-TW" altLang="en-US" sz="1800" dirty="0">
-                <a:latin typeface="標楷體" panose="03000509000000000000" pitchFamily="65" charset="-120"/>
-                <a:ea typeface="標楷體" panose="03000509000000000000" pitchFamily="65" charset="-120"/>
-              </a:rPr>
-              <a:t>與</a:t>
-            </a:r>
-            <a:r>
-              <a:rPr lang="en-US" altLang="zh-TW" sz="1800" dirty="0">
-                <a:latin typeface="標楷體" panose="03000509000000000000" pitchFamily="65" charset="-120"/>
-                <a:ea typeface="標楷體" panose="03000509000000000000" pitchFamily="65" charset="-120"/>
-              </a:rPr>
-              <a:t>OpenID</a:t>
-            </a:r>
-            <a:r>
-              <a:rPr lang="zh-TW" altLang="en-US" sz="1800" dirty="0">
-                <a:latin typeface="標楷體" panose="03000509000000000000" pitchFamily="65" charset="-120"/>
-                <a:ea typeface="標楷體" panose="03000509000000000000" pitchFamily="65" charset="-120"/>
-              </a:rPr>
-              <a:t>的差異</a:t>
-            </a:r>
-            <a:endParaRPr lang="en-US" altLang="zh-TW" sz="1800" dirty="0">
-              <a:latin typeface="標楷體" panose="03000509000000000000" pitchFamily="65" charset="-120"/>
-              <a:ea typeface="標楷體" panose="03000509000000000000" pitchFamily="65" charset="-120"/>
-            </a:endParaRPr>
-          </a:p>
-          <a:p>
-            <a:pPr>
-              <a:buFont typeface="+mj-ea"/>
-              <a:buAutoNum type="ea1ChtPeriod"/>
-            </a:pPr>
-            <a:r>
-              <a:rPr lang="zh-TW" altLang="en-US" sz="1800" dirty="0">
-                <a:latin typeface="標楷體" panose="03000509000000000000" pitchFamily="65" charset="-120"/>
-                <a:ea typeface="標楷體" panose="03000509000000000000" pitchFamily="65" charset="-120"/>
-              </a:rPr>
-              <a:t>授權方式</a:t>
-            </a:r>
-            <a:endParaRPr lang="en-US" altLang="zh-TW" sz="1800" dirty="0">
-              <a:latin typeface="標楷體" panose="03000509000000000000" pitchFamily="65" charset="-120"/>
-              <a:ea typeface="標楷體" panose="03000509000000000000" pitchFamily="65" charset="-120"/>
-            </a:endParaRPr>
-          </a:p>
-          <a:p>
-            <a:pPr>
-              <a:buFont typeface="+mj-ea"/>
-              <a:buAutoNum type="ea1ChtPeriod"/>
-            </a:pPr>
-            <a:r>
-              <a:rPr lang="zh-TW" altLang="en-US" sz="1800" dirty="0">
-                <a:latin typeface="標楷體" panose="03000509000000000000" pitchFamily="65" charset="-120"/>
-                <a:ea typeface="標楷體" panose="03000509000000000000" pitchFamily="65" charset="-120"/>
-              </a:rPr>
-              <a:t>衍伸議題</a:t>
-            </a:r>
-            <a:endParaRPr lang="en-US" altLang="zh-TW" sz="1800" dirty="0">
-              <a:latin typeface="標楷體" panose="03000509000000000000" pitchFamily="65" charset="-120"/>
-              <a:ea typeface="標楷體" panose="03000509000000000000" pitchFamily="65" charset="-120"/>
-            </a:endParaRPr>
-          </a:p>
-          <a:p>
-            <a:pPr>
-              <a:buFont typeface="+mj-ea"/>
-              <a:buAutoNum type="ea1ChtPeriod"/>
-            </a:pPr>
-            <a:r>
-              <a:rPr lang="en-US" altLang="zh-TW" sz="1800" dirty="0">
-                <a:latin typeface="標楷體" panose="03000509000000000000" pitchFamily="65" charset="-120"/>
-                <a:ea typeface="標楷體" panose="03000509000000000000" pitchFamily="65" charset="-120"/>
-              </a:rPr>
-              <a:t>Demo</a:t>
-            </a:r>
-          </a:p>
-          <a:p>
-            <a:pPr marL="742950" lvl="2" indent="-342900">
-              <a:buFont typeface="+mj-ea"/>
-              <a:buAutoNum type="ea1ChtPeriod"/>
-            </a:pPr>
-            <a:r>
-              <a:rPr lang="en-US" altLang="zh-TW" sz="1400" dirty="0">
-                <a:latin typeface="標楷體" panose="03000509000000000000" pitchFamily="65" charset="-120"/>
-                <a:ea typeface="標楷體" panose="03000509000000000000" pitchFamily="65" charset="-120"/>
-                <a:cs typeface="+mn-cs"/>
-              </a:rPr>
-              <a:t>Facebook</a:t>
-            </a:r>
-            <a:r>
-              <a:rPr lang="zh-TW" altLang="en-US" sz="1400" dirty="0">
-                <a:latin typeface="標楷體" panose="03000509000000000000" pitchFamily="65" charset="-120"/>
-                <a:ea typeface="標楷體" panose="03000509000000000000" pitchFamily="65" charset="-120"/>
-                <a:cs typeface="+mn-cs"/>
-              </a:rPr>
-              <a:t>資料驗證</a:t>
-            </a:r>
-            <a:endParaRPr lang="en-US" altLang="zh-TW" sz="1400" dirty="0">
-              <a:latin typeface="標楷體" panose="03000509000000000000" pitchFamily="65" charset="-120"/>
-              <a:ea typeface="標楷體" panose="03000509000000000000" pitchFamily="65" charset="-120"/>
-              <a:cs typeface="+mn-cs"/>
-            </a:endParaRPr>
-          </a:p>
-          <a:p>
-            <a:pPr marL="742950" lvl="2" indent="-342900">
-              <a:buFont typeface="+mj-ea"/>
-              <a:buAutoNum type="ea1ChtPeriod"/>
-            </a:pPr>
-            <a:r>
-              <a:rPr lang="en-US" altLang="zh-TW" sz="1400" dirty="0">
-                <a:latin typeface="標楷體" panose="03000509000000000000" pitchFamily="65" charset="-120"/>
-                <a:ea typeface="標楷體" panose="03000509000000000000" pitchFamily="65" charset="-120"/>
-                <a:cs typeface="+mn-cs"/>
-              </a:rPr>
-              <a:t>Google</a:t>
-            </a:r>
-            <a:r>
-              <a:rPr lang="zh-TW" altLang="en-US" sz="1400" dirty="0">
-                <a:latin typeface="標楷體" panose="03000509000000000000" pitchFamily="65" charset="-120"/>
-                <a:ea typeface="標楷體" panose="03000509000000000000" pitchFamily="65" charset="-120"/>
-                <a:cs typeface="+mn-cs"/>
-              </a:rPr>
-              <a:t>資料驗證</a:t>
-            </a:r>
-            <a:endParaRPr lang="en-US" altLang="zh-TW" sz="1400" dirty="0">
-              <a:latin typeface="標楷體" panose="03000509000000000000" pitchFamily="65" charset="-120"/>
-              <a:ea typeface="標楷體" panose="03000509000000000000" pitchFamily="65" charset="-120"/>
-              <a:cs typeface="+mn-cs"/>
-            </a:endParaRPr>
-          </a:p>
-          <a:p>
-            <a:pPr marL="742950" lvl="2" indent="-342900">
-              <a:buFont typeface="+mj-ea"/>
-              <a:buAutoNum type="ea1ChtPeriod"/>
-            </a:pPr>
-            <a:r>
-              <a:rPr lang="en-US" altLang="zh-TW" sz="1400" dirty="0">
-                <a:latin typeface="標楷體" panose="03000509000000000000" pitchFamily="65" charset="-120"/>
-                <a:ea typeface="標楷體" panose="03000509000000000000" pitchFamily="65" charset="-120"/>
-                <a:cs typeface="+mn-cs"/>
-              </a:rPr>
-              <a:t>Line</a:t>
-            </a:r>
-            <a:r>
-              <a:rPr lang="zh-TW" altLang="en-US" sz="1400" dirty="0">
-                <a:latin typeface="標楷體" panose="03000509000000000000" pitchFamily="65" charset="-120"/>
-                <a:ea typeface="標楷體" panose="03000509000000000000" pitchFamily="65" charset="-120"/>
-                <a:cs typeface="+mn-cs"/>
-              </a:rPr>
-              <a:t>資料驗證</a:t>
-            </a:r>
-            <a:endParaRPr lang="en-US" altLang="zh-TW" sz="1400" dirty="0">
-              <a:latin typeface="標楷體" panose="03000509000000000000" pitchFamily="65" charset="-120"/>
-              <a:ea typeface="標楷體" panose="03000509000000000000" pitchFamily="65" charset="-120"/>
-              <a:cs typeface="+mn-cs"/>
-            </a:endParaRPr>
-          </a:p>
-          <a:p>
-            <a:pPr marL="342900" lvl="1" indent="-342900">
-              <a:buFont typeface="+mj-ea"/>
-              <a:buAutoNum type="ea1ChtPeriod"/>
-            </a:pPr>
-            <a:endParaRPr lang="en-US" altLang="zh-TW" sz="1800" dirty="0">
-              <a:latin typeface="標楷體" panose="03000509000000000000" pitchFamily="65" charset="-120"/>
-              <a:ea typeface="標楷體" panose="03000509000000000000" pitchFamily="65" charset="-120"/>
-              <a:cs typeface="+mn-cs"/>
-            </a:endParaRPr>
-          </a:p>
-          <a:p>
-            <a:pPr>
-              <a:buFont typeface="+mj-ea"/>
-              <a:buAutoNum type="ea1ChtPeriod"/>
-            </a:pPr>
-            <a:endParaRPr lang="zh-TW" altLang="en-US" sz="1800" dirty="0">
-              <a:latin typeface="標楷體" panose="03000509000000000000" pitchFamily="65" charset="-120"/>
-              <a:ea typeface="標楷體" panose="03000509000000000000" pitchFamily="65" charset="-120"/>
-            </a:endParaRPr>
-          </a:p>
-        </p:txBody>
-      </p:sp>
+        </p:txBody>
+      </p:sp>
+      <p:pic>
+        <p:nvPicPr>
+          <p:cNvPr id="2" name="內容版面配置區 1"/>
+          <p:cNvPicPr>
+            <a:picLocks noGrp="1" noChangeAspect="1"/>
+          </p:cNvPicPr>
+          <p:nvPr>
+            <p:ph idx="1"/>
+          </p:nvPr>
+        </p:nvPicPr>
+        <p:blipFill>
+          <a:blip r:embed="rId3"/>
+          <a:stretch>
+            <a:fillRect/>
+          </a:stretch>
+        </p:blipFill>
+        <p:spPr>
+          <a:xfrm>
+            <a:off x="3808072" y="1434596"/>
+            <a:ext cx="4575855" cy="4525963"/>
+          </a:xfrm>
+          <a:prstGeom prst="rect">
+            <a:avLst/>
+          </a:prstGeom>
+        </p:spPr>
+      </p:pic>
       <p:sp>
         <p:nvSpPr>
           <p:cNvPr id="5124" name="投影片編號版面配置區 3"/>
@@ -13528,7 +16280,7 @@
                 <a:buFontTx/>
                 <a:buNone/>
               </a:pPr>
-              <a:t>2</a:t>
+              <a:t>24</a:t>
             </a:fld>
             <a:endParaRPr lang="en-US" altLang="zh-TW" sz="1400" dirty="0"/>
           </a:p>
@@ -13537,7 +16289,7 @@
     </p:spTree>
     <p:extLst>
       <p:ext uri="{BB962C8B-B14F-4D97-AF65-F5344CB8AC3E}">
-        <p14:creationId xmlns:p14="http://schemas.microsoft.com/office/powerpoint/2010/main" val="3781620894"/>
+        <p14:creationId xmlns:p14="http://schemas.microsoft.com/office/powerpoint/2010/main" val="2561141263"/>
       </p:ext>
     </p:extLst>
   </p:cSld>
@@ -13547,7 +16299,7 @@
 </p:sld>
 </file>
 
-<file path=ppt/slides/slide20.xml><?xml version="1.0" encoding="utf-8"?>
+<file path=ppt/slides/slide25.xml><?xml version="1.0" encoding="utf-8"?>
 <p:sld xmlns:a="http://schemas.openxmlformats.org/drawingml/2006/main" xmlns:r="http://schemas.openxmlformats.org/officeDocument/2006/relationships" xmlns:p="http://schemas.openxmlformats.org/presentationml/2006/main">
   <p:cSld>
     <p:spTree>
@@ -13580,11 +16332,32 @@
           <a:lstStyle/>
           <a:p>
             <a:r>
-              <a:rPr lang="en-US" altLang="zh-TW" dirty="0">
+              <a:rPr lang="en-US" altLang="zh-TW" dirty="0" smtClean="0">
                 <a:latin typeface="標楷體" panose="03000509000000000000" pitchFamily="65" charset="-120"/>
                 <a:ea typeface="標楷體" panose="03000509000000000000" pitchFamily="65" charset="-120"/>
               </a:rPr>
-              <a:t>Reference</a:t>
+              <a:t>ARM Template</a:t>
+            </a:r>
+            <a:r>
+              <a:rPr lang="zh-TW" altLang="en-US" dirty="0" smtClean="0">
+                <a:latin typeface="標楷體" panose="03000509000000000000" pitchFamily="65" charset="-120"/>
+                <a:ea typeface="標楷體" panose="03000509000000000000" pitchFamily="65" charset="-120"/>
+              </a:rPr>
+              <a:t> </a:t>
+            </a:r>
+            <a:r>
+              <a:rPr lang="en-US" altLang="zh-TW" dirty="0" smtClean="0">
+                <a:latin typeface="標楷體" panose="03000509000000000000" pitchFamily="65" charset="-120"/>
+                <a:ea typeface="標楷體" panose="03000509000000000000" pitchFamily="65" charset="-120"/>
+              </a:rPr>
+              <a:t>with Azure </a:t>
+            </a:r>
+            <a:r>
+              <a:rPr lang="en-US" altLang="zh-TW" dirty="0" err="1" smtClean="0">
+                <a:latin typeface="標楷體" panose="03000509000000000000" pitchFamily="65" charset="-120"/>
+                <a:ea typeface="標楷體" panose="03000509000000000000" pitchFamily="65" charset="-120"/>
+              </a:rPr>
+              <a:t>Devops</a:t>
             </a:r>
             <a:endParaRPr lang="zh-TW" altLang="en-US" dirty="0">
               <a:latin typeface="標楷體" panose="03000509000000000000" pitchFamily="65" charset="-120"/>
@@ -13756,7 +16529,888 @@
                 <a:buFontTx/>
                 <a:buNone/>
               </a:pPr>
-              <a:t>20</a:t>
+              <a:t>25</a:t>
+            </a:fld>
+            <a:endParaRPr lang="en-US" altLang="zh-TW" sz="1400" dirty="0"/>
+          </a:p>
+        </p:txBody>
+      </p:sp>
+      <p:sp>
+        <p:nvSpPr>
+          <p:cNvPr id="3" name="內容版面配置區 2"/>
+          <p:cNvSpPr>
+            <a:spLocks noGrp="1"/>
+          </p:cNvSpPr>
+          <p:nvPr>
+            <p:ph idx="1"/>
+          </p:nvPr>
+        </p:nvSpPr>
+        <p:spPr/>
+        <p:txBody>
+          <a:bodyPr/>
+          <a:lstStyle/>
+          <a:p>
+            <a:endParaRPr lang="zh-TW" altLang="en-US"/>
+          </a:p>
+        </p:txBody>
+      </p:sp>
+      <p:pic>
+        <p:nvPicPr>
+          <p:cNvPr id="4" name="圖片 3"/>
+          <p:cNvPicPr>
+            <a:picLocks noChangeAspect="1"/>
+          </p:cNvPicPr>
+          <p:nvPr/>
+        </p:nvPicPr>
+        <p:blipFill>
+          <a:blip r:embed="rId3"/>
+          <a:stretch>
+            <a:fillRect/>
+          </a:stretch>
+        </p:blipFill>
+        <p:spPr>
+          <a:xfrm>
+            <a:off x="1457325" y="1700808"/>
+            <a:ext cx="9277350" cy="3400425"/>
+          </a:xfrm>
+          <a:prstGeom prst="rect">
+            <a:avLst/>
+          </a:prstGeom>
+        </p:spPr>
+      </p:pic>
+    </p:spTree>
+    <p:extLst>
+      <p:ext uri="{BB962C8B-B14F-4D97-AF65-F5344CB8AC3E}">
+        <p14:creationId xmlns:p14="http://schemas.microsoft.com/office/powerpoint/2010/main" val="2282629504"/>
+      </p:ext>
+    </p:extLst>
+  </p:cSld>
+  <p:clrMapOvr>
+    <a:masterClrMapping/>
+  </p:clrMapOvr>
+</p:sld>
+</file>
+
+<file path=ppt/slides/slide26.xml><?xml version="1.0" encoding="utf-8"?>
+<p:sld xmlns:a="http://schemas.openxmlformats.org/drawingml/2006/main" xmlns:r="http://schemas.openxmlformats.org/officeDocument/2006/relationships" xmlns:p="http://schemas.openxmlformats.org/presentationml/2006/main">
+  <p:cSld>
+    <p:spTree>
+      <p:nvGrpSpPr>
+        <p:cNvPr id="1" name=""/>
+        <p:cNvGrpSpPr/>
+        <p:nvPr/>
+      </p:nvGrpSpPr>
+      <p:grpSpPr>
+        <a:xfrm>
+          <a:off x="0" y="0"/>
+          <a:ext cx="0" cy="0"/>
+          <a:chOff x="0" y="0"/>
+          <a:chExt cx="0" cy="0"/>
+        </a:xfrm>
+      </p:grpSpPr>
+      <p:sp>
+        <p:nvSpPr>
+          <p:cNvPr id="5122" name="標題 1"/>
+          <p:cNvSpPr>
+            <a:spLocks noGrp="1"/>
+          </p:cNvSpPr>
+          <p:nvPr>
+            <p:ph type="title"/>
+          </p:nvPr>
+        </p:nvSpPr>
+        <p:spPr/>
+        <p:txBody>
+          <a:bodyPr/>
+          <a:lstStyle/>
+          <a:p>
+            <a:r>
+              <a:rPr lang="en-US" altLang="zh-TW" dirty="0" smtClean="0">
+                <a:latin typeface="標楷體" panose="03000509000000000000" pitchFamily="65" charset="-120"/>
+                <a:ea typeface="標楷體" panose="03000509000000000000" pitchFamily="65" charset="-120"/>
+              </a:rPr>
+              <a:t>ARM Template</a:t>
+            </a:r>
+            <a:r>
+              <a:rPr lang="zh-TW" altLang="en-US" dirty="0" smtClean="0">
+                <a:latin typeface="標楷體" panose="03000509000000000000" pitchFamily="65" charset="-120"/>
+                <a:ea typeface="標楷體" panose="03000509000000000000" pitchFamily="65" charset="-120"/>
+              </a:rPr>
+              <a:t> </a:t>
+            </a:r>
+            <a:r>
+              <a:rPr lang="en-US" altLang="zh-TW" dirty="0" smtClean="0">
+                <a:latin typeface="標楷體" panose="03000509000000000000" pitchFamily="65" charset="-120"/>
+                <a:ea typeface="標楷體" panose="03000509000000000000" pitchFamily="65" charset="-120"/>
+              </a:rPr>
+              <a:t>with Azure </a:t>
+            </a:r>
+            <a:r>
+              <a:rPr lang="en-US" altLang="zh-TW" dirty="0" err="1" smtClean="0">
+                <a:latin typeface="標楷體" panose="03000509000000000000" pitchFamily="65" charset="-120"/>
+                <a:ea typeface="標楷體" panose="03000509000000000000" pitchFamily="65" charset="-120"/>
+              </a:rPr>
+              <a:t>Devops</a:t>
+            </a:r>
+            <a:endParaRPr lang="zh-TW" altLang="en-US" dirty="0">
+              <a:latin typeface="標楷體" panose="03000509000000000000" pitchFamily="65" charset="-120"/>
+              <a:ea typeface="標楷體" panose="03000509000000000000" pitchFamily="65" charset="-120"/>
+            </a:endParaRPr>
+          </a:p>
+        </p:txBody>
+      </p:sp>
+      <p:sp>
+        <p:nvSpPr>
+          <p:cNvPr id="5124" name="投影片編號版面配置區 3"/>
+          <p:cNvSpPr>
+            <a:spLocks noGrp="1"/>
+          </p:cNvSpPr>
+          <p:nvPr>
+            <p:ph type="sldNum" sz="quarter" idx="12"/>
+          </p:nvPr>
+        </p:nvSpPr>
+        <p:spPr>
+          <a:noFill/>
+        </p:spPr>
+        <p:txBody>
+          <a:bodyPr/>
+          <a:lstStyle>
+            <a:lvl1pPr>
+              <a:spcBef>
+                <a:spcPct val="20000"/>
+              </a:spcBef>
+              <a:buChar char="•"/>
+              <a:defRPr kumimoji="1" sz="3200">
+                <a:solidFill>
+                  <a:schemeClr val="tx1"/>
+                </a:solidFill>
+                <a:latin typeface="Arial" panose="020B0604020202020204" pitchFamily="34" charset="0"/>
+                <a:ea typeface="新細明體" panose="02020500000000000000" pitchFamily="18" charset="-120"/>
+              </a:defRPr>
+            </a:lvl1pPr>
+            <a:lvl2pPr marL="742950" indent="-285750">
+              <a:spcBef>
+                <a:spcPct val="20000"/>
+              </a:spcBef>
+              <a:buChar char="–"/>
+              <a:defRPr kumimoji="1" sz="2800">
+                <a:solidFill>
+                  <a:schemeClr val="tx1"/>
+                </a:solidFill>
+                <a:latin typeface="Arial" panose="020B0604020202020204" pitchFamily="34" charset="0"/>
+                <a:ea typeface="新細明體" panose="02020500000000000000" pitchFamily="18" charset="-120"/>
+              </a:defRPr>
+            </a:lvl2pPr>
+            <a:lvl3pPr marL="1143000" indent="-228600">
+              <a:spcBef>
+                <a:spcPct val="20000"/>
+              </a:spcBef>
+              <a:buChar char="•"/>
+              <a:defRPr kumimoji="1" sz="2400">
+                <a:solidFill>
+                  <a:schemeClr val="tx1"/>
+                </a:solidFill>
+                <a:latin typeface="Arial" panose="020B0604020202020204" pitchFamily="34" charset="0"/>
+                <a:ea typeface="新細明體" panose="02020500000000000000" pitchFamily="18" charset="-120"/>
+              </a:defRPr>
+            </a:lvl3pPr>
+            <a:lvl4pPr marL="1600200" indent="-228600">
+              <a:spcBef>
+                <a:spcPct val="20000"/>
+              </a:spcBef>
+              <a:buChar char="–"/>
+              <a:defRPr kumimoji="1" sz="2000">
+                <a:solidFill>
+                  <a:schemeClr val="tx1"/>
+                </a:solidFill>
+                <a:latin typeface="Arial" panose="020B0604020202020204" pitchFamily="34" charset="0"/>
+                <a:ea typeface="新細明體" panose="02020500000000000000" pitchFamily="18" charset="-120"/>
+              </a:defRPr>
+            </a:lvl4pPr>
+            <a:lvl5pPr marL="2057400" indent="-228600">
+              <a:spcBef>
+                <a:spcPct val="20000"/>
+              </a:spcBef>
+              <a:buChar char="»"/>
+              <a:defRPr kumimoji="1" sz="2000">
+                <a:solidFill>
+                  <a:schemeClr val="tx1"/>
+                </a:solidFill>
+                <a:latin typeface="Arial" panose="020B0604020202020204" pitchFamily="34" charset="0"/>
+                <a:ea typeface="新細明體" panose="02020500000000000000" pitchFamily="18" charset="-120"/>
+              </a:defRPr>
+            </a:lvl5pPr>
+            <a:lvl6pPr marL="2514600" indent="-228600" eaLnBrk="0" fontAlgn="base" hangingPunct="0">
+              <a:spcBef>
+                <a:spcPct val="20000"/>
+              </a:spcBef>
+              <a:spcAft>
+                <a:spcPct val="0"/>
+              </a:spcAft>
+              <a:buChar char="»"/>
+              <a:defRPr kumimoji="1" sz="2000">
+                <a:solidFill>
+                  <a:schemeClr val="tx1"/>
+                </a:solidFill>
+                <a:latin typeface="Arial" panose="020B0604020202020204" pitchFamily="34" charset="0"/>
+                <a:ea typeface="新細明體" panose="02020500000000000000" pitchFamily="18" charset="-120"/>
+              </a:defRPr>
+            </a:lvl6pPr>
+            <a:lvl7pPr marL="2971800" indent="-228600" eaLnBrk="0" fontAlgn="base" hangingPunct="0">
+              <a:spcBef>
+                <a:spcPct val="20000"/>
+              </a:spcBef>
+              <a:spcAft>
+                <a:spcPct val="0"/>
+              </a:spcAft>
+              <a:buChar char="»"/>
+              <a:defRPr kumimoji="1" sz="2000">
+                <a:solidFill>
+                  <a:schemeClr val="tx1"/>
+                </a:solidFill>
+                <a:latin typeface="Arial" panose="020B0604020202020204" pitchFamily="34" charset="0"/>
+                <a:ea typeface="新細明體" panose="02020500000000000000" pitchFamily="18" charset="-120"/>
+              </a:defRPr>
+            </a:lvl7pPr>
+            <a:lvl8pPr marL="3429000" indent="-228600" eaLnBrk="0" fontAlgn="base" hangingPunct="0">
+              <a:spcBef>
+                <a:spcPct val="20000"/>
+              </a:spcBef>
+              <a:spcAft>
+                <a:spcPct val="0"/>
+              </a:spcAft>
+              <a:buChar char="»"/>
+              <a:defRPr kumimoji="1" sz="2000">
+                <a:solidFill>
+                  <a:schemeClr val="tx1"/>
+                </a:solidFill>
+                <a:latin typeface="Arial" panose="020B0604020202020204" pitchFamily="34" charset="0"/>
+                <a:ea typeface="新細明體" panose="02020500000000000000" pitchFamily="18" charset="-120"/>
+              </a:defRPr>
+            </a:lvl8pPr>
+            <a:lvl9pPr marL="3886200" indent="-228600" eaLnBrk="0" fontAlgn="base" hangingPunct="0">
+              <a:spcBef>
+                <a:spcPct val="20000"/>
+              </a:spcBef>
+              <a:spcAft>
+                <a:spcPct val="0"/>
+              </a:spcAft>
+              <a:buChar char="»"/>
+              <a:defRPr kumimoji="1" sz="2000">
+                <a:solidFill>
+                  <a:schemeClr val="tx1"/>
+                </a:solidFill>
+                <a:latin typeface="Arial" panose="020B0604020202020204" pitchFamily="34" charset="0"/>
+                <a:ea typeface="新細明體" panose="02020500000000000000" pitchFamily="18" charset="-120"/>
+              </a:defRPr>
+            </a:lvl9pPr>
+          </a:lstStyle>
+          <a:p>
+            <a:pPr>
+              <a:spcBef>
+                <a:spcPct val="0"/>
+              </a:spcBef>
+              <a:buFontTx/>
+              <a:buNone/>
+            </a:pPr>
+            <a:fld id="{29316ABD-C291-4E8A-B771-0D60D81F2558}" type="slidenum">
+              <a:rPr lang="en-US" altLang="zh-TW" sz="1400"/>
+              <a:pPr>
+                <a:spcBef>
+                  <a:spcPct val="0"/>
+                </a:spcBef>
+                <a:buFontTx/>
+                <a:buNone/>
+              </a:pPr>
+              <a:t>26</a:t>
+            </a:fld>
+            <a:endParaRPr lang="en-US" altLang="zh-TW" sz="1400" dirty="0"/>
+          </a:p>
+        </p:txBody>
+      </p:sp>
+      <p:sp>
+        <p:nvSpPr>
+          <p:cNvPr id="3" name="內容版面配置區 2"/>
+          <p:cNvSpPr>
+            <a:spLocks noGrp="1"/>
+          </p:cNvSpPr>
+          <p:nvPr>
+            <p:ph idx="1"/>
+          </p:nvPr>
+        </p:nvSpPr>
+        <p:spPr/>
+        <p:txBody>
+          <a:bodyPr/>
+          <a:lstStyle/>
+          <a:p>
+            <a:endParaRPr lang="zh-TW" altLang="en-US"/>
+          </a:p>
+        </p:txBody>
+      </p:sp>
+      <p:pic>
+        <p:nvPicPr>
+          <p:cNvPr id="2" name="圖片 1"/>
+          <p:cNvPicPr>
+            <a:picLocks noChangeAspect="1"/>
+          </p:cNvPicPr>
+          <p:nvPr/>
+        </p:nvPicPr>
+        <p:blipFill>
+          <a:blip r:embed="rId3"/>
+          <a:stretch>
+            <a:fillRect/>
+          </a:stretch>
+        </p:blipFill>
+        <p:spPr>
+          <a:xfrm>
+            <a:off x="4305300" y="1748632"/>
+            <a:ext cx="3581400" cy="4229100"/>
+          </a:xfrm>
+          <a:prstGeom prst="rect">
+            <a:avLst/>
+          </a:prstGeom>
+        </p:spPr>
+      </p:pic>
+    </p:spTree>
+    <p:extLst>
+      <p:ext uri="{BB962C8B-B14F-4D97-AF65-F5344CB8AC3E}">
+        <p14:creationId xmlns:p14="http://schemas.microsoft.com/office/powerpoint/2010/main" val="3218092503"/>
+      </p:ext>
+    </p:extLst>
+  </p:cSld>
+  <p:clrMapOvr>
+    <a:masterClrMapping/>
+  </p:clrMapOvr>
+</p:sld>
+</file>
+
+<file path=ppt/slides/slide27.xml><?xml version="1.0" encoding="utf-8"?>
+<p:sld xmlns:a="http://schemas.openxmlformats.org/drawingml/2006/main" xmlns:r="http://schemas.openxmlformats.org/officeDocument/2006/relationships" xmlns:p="http://schemas.openxmlformats.org/presentationml/2006/main">
+  <p:cSld>
+    <p:spTree>
+      <p:nvGrpSpPr>
+        <p:cNvPr id="1" name=""/>
+        <p:cNvGrpSpPr/>
+        <p:nvPr/>
+      </p:nvGrpSpPr>
+      <p:grpSpPr>
+        <a:xfrm>
+          <a:off x="0" y="0"/>
+          <a:ext cx="0" cy="0"/>
+          <a:chOff x="0" y="0"/>
+          <a:chExt cx="0" cy="0"/>
+        </a:xfrm>
+      </p:grpSpPr>
+      <p:sp>
+        <p:nvSpPr>
+          <p:cNvPr id="5122" name="標題 1"/>
+          <p:cNvSpPr>
+            <a:spLocks noGrp="1"/>
+          </p:cNvSpPr>
+          <p:nvPr>
+            <p:ph type="title"/>
+          </p:nvPr>
+        </p:nvSpPr>
+        <p:spPr/>
+        <p:txBody>
+          <a:bodyPr/>
+          <a:lstStyle/>
+          <a:p>
+            <a:r>
+              <a:rPr lang="en-US" altLang="zh-TW" dirty="0" smtClean="0">
+                <a:latin typeface="標楷體" panose="03000509000000000000" pitchFamily="65" charset="-120"/>
+                <a:ea typeface="標楷體" panose="03000509000000000000" pitchFamily="65" charset="-120"/>
+              </a:rPr>
+              <a:t>ARM Template</a:t>
+            </a:r>
+            <a:r>
+              <a:rPr lang="zh-TW" altLang="en-US" dirty="0" smtClean="0">
+                <a:latin typeface="標楷體" panose="03000509000000000000" pitchFamily="65" charset="-120"/>
+                <a:ea typeface="標楷體" panose="03000509000000000000" pitchFamily="65" charset="-120"/>
+              </a:rPr>
+              <a:t> </a:t>
+            </a:r>
+            <a:r>
+              <a:rPr lang="en-US" altLang="zh-TW" dirty="0" smtClean="0">
+                <a:latin typeface="標楷體" panose="03000509000000000000" pitchFamily="65" charset="-120"/>
+                <a:ea typeface="標楷體" panose="03000509000000000000" pitchFamily="65" charset="-120"/>
+              </a:rPr>
+              <a:t>with Azure </a:t>
+            </a:r>
+            <a:r>
+              <a:rPr lang="en-US" altLang="zh-TW" dirty="0" err="1" smtClean="0">
+                <a:latin typeface="標楷體" panose="03000509000000000000" pitchFamily="65" charset="-120"/>
+                <a:ea typeface="標楷體" panose="03000509000000000000" pitchFamily="65" charset="-120"/>
+              </a:rPr>
+              <a:t>Devops</a:t>
+            </a:r>
+            <a:endParaRPr lang="zh-TW" altLang="en-US" dirty="0">
+              <a:latin typeface="標楷體" panose="03000509000000000000" pitchFamily="65" charset="-120"/>
+              <a:ea typeface="標楷體" panose="03000509000000000000" pitchFamily="65" charset="-120"/>
+            </a:endParaRPr>
+          </a:p>
+        </p:txBody>
+      </p:sp>
+      <p:sp>
+        <p:nvSpPr>
+          <p:cNvPr id="7" name="內容版面配置區 6"/>
+          <p:cNvSpPr>
+            <a:spLocks noGrp="1"/>
+          </p:cNvSpPr>
+          <p:nvPr>
+            <p:ph idx="1"/>
+          </p:nvPr>
+        </p:nvSpPr>
+        <p:spPr/>
+        <p:txBody>
+          <a:bodyPr/>
+          <a:lstStyle/>
+          <a:p>
+            <a:r>
+              <a:rPr lang="en-US" altLang="zh-TW" dirty="0" smtClean="0"/>
+              <a:t>Method</a:t>
+            </a:r>
+          </a:p>
+          <a:p>
+            <a:pPr lvl="1"/>
+            <a:r>
+              <a:rPr lang="en-US" altLang="zh-TW" dirty="0" smtClean="0">
+                <a:hlinkClick r:id="rId3"/>
+              </a:rPr>
+              <a:t>PowerShell Task</a:t>
+            </a:r>
+            <a:endParaRPr lang="en-US" altLang="zh-TW" dirty="0" smtClean="0"/>
+          </a:p>
+          <a:p>
+            <a:pPr lvl="1"/>
+            <a:r>
+              <a:rPr lang="en-US" altLang="zh-TW" dirty="0" err="1" smtClean="0">
+                <a:hlinkClick r:id="rId4"/>
+              </a:rPr>
+              <a:t>AzureResourceManagerTemplateDeployment</a:t>
+            </a:r>
+            <a:r>
+              <a:rPr lang="en-US" altLang="zh-TW" dirty="0" smtClean="0">
+                <a:hlinkClick r:id="rId4"/>
+              </a:rPr>
+              <a:t> Task</a:t>
+            </a:r>
+            <a:endParaRPr lang="en-US" altLang="zh-TW" dirty="0" smtClean="0"/>
+          </a:p>
+          <a:p>
+            <a:endParaRPr lang="en-US" altLang="zh-TW" dirty="0"/>
+          </a:p>
+          <a:p>
+            <a:r>
+              <a:rPr lang="en-US" altLang="zh-TW" dirty="0" smtClean="0"/>
+              <a:t>Hands-on</a:t>
+            </a:r>
+          </a:p>
+          <a:p>
+            <a:pPr lvl="1"/>
+            <a:r>
+              <a:rPr lang="en-US" altLang="zh-TW" dirty="0">
+                <a:hlinkClick r:id="rId5"/>
+              </a:rPr>
+              <a:t>https://dev.azure.com/kenhong4134/WorkJobWithObfuscar/_</a:t>
+            </a:r>
+            <a:r>
+              <a:rPr lang="en-US" altLang="zh-TW" dirty="0" smtClean="0">
+                <a:hlinkClick r:id="rId5"/>
+              </a:rPr>
+              <a:t>build</a:t>
+            </a:r>
+            <a:endParaRPr lang="en-US" altLang="zh-TW" dirty="0" smtClean="0"/>
+          </a:p>
+        </p:txBody>
+      </p:sp>
+      <p:sp>
+        <p:nvSpPr>
+          <p:cNvPr id="5124" name="投影片編號版面配置區 3"/>
+          <p:cNvSpPr>
+            <a:spLocks noGrp="1"/>
+          </p:cNvSpPr>
+          <p:nvPr>
+            <p:ph type="sldNum" sz="quarter" idx="12"/>
+          </p:nvPr>
+        </p:nvSpPr>
+        <p:spPr>
+          <a:noFill/>
+        </p:spPr>
+        <p:txBody>
+          <a:bodyPr/>
+          <a:lstStyle>
+            <a:lvl1pPr>
+              <a:spcBef>
+                <a:spcPct val="20000"/>
+              </a:spcBef>
+              <a:buChar char="•"/>
+              <a:defRPr kumimoji="1" sz="3200">
+                <a:solidFill>
+                  <a:schemeClr val="tx1"/>
+                </a:solidFill>
+                <a:latin typeface="Arial" panose="020B0604020202020204" pitchFamily="34" charset="0"/>
+                <a:ea typeface="新細明體" panose="02020500000000000000" pitchFamily="18" charset="-120"/>
+              </a:defRPr>
+            </a:lvl1pPr>
+            <a:lvl2pPr marL="742950" indent="-285750">
+              <a:spcBef>
+                <a:spcPct val="20000"/>
+              </a:spcBef>
+              <a:buChar char="–"/>
+              <a:defRPr kumimoji="1" sz="2800">
+                <a:solidFill>
+                  <a:schemeClr val="tx1"/>
+                </a:solidFill>
+                <a:latin typeface="Arial" panose="020B0604020202020204" pitchFamily="34" charset="0"/>
+                <a:ea typeface="新細明體" panose="02020500000000000000" pitchFamily="18" charset="-120"/>
+              </a:defRPr>
+            </a:lvl2pPr>
+            <a:lvl3pPr marL="1143000" indent="-228600">
+              <a:spcBef>
+                <a:spcPct val="20000"/>
+              </a:spcBef>
+              <a:buChar char="•"/>
+              <a:defRPr kumimoji="1" sz="2400">
+                <a:solidFill>
+                  <a:schemeClr val="tx1"/>
+                </a:solidFill>
+                <a:latin typeface="Arial" panose="020B0604020202020204" pitchFamily="34" charset="0"/>
+                <a:ea typeface="新細明體" panose="02020500000000000000" pitchFamily="18" charset="-120"/>
+              </a:defRPr>
+            </a:lvl3pPr>
+            <a:lvl4pPr marL="1600200" indent="-228600">
+              <a:spcBef>
+                <a:spcPct val="20000"/>
+              </a:spcBef>
+              <a:buChar char="–"/>
+              <a:defRPr kumimoji="1" sz="2000">
+                <a:solidFill>
+                  <a:schemeClr val="tx1"/>
+                </a:solidFill>
+                <a:latin typeface="Arial" panose="020B0604020202020204" pitchFamily="34" charset="0"/>
+                <a:ea typeface="新細明體" panose="02020500000000000000" pitchFamily="18" charset="-120"/>
+              </a:defRPr>
+            </a:lvl4pPr>
+            <a:lvl5pPr marL="2057400" indent="-228600">
+              <a:spcBef>
+                <a:spcPct val="20000"/>
+              </a:spcBef>
+              <a:buChar char="»"/>
+              <a:defRPr kumimoji="1" sz="2000">
+                <a:solidFill>
+                  <a:schemeClr val="tx1"/>
+                </a:solidFill>
+                <a:latin typeface="Arial" panose="020B0604020202020204" pitchFamily="34" charset="0"/>
+                <a:ea typeface="新細明體" panose="02020500000000000000" pitchFamily="18" charset="-120"/>
+              </a:defRPr>
+            </a:lvl5pPr>
+            <a:lvl6pPr marL="2514600" indent="-228600" eaLnBrk="0" fontAlgn="base" hangingPunct="0">
+              <a:spcBef>
+                <a:spcPct val="20000"/>
+              </a:spcBef>
+              <a:spcAft>
+                <a:spcPct val="0"/>
+              </a:spcAft>
+              <a:buChar char="»"/>
+              <a:defRPr kumimoji="1" sz="2000">
+                <a:solidFill>
+                  <a:schemeClr val="tx1"/>
+                </a:solidFill>
+                <a:latin typeface="Arial" panose="020B0604020202020204" pitchFamily="34" charset="0"/>
+                <a:ea typeface="新細明體" panose="02020500000000000000" pitchFamily="18" charset="-120"/>
+              </a:defRPr>
+            </a:lvl6pPr>
+            <a:lvl7pPr marL="2971800" indent="-228600" eaLnBrk="0" fontAlgn="base" hangingPunct="0">
+              <a:spcBef>
+                <a:spcPct val="20000"/>
+              </a:spcBef>
+              <a:spcAft>
+                <a:spcPct val="0"/>
+              </a:spcAft>
+              <a:buChar char="»"/>
+              <a:defRPr kumimoji="1" sz="2000">
+                <a:solidFill>
+                  <a:schemeClr val="tx1"/>
+                </a:solidFill>
+                <a:latin typeface="Arial" panose="020B0604020202020204" pitchFamily="34" charset="0"/>
+                <a:ea typeface="新細明體" panose="02020500000000000000" pitchFamily="18" charset="-120"/>
+              </a:defRPr>
+            </a:lvl7pPr>
+            <a:lvl8pPr marL="3429000" indent="-228600" eaLnBrk="0" fontAlgn="base" hangingPunct="0">
+              <a:spcBef>
+                <a:spcPct val="20000"/>
+              </a:spcBef>
+              <a:spcAft>
+                <a:spcPct val="0"/>
+              </a:spcAft>
+              <a:buChar char="»"/>
+              <a:defRPr kumimoji="1" sz="2000">
+                <a:solidFill>
+                  <a:schemeClr val="tx1"/>
+                </a:solidFill>
+                <a:latin typeface="Arial" panose="020B0604020202020204" pitchFamily="34" charset="0"/>
+                <a:ea typeface="新細明體" panose="02020500000000000000" pitchFamily="18" charset="-120"/>
+              </a:defRPr>
+            </a:lvl8pPr>
+            <a:lvl9pPr marL="3886200" indent="-228600" eaLnBrk="0" fontAlgn="base" hangingPunct="0">
+              <a:spcBef>
+                <a:spcPct val="20000"/>
+              </a:spcBef>
+              <a:spcAft>
+                <a:spcPct val="0"/>
+              </a:spcAft>
+              <a:buChar char="»"/>
+              <a:defRPr kumimoji="1" sz="2000">
+                <a:solidFill>
+                  <a:schemeClr val="tx1"/>
+                </a:solidFill>
+                <a:latin typeface="Arial" panose="020B0604020202020204" pitchFamily="34" charset="0"/>
+                <a:ea typeface="新細明體" panose="02020500000000000000" pitchFamily="18" charset="-120"/>
+              </a:defRPr>
+            </a:lvl9pPr>
+          </a:lstStyle>
+          <a:p>
+            <a:pPr>
+              <a:spcBef>
+                <a:spcPct val="0"/>
+              </a:spcBef>
+              <a:buFontTx/>
+              <a:buNone/>
+            </a:pPr>
+            <a:fld id="{29316ABD-C291-4E8A-B771-0D60D81F2558}" type="slidenum">
+              <a:rPr lang="en-US" altLang="zh-TW" sz="1400"/>
+              <a:pPr>
+                <a:spcBef>
+                  <a:spcPct val="0"/>
+                </a:spcBef>
+                <a:buFontTx/>
+                <a:buNone/>
+              </a:pPr>
+              <a:t>27</a:t>
+            </a:fld>
+            <a:endParaRPr lang="en-US" altLang="zh-TW" sz="1400" dirty="0"/>
+          </a:p>
+        </p:txBody>
+      </p:sp>
+    </p:spTree>
+    <p:extLst>
+      <p:ext uri="{BB962C8B-B14F-4D97-AF65-F5344CB8AC3E}">
+        <p14:creationId xmlns:p14="http://schemas.microsoft.com/office/powerpoint/2010/main" val="3928180304"/>
+      </p:ext>
+    </p:extLst>
+  </p:cSld>
+  <p:clrMapOvr>
+    <a:masterClrMapping/>
+  </p:clrMapOvr>
+</p:sld>
+</file>
+
+<file path=ppt/slides/slide28.xml><?xml version="1.0" encoding="utf-8"?>
+<p:sld xmlns:a="http://schemas.openxmlformats.org/drawingml/2006/main" xmlns:r="http://schemas.openxmlformats.org/officeDocument/2006/relationships" xmlns:p="http://schemas.openxmlformats.org/presentationml/2006/main">
+  <p:cSld>
+    <p:spTree>
+      <p:nvGrpSpPr>
+        <p:cNvPr id="1" name=""/>
+        <p:cNvGrpSpPr/>
+        <p:nvPr/>
+      </p:nvGrpSpPr>
+      <p:grpSpPr>
+        <a:xfrm>
+          <a:off x="0" y="0"/>
+          <a:ext cx="0" cy="0"/>
+          <a:chOff x="0" y="0"/>
+          <a:chExt cx="0" cy="0"/>
+        </a:xfrm>
+      </p:grpSpPr>
+      <p:sp>
+        <p:nvSpPr>
+          <p:cNvPr id="5122" name="標題 1"/>
+          <p:cNvSpPr>
+            <a:spLocks noGrp="1"/>
+          </p:cNvSpPr>
+          <p:nvPr>
+            <p:ph type="title"/>
+          </p:nvPr>
+        </p:nvSpPr>
+        <p:spPr/>
+        <p:txBody>
+          <a:bodyPr/>
+          <a:lstStyle/>
+          <a:p>
+            <a:r>
+              <a:rPr lang="zh-TW" altLang="en-US" dirty="0">
+                <a:latin typeface="標楷體" panose="03000509000000000000" pitchFamily="65" charset="-120"/>
+                <a:ea typeface="標楷體" panose="03000509000000000000" pitchFamily="65" charset="-120"/>
+              </a:rPr>
+              <a:t>結論</a:t>
+            </a:r>
+          </a:p>
+        </p:txBody>
+      </p:sp>
+      <p:sp>
+        <p:nvSpPr>
+          <p:cNvPr id="5124" name="投影片編號版面配置區 3"/>
+          <p:cNvSpPr>
+            <a:spLocks noGrp="1"/>
+          </p:cNvSpPr>
+          <p:nvPr>
+            <p:ph type="sldNum" sz="quarter" idx="12"/>
+          </p:nvPr>
+        </p:nvSpPr>
+        <p:spPr>
+          <a:noFill/>
+        </p:spPr>
+        <p:txBody>
+          <a:bodyPr/>
+          <a:lstStyle>
+            <a:lvl1pPr>
+              <a:spcBef>
+                <a:spcPct val="20000"/>
+              </a:spcBef>
+              <a:buChar char="•"/>
+              <a:defRPr kumimoji="1" sz="3200">
+                <a:solidFill>
+                  <a:schemeClr val="tx1"/>
+                </a:solidFill>
+                <a:latin typeface="Arial" panose="020B0604020202020204" pitchFamily="34" charset="0"/>
+                <a:ea typeface="新細明體" panose="02020500000000000000" pitchFamily="18" charset="-120"/>
+              </a:defRPr>
+            </a:lvl1pPr>
+            <a:lvl2pPr marL="742950" indent="-285750">
+              <a:spcBef>
+                <a:spcPct val="20000"/>
+              </a:spcBef>
+              <a:buChar char="–"/>
+              <a:defRPr kumimoji="1" sz="2800">
+                <a:solidFill>
+                  <a:schemeClr val="tx1"/>
+                </a:solidFill>
+                <a:latin typeface="Arial" panose="020B0604020202020204" pitchFamily="34" charset="0"/>
+                <a:ea typeface="新細明體" panose="02020500000000000000" pitchFamily="18" charset="-120"/>
+              </a:defRPr>
+            </a:lvl2pPr>
+            <a:lvl3pPr marL="1143000" indent="-228600">
+              <a:spcBef>
+                <a:spcPct val="20000"/>
+              </a:spcBef>
+              <a:buChar char="•"/>
+              <a:defRPr kumimoji="1" sz="2400">
+                <a:solidFill>
+                  <a:schemeClr val="tx1"/>
+                </a:solidFill>
+                <a:latin typeface="Arial" panose="020B0604020202020204" pitchFamily="34" charset="0"/>
+                <a:ea typeface="新細明體" panose="02020500000000000000" pitchFamily="18" charset="-120"/>
+              </a:defRPr>
+            </a:lvl3pPr>
+            <a:lvl4pPr marL="1600200" indent="-228600">
+              <a:spcBef>
+                <a:spcPct val="20000"/>
+              </a:spcBef>
+              <a:buChar char="–"/>
+              <a:defRPr kumimoji="1" sz="2000">
+                <a:solidFill>
+                  <a:schemeClr val="tx1"/>
+                </a:solidFill>
+                <a:latin typeface="Arial" panose="020B0604020202020204" pitchFamily="34" charset="0"/>
+                <a:ea typeface="新細明體" panose="02020500000000000000" pitchFamily="18" charset="-120"/>
+              </a:defRPr>
+            </a:lvl4pPr>
+            <a:lvl5pPr marL="2057400" indent="-228600">
+              <a:spcBef>
+                <a:spcPct val="20000"/>
+              </a:spcBef>
+              <a:buChar char="»"/>
+              <a:defRPr kumimoji="1" sz="2000">
+                <a:solidFill>
+                  <a:schemeClr val="tx1"/>
+                </a:solidFill>
+                <a:latin typeface="Arial" panose="020B0604020202020204" pitchFamily="34" charset="0"/>
+                <a:ea typeface="新細明體" panose="02020500000000000000" pitchFamily="18" charset="-120"/>
+              </a:defRPr>
+            </a:lvl5pPr>
+            <a:lvl6pPr marL="2514600" indent="-228600" eaLnBrk="0" fontAlgn="base" hangingPunct="0">
+              <a:spcBef>
+                <a:spcPct val="20000"/>
+              </a:spcBef>
+              <a:spcAft>
+                <a:spcPct val="0"/>
+              </a:spcAft>
+              <a:buChar char="»"/>
+              <a:defRPr kumimoji="1" sz="2000">
+                <a:solidFill>
+                  <a:schemeClr val="tx1"/>
+                </a:solidFill>
+                <a:latin typeface="Arial" panose="020B0604020202020204" pitchFamily="34" charset="0"/>
+                <a:ea typeface="新細明體" panose="02020500000000000000" pitchFamily="18" charset="-120"/>
+              </a:defRPr>
+            </a:lvl6pPr>
+            <a:lvl7pPr marL="2971800" indent="-228600" eaLnBrk="0" fontAlgn="base" hangingPunct="0">
+              <a:spcBef>
+                <a:spcPct val="20000"/>
+              </a:spcBef>
+              <a:spcAft>
+                <a:spcPct val="0"/>
+              </a:spcAft>
+              <a:buChar char="»"/>
+              <a:defRPr kumimoji="1" sz="2000">
+                <a:solidFill>
+                  <a:schemeClr val="tx1"/>
+                </a:solidFill>
+                <a:latin typeface="Arial" panose="020B0604020202020204" pitchFamily="34" charset="0"/>
+                <a:ea typeface="新細明體" panose="02020500000000000000" pitchFamily="18" charset="-120"/>
+              </a:defRPr>
+            </a:lvl7pPr>
+            <a:lvl8pPr marL="3429000" indent="-228600" eaLnBrk="0" fontAlgn="base" hangingPunct="0">
+              <a:spcBef>
+                <a:spcPct val="20000"/>
+              </a:spcBef>
+              <a:spcAft>
+                <a:spcPct val="0"/>
+              </a:spcAft>
+              <a:buChar char="»"/>
+              <a:defRPr kumimoji="1" sz="2000">
+                <a:solidFill>
+                  <a:schemeClr val="tx1"/>
+                </a:solidFill>
+                <a:latin typeface="Arial" panose="020B0604020202020204" pitchFamily="34" charset="0"/>
+                <a:ea typeface="新細明體" panose="02020500000000000000" pitchFamily="18" charset="-120"/>
+              </a:defRPr>
+            </a:lvl8pPr>
+            <a:lvl9pPr marL="3886200" indent="-228600" eaLnBrk="0" fontAlgn="base" hangingPunct="0">
+              <a:spcBef>
+                <a:spcPct val="20000"/>
+              </a:spcBef>
+              <a:spcAft>
+                <a:spcPct val="0"/>
+              </a:spcAft>
+              <a:buChar char="»"/>
+              <a:defRPr kumimoji="1" sz="2000">
+                <a:solidFill>
+                  <a:schemeClr val="tx1"/>
+                </a:solidFill>
+                <a:latin typeface="Arial" panose="020B0604020202020204" pitchFamily="34" charset="0"/>
+                <a:ea typeface="新細明體" panose="02020500000000000000" pitchFamily="18" charset="-120"/>
+              </a:defRPr>
+            </a:lvl9pPr>
+          </a:lstStyle>
+          <a:p>
+            <a:pPr>
+              <a:spcBef>
+                <a:spcPct val="0"/>
+              </a:spcBef>
+              <a:buFontTx/>
+              <a:buNone/>
+            </a:pPr>
+            <a:fld id="{29316ABD-C291-4E8A-B771-0D60D81F2558}" type="slidenum">
+              <a:rPr lang="en-US" altLang="zh-TW" sz="1400"/>
+              <a:pPr>
+                <a:spcBef>
+                  <a:spcPct val="0"/>
+                </a:spcBef>
+                <a:buFontTx/>
+                <a:buNone/>
+              </a:pPr>
+              <a:t>28</a:t>
             </a:fld>
             <a:endParaRPr lang="en-US" altLang="zh-TW" sz="1400" dirty="0"/>
           </a:p>
@@ -13767,7 +17421,7 @@
           <p:cNvPr id="2" name="內容版面配置區 1">
             <a:extLst>
               <a:ext uri="{FF2B5EF4-FFF2-40B4-BE49-F238E27FC236}">
-                <a16:creationId xmlns:a16="http://schemas.microsoft.com/office/drawing/2014/main" id="{AFE72C19-E064-4B08-83F1-78B2FD05AFCF}"/>
+                <a16:creationId xmlns:a16="http://schemas.microsoft.com/office/drawing/2014/main" xmlns="" id="{AC12AE61-73D2-4E21-960F-A55039BBFF01}"/>
               </a:ext>
             </a:extLst>
           </p:cNvPr>
@@ -13784,151 +17438,362 @@
           <a:lstStyle/>
           <a:p>
             <a:r>
-              <a:rPr lang="zh-TW" altLang="en-US" dirty="0">
-                <a:hlinkClick r:id="rId3"/>
-              </a:rPr>
-              <a:t>快速入門：使用 </a:t>
-            </a:r>
-            <a:r>
-              <a:rPr lang="en-US" altLang="zh-TW" dirty="0">
-                <a:hlinkClick r:id="rId3"/>
-              </a:rPr>
-              <a:t>Visual Studio Code </a:t>
-            </a:r>
-            <a:r>
-              <a:rPr lang="zh-TW" altLang="en-US" dirty="0">
-                <a:hlinkClick r:id="rId3"/>
-              </a:rPr>
-              <a:t>建立 </a:t>
-            </a:r>
-            <a:r>
-              <a:rPr lang="en-US" altLang="zh-TW" dirty="0">
-                <a:hlinkClick r:id="rId3"/>
-              </a:rPr>
-              <a:t>Azure Resource Manager </a:t>
-            </a:r>
-            <a:r>
-              <a:rPr lang="zh-TW" altLang="en-US" dirty="0">
-                <a:hlinkClick r:id="rId3"/>
-              </a:rPr>
-              <a:t>範本</a:t>
-            </a:r>
+              <a:rPr lang="zh-TW" altLang="en-US" dirty="0"/>
+              <a:t>優點</a:t>
+            </a:r>
+            <a:r>
+              <a:rPr lang="en-US" altLang="zh-TW" dirty="0"/>
+              <a:t>:</a:t>
+            </a:r>
+          </a:p>
+          <a:p>
+            <a:pPr lvl="1"/>
+            <a:r>
+              <a:rPr lang="zh-TW" altLang="en-US" dirty="0"/>
+              <a:t>一次化部屬所有</a:t>
+            </a:r>
+            <a:r>
+              <a:rPr lang="en-US" altLang="zh-TW" dirty="0"/>
+              <a:t>Azure</a:t>
+            </a:r>
+            <a:r>
+              <a:rPr lang="zh-TW" altLang="en-US" dirty="0" smtClean="0"/>
+              <a:t>資源</a:t>
+            </a:r>
+            <a:endParaRPr lang="en-US" altLang="zh-TW" dirty="0" smtClean="0"/>
+          </a:p>
+          <a:p>
+            <a:pPr lvl="1"/>
+            <a:r>
+              <a:rPr lang="zh-TW" altLang="en-US" dirty="0" smtClean="0"/>
+              <a:t>可透過</a:t>
+            </a:r>
+            <a:r>
+              <a:rPr lang="en-US" altLang="zh-TW" dirty="0" smtClean="0"/>
+              <a:t>SAS</a:t>
+            </a:r>
+            <a:r>
+              <a:rPr lang="zh-TW" altLang="en-US" dirty="0" smtClean="0"/>
+              <a:t> </a:t>
+            </a:r>
+            <a:r>
+              <a:rPr lang="en-US" altLang="zh-TW" dirty="0" smtClean="0"/>
+              <a:t>Token</a:t>
+            </a:r>
+            <a:r>
+              <a:rPr lang="zh-TW" altLang="en-US" dirty="0" smtClean="0"/>
+              <a:t>限制存取權限</a:t>
+            </a:r>
+            <a:endParaRPr lang="en-US" altLang="zh-TW" dirty="0" smtClean="0"/>
+          </a:p>
+          <a:p>
+            <a:pPr lvl="1"/>
+            <a:r>
+              <a:rPr lang="zh-TW" altLang="en-US" dirty="0" smtClean="0"/>
+              <a:t>可共享的發佈樣板</a:t>
+            </a:r>
+            <a:endParaRPr lang="en-US" altLang="zh-TW" dirty="0" smtClean="0"/>
+          </a:p>
+          <a:p>
+            <a:pPr lvl="1"/>
             <a:endParaRPr lang="en-US" altLang="zh-TW" dirty="0"/>
           </a:p>
           <a:p>
             <a:r>
-              <a:rPr lang="en-US" altLang="zh-TW" dirty="0">
-                <a:hlinkClick r:id="rId4"/>
-              </a:rPr>
-              <a:t>ARM </a:t>
-            </a:r>
-            <a:r>
-              <a:rPr lang="zh-TW" altLang="en-US" dirty="0">
-                <a:hlinkClick r:id="rId4"/>
-              </a:rPr>
-              <a:t>樣本函式</a:t>
+              <a:rPr lang="zh-TW" altLang="en-US" dirty="0" smtClean="0"/>
+              <a:t>限制</a:t>
+            </a:r>
+            <a:r>
+              <a:rPr lang="en-US" altLang="zh-TW" dirty="0" smtClean="0"/>
+              <a:t>:</a:t>
+            </a:r>
+          </a:p>
+          <a:p>
+            <a:pPr lvl="1"/>
+            <a:r>
+              <a:rPr lang="zh-TW" altLang="en-US" dirty="0" smtClean="0"/>
+              <a:t>不同功能需要不同範本</a:t>
             </a:r>
             <a:endParaRPr lang="en-US" altLang="zh-TW" dirty="0"/>
           </a:p>
           <a:p>
-            <a:r>
-              <a:rPr lang="en-US" altLang="zh-TW" dirty="0">
-                <a:hlinkClick r:id="rId5"/>
-              </a:rPr>
-              <a:t>Azure </a:t>
-            </a:r>
-            <a:r>
-              <a:rPr lang="zh-TW" altLang="en-US" dirty="0">
-                <a:hlinkClick r:id="rId5"/>
-              </a:rPr>
-              <a:t>快速入門範本</a:t>
-            </a:r>
-            <a:endParaRPr lang="en-US" altLang="zh-TW" dirty="0"/>
-          </a:p>
-          <a:p>
-            <a:r>
-              <a:rPr lang="zh-TW" altLang="en-US" dirty="0">
-                <a:hlinkClick r:id="rId6"/>
-              </a:rPr>
-              <a:t>快速入門：使用 </a:t>
-            </a:r>
-            <a:r>
-              <a:rPr lang="en-US" altLang="zh-TW" dirty="0">
-                <a:hlinkClick r:id="rId6"/>
-              </a:rPr>
-              <a:t>Azure </a:t>
-            </a:r>
-            <a:r>
-              <a:rPr lang="zh-TW" altLang="en-US" dirty="0">
-                <a:hlinkClick r:id="rId6"/>
-              </a:rPr>
-              <a:t>入口網站建立及部署 </a:t>
-            </a:r>
-            <a:r>
-              <a:rPr lang="en-US" altLang="zh-TW" dirty="0">
-                <a:hlinkClick r:id="rId6"/>
-              </a:rPr>
-              <a:t>ARM </a:t>
-            </a:r>
-            <a:r>
-              <a:rPr lang="zh-TW" altLang="en-US" dirty="0">
-                <a:hlinkClick r:id="rId6"/>
-              </a:rPr>
-              <a:t>範本</a:t>
-            </a:r>
-            <a:endParaRPr lang="en-US" altLang="zh-TW" dirty="0"/>
-          </a:p>
-          <a:p>
-            <a:r>
-              <a:rPr lang="zh-TW" altLang="en-US" dirty="0">
-                <a:hlinkClick r:id="rId7"/>
-              </a:rPr>
-              <a:t>使用 </a:t>
-            </a:r>
-            <a:r>
-              <a:rPr lang="en-US" altLang="zh-TW" dirty="0">
-                <a:hlinkClick r:id="rId7"/>
-              </a:rPr>
-              <a:t>[</a:t>
-            </a:r>
-            <a:r>
-              <a:rPr lang="zh-TW" altLang="en-US" dirty="0">
-                <a:hlinkClick r:id="rId7"/>
-              </a:rPr>
-              <a:t>部署</a:t>
-            </a:r>
-            <a:r>
-              <a:rPr lang="en-US" altLang="zh-TW" dirty="0">
-                <a:hlinkClick r:id="rId7"/>
-              </a:rPr>
-              <a:t>] </a:t>
-            </a:r>
-            <a:r>
-              <a:rPr lang="zh-TW" altLang="en-US" dirty="0">
-                <a:hlinkClick r:id="rId7"/>
-              </a:rPr>
-              <a:t>按鈕來部署 </a:t>
-            </a:r>
-            <a:r>
-              <a:rPr lang="en-US" altLang="zh-TW" dirty="0">
-                <a:hlinkClick r:id="rId7"/>
-              </a:rPr>
-              <a:t>GitHub </a:t>
-            </a:r>
-            <a:r>
-              <a:rPr lang="zh-TW" altLang="en-US" dirty="0">
-                <a:hlinkClick r:id="rId7"/>
-              </a:rPr>
-              <a:t>存放庫中的範本</a:t>
-            </a:r>
-            <a:endParaRPr lang="en-US" altLang="zh-TW" dirty="0"/>
+            <a:pPr lvl="1"/>
+            <a:endParaRPr lang="zh-TW" altLang="en-US" dirty="0"/>
           </a:p>
         </p:txBody>
       </p:sp>
     </p:spTree>
     <p:extLst>
       <p:ext uri="{BB962C8B-B14F-4D97-AF65-F5344CB8AC3E}">
-        <p14:creationId xmlns:p14="http://schemas.microsoft.com/office/powerpoint/2010/main" val="2905773117"/>
+        <p14:creationId xmlns:p14="http://schemas.microsoft.com/office/powerpoint/2010/main" val="378882519"/>
+      </p:ext>
+    </p:extLst>
+  </p:cSld>
+  <p:clrMapOvr>
+    <a:masterClrMapping/>
+  </p:clrMapOvr>
+</p:sld>
+</file>
+
+<file path=ppt/slides/slide29.xml><?xml version="1.0" encoding="utf-8"?>
+<p:sld xmlns:a="http://schemas.openxmlformats.org/drawingml/2006/main" xmlns:r="http://schemas.openxmlformats.org/officeDocument/2006/relationships" xmlns:p="http://schemas.openxmlformats.org/presentationml/2006/main">
+  <p:cSld>
+    <p:spTree>
+      <p:nvGrpSpPr>
+        <p:cNvPr id="1" name=""/>
+        <p:cNvGrpSpPr/>
+        <p:nvPr/>
+      </p:nvGrpSpPr>
+      <p:grpSpPr>
+        <a:xfrm>
+          <a:off x="0" y="0"/>
+          <a:ext cx="0" cy="0"/>
+          <a:chOff x="0" y="0"/>
+          <a:chExt cx="0" cy="0"/>
+        </a:xfrm>
+      </p:grpSpPr>
+      <p:sp>
+        <p:nvSpPr>
+          <p:cNvPr id="5122" name="標題 1"/>
+          <p:cNvSpPr>
+            <a:spLocks noGrp="1"/>
+          </p:cNvSpPr>
+          <p:nvPr>
+            <p:ph type="title"/>
+          </p:nvPr>
+        </p:nvSpPr>
+        <p:spPr/>
+        <p:txBody>
+          <a:bodyPr/>
+          <a:lstStyle/>
+          <a:p>
+            <a:r>
+              <a:rPr lang="zh-TW" altLang="en-US" dirty="0" smtClean="0">
+                <a:latin typeface="標楷體" panose="03000509000000000000" pitchFamily="65" charset="-120"/>
+                <a:ea typeface="標楷體" panose="03000509000000000000" pitchFamily="65" charset="-120"/>
+              </a:rPr>
+              <a:t>衍伸</a:t>
+            </a:r>
+            <a:endParaRPr lang="zh-TW" altLang="en-US" dirty="0">
+              <a:latin typeface="標楷體" panose="03000509000000000000" pitchFamily="65" charset="-120"/>
+              <a:ea typeface="標楷體" panose="03000509000000000000" pitchFamily="65" charset="-120"/>
+            </a:endParaRPr>
+          </a:p>
+        </p:txBody>
+      </p:sp>
+      <p:sp>
+        <p:nvSpPr>
+          <p:cNvPr id="5124" name="投影片編號版面配置區 3"/>
+          <p:cNvSpPr>
+            <a:spLocks noGrp="1"/>
+          </p:cNvSpPr>
+          <p:nvPr>
+            <p:ph type="sldNum" sz="quarter" idx="12"/>
+          </p:nvPr>
+        </p:nvSpPr>
+        <p:spPr>
+          <a:noFill/>
+        </p:spPr>
+        <p:txBody>
+          <a:bodyPr/>
+          <a:lstStyle>
+            <a:lvl1pPr>
+              <a:spcBef>
+                <a:spcPct val="20000"/>
+              </a:spcBef>
+              <a:buChar char="•"/>
+              <a:defRPr kumimoji="1" sz="3200">
+                <a:solidFill>
+                  <a:schemeClr val="tx1"/>
+                </a:solidFill>
+                <a:latin typeface="Arial" panose="020B0604020202020204" pitchFamily="34" charset="0"/>
+                <a:ea typeface="新細明體" panose="02020500000000000000" pitchFamily="18" charset="-120"/>
+              </a:defRPr>
+            </a:lvl1pPr>
+            <a:lvl2pPr marL="742950" indent="-285750">
+              <a:spcBef>
+                <a:spcPct val="20000"/>
+              </a:spcBef>
+              <a:buChar char="–"/>
+              <a:defRPr kumimoji="1" sz="2800">
+                <a:solidFill>
+                  <a:schemeClr val="tx1"/>
+                </a:solidFill>
+                <a:latin typeface="Arial" panose="020B0604020202020204" pitchFamily="34" charset="0"/>
+                <a:ea typeface="新細明體" panose="02020500000000000000" pitchFamily="18" charset="-120"/>
+              </a:defRPr>
+            </a:lvl2pPr>
+            <a:lvl3pPr marL="1143000" indent="-228600">
+              <a:spcBef>
+                <a:spcPct val="20000"/>
+              </a:spcBef>
+              <a:buChar char="•"/>
+              <a:defRPr kumimoji="1" sz="2400">
+                <a:solidFill>
+                  <a:schemeClr val="tx1"/>
+                </a:solidFill>
+                <a:latin typeface="Arial" panose="020B0604020202020204" pitchFamily="34" charset="0"/>
+                <a:ea typeface="新細明體" panose="02020500000000000000" pitchFamily="18" charset="-120"/>
+              </a:defRPr>
+            </a:lvl3pPr>
+            <a:lvl4pPr marL="1600200" indent="-228600">
+              <a:spcBef>
+                <a:spcPct val="20000"/>
+              </a:spcBef>
+              <a:buChar char="–"/>
+              <a:defRPr kumimoji="1" sz="2000">
+                <a:solidFill>
+                  <a:schemeClr val="tx1"/>
+                </a:solidFill>
+                <a:latin typeface="Arial" panose="020B0604020202020204" pitchFamily="34" charset="0"/>
+                <a:ea typeface="新細明體" panose="02020500000000000000" pitchFamily="18" charset="-120"/>
+              </a:defRPr>
+            </a:lvl4pPr>
+            <a:lvl5pPr marL="2057400" indent="-228600">
+              <a:spcBef>
+                <a:spcPct val="20000"/>
+              </a:spcBef>
+              <a:buChar char="»"/>
+              <a:defRPr kumimoji="1" sz="2000">
+                <a:solidFill>
+                  <a:schemeClr val="tx1"/>
+                </a:solidFill>
+                <a:latin typeface="Arial" panose="020B0604020202020204" pitchFamily="34" charset="0"/>
+                <a:ea typeface="新細明體" panose="02020500000000000000" pitchFamily="18" charset="-120"/>
+              </a:defRPr>
+            </a:lvl5pPr>
+            <a:lvl6pPr marL="2514600" indent="-228600" eaLnBrk="0" fontAlgn="base" hangingPunct="0">
+              <a:spcBef>
+                <a:spcPct val="20000"/>
+              </a:spcBef>
+              <a:spcAft>
+                <a:spcPct val="0"/>
+              </a:spcAft>
+              <a:buChar char="»"/>
+              <a:defRPr kumimoji="1" sz="2000">
+                <a:solidFill>
+                  <a:schemeClr val="tx1"/>
+                </a:solidFill>
+                <a:latin typeface="Arial" panose="020B0604020202020204" pitchFamily="34" charset="0"/>
+                <a:ea typeface="新細明體" panose="02020500000000000000" pitchFamily="18" charset="-120"/>
+              </a:defRPr>
+            </a:lvl6pPr>
+            <a:lvl7pPr marL="2971800" indent="-228600" eaLnBrk="0" fontAlgn="base" hangingPunct="0">
+              <a:spcBef>
+                <a:spcPct val="20000"/>
+              </a:spcBef>
+              <a:spcAft>
+                <a:spcPct val="0"/>
+              </a:spcAft>
+              <a:buChar char="»"/>
+              <a:defRPr kumimoji="1" sz="2000">
+                <a:solidFill>
+                  <a:schemeClr val="tx1"/>
+                </a:solidFill>
+                <a:latin typeface="Arial" panose="020B0604020202020204" pitchFamily="34" charset="0"/>
+                <a:ea typeface="新細明體" panose="02020500000000000000" pitchFamily="18" charset="-120"/>
+              </a:defRPr>
+            </a:lvl7pPr>
+            <a:lvl8pPr marL="3429000" indent="-228600" eaLnBrk="0" fontAlgn="base" hangingPunct="0">
+              <a:spcBef>
+                <a:spcPct val="20000"/>
+              </a:spcBef>
+              <a:spcAft>
+                <a:spcPct val="0"/>
+              </a:spcAft>
+              <a:buChar char="»"/>
+              <a:defRPr kumimoji="1" sz="2000">
+                <a:solidFill>
+                  <a:schemeClr val="tx1"/>
+                </a:solidFill>
+                <a:latin typeface="Arial" panose="020B0604020202020204" pitchFamily="34" charset="0"/>
+                <a:ea typeface="新細明體" panose="02020500000000000000" pitchFamily="18" charset="-120"/>
+              </a:defRPr>
+            </a:lvl8pPr>
+            <a:lvl9pPr marL="3886200" indent="-228600" eaLnBrk="0" fontAlgn="base" hangingPunct="0">
+              <a:spcBef>
+                <a:spcPct val="20000"/>
+              </a:spcBef>
+              <a:spcAft>
+                <a:spcPct val="0"/>
+              </a:spcAft>
+              <a:buChar char="»"/>
+              <a:defRPr kumimoji="1" sz="2000">
+                <a:solidFill>
+                  <a:schemeClr val="tx1"/>
+                </a:solidFill>
+                <a:latin typeface="Arial" panose="020B0604020202020204" pitchFamily="34" charset="0"/>
+                <a:ea typeface="新細明體" panose="02020500000000000000" pitchFamily="18" charset="-120"/>
+              </a:defRPr>
+            </a:lvl9pPr>
+          </a:lstStyle>
+          <a:p>
+            <a:pPr>
+              <a:spcBef>
+                <a:spcPct val="0"/>
+              </a:spcBef>
+              <a:buFontTx/>
+              <a:buNone/>
+            </a:pPr>
+            <a:fld id="{29316ABD-C291-4E8A-B771-0D60D81F2558}" type="slidenum">
+              <a:rPr lang="en-US" altLang="zh-TW" sz="1400"/>
+              <a:pPr>
+                <a:spcBef>
+                  <a:spcPct val="0"/>
+                </a:spcBef>
+                <a:buFontTx/>
+                <a:buNone/>
+              </a:pPr>
+              <a:t>29</a:t>
+            </a:fld>
+            <a:endParaRPr lang="en-US" altLang="zh-TW" sz="1400" dirty="0"/>
+          </a:p>
+        </p:txBody>
+      </p:sp>
+      <p:sp>
+        <p:nvSpPr>
+          <p:cNvPr id="2" name="內容版面配置區 1">
+            <a:extLst>
+              <a:ext uri="{FF2B5EF4-FFF2-40B4-BE49-F238E27FC236}">
+                <a16:creationId xmlns:a16="http://schemas.microsoft.com/office/drawing/2014/main" xmlns="" id="{AC12AE61-73D2-4E21-960F-A55039BBFF01}"/>
+              </a:ext>
+            </a:extLst>
+          </p:cNvPr>
+          <p:cNvSpPr>
+            <a:spLocks noGrp="1"/>
+          </p:cNvSpPr>
+          <p:nvPr>
+            <p:ph idx="1"/>
+          </p:nvPr>
+        </p:nvSpPr>
+        <p:spPr/>
+        <p:txBody>
+          <a:bodyPr/>
+          <a:lstStyle/>
+          <a:p>
+            <a:r>
+              <a:rPr lang="zh-TW" altLang="en-US" dirty="0" smtClean="0">
+                <a:hlinkClick r:id="rId3"/>
+              </a:rPr>
+              <a:t>進階範本</a:t>
+            </a:r>
+            <a:endParaRPr lang="en-US" altLang="zh-TW" dirty="0" smtClean="0"/>
+          </a:p>
+          <a:p>
+            <a:r>
+              <a:rPr lang="en-US" altLang="zh-TW" dirty="0" smtClean="0">
+                <a:hlinkClick r:id="rId4"/>
+              </a:rPr>
+              <a:t>Azure Deployment Manager(Preview)</a:t>
+            </a:r>
+            <a:endParaRPr lang="zh-TW" altLang="en-US" dirty="0"/>
+          </a:p>
+        </p:txBody>
+      </p:sp>
+    </p:spTree>
+    <p:extLst>
+      <p:ext uri="{BB962C8B-B14F-4D97-AF65-F5344CB8AC3E}">
+        <p14:creationId xmlns:p14="http://schemas.microsoft.com/office/powerpoint/2010/main" val="2628179376"/>
       </p:ext>
     </p:extLst>
   </p:cSld>
@@ -14240,7 +18105,7 @@
           <p:cNvPr id="4" name="圖片 3">
             <a:extLst>
               <a:ext uri="{FF2B5EF4-FFF2-40B4-BE49-F238E27FC236}">
-                <a16:creationId xmlns:a16="http://schemas.microsoft.com/office/drawing/2014/main" id="{BE0CBE2A-3145-484C-91F8-E94CBEA00233}"/>
+                <a16:creationId xmlns:a16="http://schemas.microsoft.com/office/drawing/2014/main" xmlns="" id="{BE0CBE2A-3145-484C-91F8-E94CBEA00233}"/>
               </a:ext>
             </a:extLst>
           </p:cNvPr>
@@ -14278,6 +18143,451 @@
 </p:sld>
 </file>
 
+<file path=ppt/slides/slide30.xml><?xml version="1.0" encoding="utf-8"?>
+<p:sld xmlns:a="http://schemas.openxmlformats.org/drawingml/2006/main" xmlns:r="http://schemas.openxmlformats.org/officeDocument/2006/relationships" xmlns:p="http://schemas.openxmlformats.org/presentationml/2006/main">
+  <p:cSld>
+    <p:spTree>
+      <p:nvGrpSpPr>
+        <p:cNvPr id="1" name=""/>
+        <p:cNvGrpSpPr/>
+        <p:nvPr/>
+      </p:nvGrpSpPr>
+      <p:grpSpPr>
+        <a:xfrm>
+          <a:off x="0" y="0"/>
+          <a:ext cx="0" cy="0"/>
+          <a:chOff x="0" y="0"/>
+          <a:chExt cx="0" cy="0"/>
+        </a:xfrm>
+      </p:grpSpPr>
+      <p:sp>
+        <p:nvSpPr>
+          <p:cNvPr id="5122" name="標題 1"/>
+          <p:cNvSpPr>
+            <a:spLocks noGrp="1"/>
+          </p:cNvSpPr>
+          <p:nvPr>
+            <p:ph type="title"/>
+          </p:nvPr>
+        </p:nvSpPr>
+        <p:spPr/>
+        <p:txBody>
+          <a:bodyPr/>
+          <a:lstStyle/>
+          <a:p>
+            <a:r>
+              <a:rPr lang="en-US" altLang="zh-TW" dirty="0">
+                <a:latin typeface="標楷體" panose="03000509000000000000" pitchFamily="65" charset="-120"/>
+                <a:ea typeface="標楷體" panose="03000509000000000000" pitchFamily="65" charset="-120"/>
+              </a:rPr>
+              <a:t>Reference</a:t>
+            </a:r>
+            <a:endParaRPr lang="zh-TW" altLang="en-US" dirty="0">
+              <a:latin typeface="標楷體" panose="03000509000000000000" pitchFamily="65" charset="-120"/>
+              <a:ea typeface="標楷體" panose="03000509000000000000" pitchFamily="65" charset="-120"/>
+            </a:endParaRPr>
+          </a:p>
+        </p:txBody>
+      </p:sp>
+      <p:sp>
+        <p:nvSpPr>
+          <p:cNvPr id="5124" name="投影片編號版面配置區 3"/>
+          <p:cNvSpPr>
+            <a:spLocks noGrp="1"/>
+          </p:cNvSpPr>
+          <p:nvPr>
+            <p:ph type="sldNum" sz="quarter" idx="12"/>
+          </p:nvPr>
+        </p:nvSpPr>
+        <p:spPr>
+          <a:noFill/>
+        </p:spPr>
+        <p:txBody>
+          <a:bodyPr/>
+          <a:lstStyle>
+            <a:lvl1pPr>
+              <a:spcBef>
+                <a:spcPct val="20000"/>
+              </a:spcBef>
+              <a:buChar char="•"/>
+              <a:defRPr kumimoji="1" sz="3200">
+                <a:solidFill>
+                  <a:schemeClr val="tx1"/>
+                </a:solidFill>
+                <a:latin typeface="Arial" panose="020B0604020202020204" pitchFamily="34" charset="0"/>
+                <a:ea typeface="新細明體" panose="02020500000000000000" pitchFamily="18" charset="-120"/>
+              </a:defRPr>
+            </a:lvl1pPr>
+            <a:lvl2pPr marL="742950" indent="-285750">
+              <a:spcBef>
+                <a:spcPct val="20000"/>
+              </a:spcBef>
+              <a:buChar char="–"/>
+              <a:defRPr kumimoji="1" sz="2800">
+                <a:solidFill>
+                  <a:schemeClr val="tx1"/>
+                </a:solidFill>
+                <a:latin typeface="Arial" panose="020B0604020202020204" pitchFamily="34" charset="0"/>
+                <a:ea typeface="新細明體" panose="02020500000000000000" pitchFamily="18" charset="-120"/>
+              </a:defRPr>
+            </a:lvl2pPr>
+            <a:lvl3pPr marL="1143000" indent="-228600">
+              <a:spcBef>
+                <a:spcPct val="20000"/>
+              </a:spcBef>
+              <a:buChar char="•"/>
+              <a:defRPr kumimoji="1" sz="2400">
+                <a:solidFill>
+                  <a:schemeClr val="tx1"/>
+                </a:solidFill>
+                <a:latin typeface="Arial" panose="020B0604020202020204" pitchFamily="34" charset="0"/>
+                <a:ea typeface="新細明體" panose="02020500000000000000" pitchFamily="18" charset="-120"/>
+              </a:defRPr>
+            </a:lvl3pPr>
+            <a:lvl4pPr marL="1600200" indent="-228600">
+              <a:spcBef>
+                <a:spcPct val="20000"/>
+              </a:spcBef>
+              <a:buChar char="–"/>
+              <a:defRPr kumimoji="1" sz="2000">
+                <a:solidFill>
+                  <a:schemeClr val="tx1"/>
+                </a:solidFill>
+                <a:latin typeface="Arial" panose="020B0604020202020204" pitchFamily="34" charset="0"/>
+                <a:ea typeface="新細明體" panose="02020500000000000000" pitchFamily="18" charset="-120"/>
+              </a:defRPr>
+            </a:lvl4pPr>
+            <a:lvl5pPr marL="2057400" indent="-228600">
+              <a:spcBef>
+                <a:spcPct val="20000"/>
+              </a:spcBef>
+              <a:buChar char="»"/>
+              <a:defRPr kumimoji="1" sz="2000">
+                <a:solidFill>
+                  <a:schemeClr val="tx1"/>
+                </a:solidFill>
+                <a:latin typeface="Arial" panose="020B0604020202020204" pitchFamily="34" charset="0"/>
+                <a:ea typeface="新細明體" panose="02020500000000000000" pitchFamily="18" charset="-120"/>
+              </a:defRPr>
+            </a:lvl5pPr>
+            <a:lvl6pPr marL="2514600" indent="-228600" eaLnBrk="0" fontAlgn="base" hangingPunct="0">
+              <a:spcBef>
+                <a:spcPct val="20000"/>
+              </a:spcBef>
+              <a:spcAft>
+                <a:spcPct val="0"/>
+              </a:spcAft>
+              <a:buChar char="»"/>
+              <a:defRPr kumimoji="1" sz="2000">
+                <a:solidFill>
+                  <a:schemeClr val="tx1"/>
+                </a:solidFill>
+                <a:latin typeface="Arial" panose="020B0604020202020204" pitchFamily="34" charset="0"/>
+                <a:ea typeface="新細明體" panose="02020500000000000000" pitchFamily="18" charset="-120"/>
+              </a:defRPr>
+            </a:lvl6pPr>
+            <a:lvl7pPr marL="2971800" indent="-228600" eaLnBrk="0" fontAlgn="base" hangingPunct="0">
+              <a:spcBef>
+                <a:spcPct val="20000"/>
+              </a:spcBef>
+              <a:spcAft>
+                <a:spcPct val="0"/>
+              </a:spcAft>
+              <a:buChar char="»"/>
+              <a:defRPr kumimoji="1" sz="2000">
+                <a:solidFill>
+                  <a:schemeClr val="tx1"/>
+                </a:solidFill>
+                <a:latin typeface="Arial" panose="020B0604020202020204" pitchFamily="34" charset="0"/>
+                <a:ea typeface="新細明體" panose="02020500000000000000" pitchFamily="18" charset="-120"/>
+              </a:defRPr>
+            </a:lvl7pPr>
+            <a:lvl8pPr marL="3429000" indent="-228600" eaLnBrk="0" fontAlgn="base" hangingPunct="0">
+              <a:spcBef>
+                <a:spcPct val="20000"/>
+              </a:spcBef>
+              <a:spcAft>
+                <a:spcPct val="0"/>
+              </a:spcAft>
+              <a:buChar char="»"/>
+              <a:defRPr kumimoji="1" sz="2000">
+                <a:solidFill>
+                  <a:schemeClr val="tx1"/>
+                </a:solidFill>
+                <a:latin typeface="Arial" panose="020B0604020202020204" pitchFamily="34" charset="0"/>
+                <a:ea typeface="新細明體" panose="02020500000000000000" pitchFamily="18" charset="-120"/>
+              </a:defRPr>
+            </a:lvl8pPr>
+            <a:lvl9pPr marL="3886200" indent="-228600" eaLnBrk="0" fontAlgn="base" hangingPunct="0">
+              <a:spcBef>
+                <a:spcPct val="20000"/>
+              </a:spcBef>
+              <a:spcAft>
+                <a:spcPct val="0"/>
+              </a:spcAft>
+              <a:buChar char="»"/>
+              <a:defRPr kumimoji="1" sz="2000">
+                <a:solidFill>
+                  <a:schemeClr val="tx1"/>
+                </a:solidFill>
+                <a:latin typeface="Arial" panose="020B0604020202020204" pitchFamily="34" charset="0"/>
+                <a:ea typeface="新細明體" panose="02020500000000000000" pitchFamily="18" charset="-120"/>
+              </a:defRPr>
+            </a:lvl9pPr>
+          </a:lstStyle>
+          <a:p>
+            <a:pPr>
+              <a:spcBef>
+                <a:spcPct val="0"/>
+              </a:spcBef>
+              <a:buFontTx/>
+              <a:buNone/>
+            </a:pPr>
+            <a:fld id="{29316ABD-C291-4E8A-B771-0D60D81F2558}" type="slidenum">
+              <a:rPr lang="en-US" altLang="zh-TW" sz="1400"/>
+              <a:pPr>
+                <a:spcBef>
+                  <a:spcPct val="0"/>
+                </a:spcBef>
+                <a:buFontTx/>
+                <a:buNone/>
+              </a:pPr>
+              <a:t>30</a:t>
+            </a:fld>
+            <a:endParaRPr lang="en-US" altLang="zh-TW" sz="1400" dirty="0"/>
+          </a:p>
+        </p:txBody>
+      </p:sp>
+      <p:sp>
+        <p:nvSpPr>
+          <p:cNvPr id="2" name="內容版面配置區 1">
+            <a:extLst>
+              <a:ext uri="{FF2B5EF4-FFF2-40B4-BE49-F238E27FC236}">
+                <a16:creationId xmlns:a16="http://schemas.microsoft.com/office/drawing/2014/main" xmlns="" id="{AFE72C19-E064-4B08-83F1-78B2FD05AFCF}"/>
+              </a:ext>
+            </a:extLst>
+          </p:cNvPr>
+          <p:cNvSpPr>
+            <a:spLocks noGrp="1"/>
+          </p:cNvSpPr>
+          <p:nvPr>
+            <p:ph idx="1"/>
+          </p:nvPr>
+        </p:nvSpPr>
+        <p:spPr/>
+        <p:txBody>
+          <a:bodyPr/>
+          <a:lstStyle/>
+          <a:p>
+            <a:r>
+              <a:rPr lang="zh-TW" altLang="en-US" dirty="0">
+                <a:hlinkClick r:id="rId3"/>
+              </a:rPr>
+              <a:t>快速入門：使用 </a:t>
+            </a:r>
+            <a:r>
+              <a:rPr lang="en-US" altLang="zh-TW" dirty="0">
+                <a:hlinkClick r:id="rId3"/>
+              </a:rPr>
+              <a:t>Visual Studio Code </a:t>
+            </a:r>
+            <a:r>
+              <a:rPr lang="zh-TW" altLang="en-US" dirty="0">
+                <a:hlinkClick r:id="rId3"/>
+              </a:rPr>
+              <a:t>建立 </a:t>
+            </a:r>
+            <a:r>
+              <a:rPr lang="en-US" altLang="zh-TW" dirty="0">
+                <a:hlinkClick r:id="rId3"/>
+              </a:rPr>
+              <a:t>Azure Resource Manager </a:t>
+            </a:r>
+            <a:r>
+              <a:rPr lang="zh-TW" altLang="en-US" dirty="0">
+                <a:hlinkClick r:id="rId3"/>
+              </a:rPr>
+              <a:t>範本</a:t>
+            </a:r>
+            <a:endParaRPr lang="en-US" altLang="zh-TW" dirty="0"/>
+          </a:p>
+          <a:p>
+            <a:r>
+              <a:rPr lang="en-US" altLang="zh-TW" dirty="0">
+                <a:hlinkClick r:id="rId4"/>
+              </a:rPr>
+              <a:t>ARM </a:t>
+            </a:r>
+            <a:r>
+              <a:rPr lang="zh-TW" altLang="en-US" dirty="0">
+                <a:hlinkClick r:id="rId4"/>
+              </a:rPr>
+              <a:t>樣本函式</a:t>
+            </a:r>
+            <a:endParaRPr lang="en-US" altLang="zh-TW" dirty="0"/>
+          </a:p>
+          <a:p>
+            <a:r>
+              <a:rPr lang="en-US" altLang="zh-TW" dirty="0">
+                <a:hlinkClick r:id="rId5"/>
+              </a:rPr>
+              <a:t>Azure </a:t>
+            </a:r>
+            <a:r>
+              <a:rPr lang="zh-TW" altLang="en-US" dirty="0">
+                <a:hlinkClick r:id="rId5"/>
+              </a:rPr>
+              <a:t>快速入門範本</a:t>
+            </a:r>
+            <a:endParaRPr lang="en-US" altLang="zh-TW" dirty="0"/>
+          </a:p>
+          <a:p>
+            <a:r>
+              <a:rPr lang="zh-TW" altLang="en-US" dirty="0">
+                <a:hlinkClick r:id="rId6"/>
+              </a:rPr>
+              <a:t>快速入門：使用 </a:t>
+            </a:r>
+            <a:r>
+              <a:rPr lang="en-US" altLang="zh-TW" dirty="0">
+                <a:hlinkClick r:id="rId6"/>
+              </a:rPr>
+              <a:t>Azure </a:t>
+            </a:r>
+            <a:r>
+              <a:rPr lang="zh-TW" altLang="en-US" dirty="0">
+                <a:hlinkClick r:id="rId6"/>
+              </a:rPr>
+              <a:t>入口網站建立及部署 </a:t>
+            </a:r>
+            <a:r>
+              <a:rPr lang="en-US" altLang="zh-TW" dirty="0">
+                <a:hlinkClick r:id="rId6"/>
+              </a:rPr>
+              <a:t>ARM </a:t>
+            </a:r>
+            <a:r>
+              <a:rPr lang="zh-TW" altLang="en-US" dirty="0">
+                <a:hlinkClick r:id="rId6"/>
+              </a:rPr>
+              <a:t>範本</a:t>
+            </a:r>
+            <a:endParaRPr lang="en-US" altLang="zh-TW" dirty="0"/>
+          </a:p>
+          <a:p>
+            <a:r>
+              <a:rPr lang="zh-TW" altLang="en-US" dirty="0">
+                <a:hlinkClick r:id="rId7"/>
+              </a:rPr>
+              <a:t>使用 </a:t>
+            </a:r>
+            <a:r>
+              <a:rPr lang="en-US" altLang="zh-TW" dirty="0">
+                <a:hlinkClick r:id="rId7"/>
+              </a:rPr>
+              <a:t>[</a:t>
+            </a:r>
+            <a:r>
+              <a:rPr lang="zh-TW" altLang="en-US" dirty="0">
+                <a:hlinkClick r:id="rId7"/>
+              </a:rPr>
+              <a:t>部署</a:t>
+            </a:r>
+            <a:r>
+              <a:rPr lang="en-US" altLang="zh-TW" dirty="0">
+                <a:hlinkClick r:id="rId7"/>
+              </a:rPr>
+              <a:t>] </a:t>
+            </a:r>
+            <a:r>
+              <a:rPr lang="zh-TW" altLang="en-US" dirty="0">
+                <a:hlinkClick r:id="rId7"/>
+              </a:rPr>
+              <a:t>按鈕來部署 </a:t>
+            </a:r>
+            <a:r>
+              <a:rPr lang="en-US" altLang="zh-TW" dirty="0">
+                <a:hlinkClick r:id="rId7"/>
+              </a:rPr>
+              <a:t>GitHub </a:t>
+            </a:r>
+            <a:r>
+              <a:rPr lang="zh-TW" altLang="en-US" dirty="0">
+                <a:hlinkClick r:id="rId7"/>
+              </a:rPr>
+              <a:t>存放庫中的</a:t>
+            </a:r>
+            <a:r>
+              <a:rPr lang="zh-TW" altLang="en-US" dirty="0" smtClean="0">
+                <a:hlinkClick r:id="rId7"/>
+              </a:rPr>
+              <a:t>範本</a:t>
+            </a:r>
+            <a:endParaRPr lang="en-US" altLang="zh-TW" dirty="0" smtClean="0"/>
+          </a:p>
+          <a:p>
+            <a:r>
+              <a:rPr lang="en-US" altLang="zh-TW" dirty="0">
+                <a:hlinkClick r:id="rId8"/>
+              </a:rPr>
+              <a:t>Azure Resource Manager </a:t>
+            </a:r>
+            <a:r>
+              <a:rPr lang="zh-TW" altLang="en-US" dirty="0">
+                <a:hlinkClick r:id="rId8"/>
+              </a:rPr>
+              <a:t>部署</a:t>
+            </a:r>
+            <a:r>
+              <a:rPr lang="zh-TW" altLang="en-US" dirty="0" smtClean="0">
+                <a:hlinkClick r:id="rId8"/>
+              </a:rPr>
+              <a:t>模式</a:t>
+            </a:r>
+            <a:endParaRPr lang="en-US" altLang="zh-TW" dirty="0" smtClean="0"/>
+          </a:p>
+          <a:p>
+            <a:r>
+              <a:rPr lang="zh-TW" altLang="en-US" dirty="0" smtClean="0">
+                <a:hlinkClick r:id="rId9"/>
+              </a:rPr>
+              <a:t>限域部屬</a:t>
+            </a:r>
+            <a:r>
+              <a:rPr lang="en-US" altLang="zh-TW" dirty="0" smtClean="0">
+                <a:hlinkClick r:id="rId9"/>
+              </a:rPr>
+              <a:t>(</a:t>
+            </a:r>
+            <a:r>
+              <a:rPr lang="zh-TW" altLang="en-US" dirty="0" smtClean="0">
+                <a:hlinkClick r:id="rId9"/>
+              </a:rPr>
+              <a:t>訂用帳戶、管理群組、管理租用戶</a:t>
+            </a:r>
+            <a:r>
+              <a:rPr lang="en-US" altLang="zh-TW" dirty="0" smtClean="0">
+                <a:hlinkClick r:id="rId9"/>
+              </a:rPr>
+              <a:t>…)</a:t>
+            </a:r>
+            <a:endParaRPr lang="en-US" altLang="zh-TW" dirty="0"/>
+          </a:p>
+        </p:txBody>
+      </p:sp>
+    </p:spTree>
+    <p:extLst>
+      <p:ext uri="{BB962C8B-B14F-4D97-AF65-F5344CB8AC3E}">
+        <p14:creationId xmlns:p14="http://schemas.microsoft.com/office/powerpoint/2010/main" val="2905773117"/>
+      </p:ext>
+    </p:extLst>
+  </p:cSld>
+  <p:clrMapOvr>
+    <a:masterClrMapping/>
+  </p:clrMapOvr>
+</p:sld>
+</file>
+
 <file path=ppt/slides/slide4.xml><?xml version="1.0" encoding="utf-8"?>
 <p:sld xmlns:a="http://schemas.openxmlformats.org/drawingml/2006/main" xmlns:r="http://schemas.openxmlformats.org/officeDocument/2006/relationships" xmlns:p="http://schemas.openxmlformats.org/presentationml/2006/main">
   <p:cSld>
@@ -14435,7 +18745,66 @@
                 <a:latin typeface="標楷體" panose="03000509000000000000" pitchFamily="65" charset="-120"/>
                 <a:ea typeface="標楷體" panose="03000509000000000000" pitchFamily="65" charset="-120"/>
               </a:rPr>
-              <a:t>可測試</a:t>
+              <a:t>可</a:t>
+            </a:r>
+            <a:r>
+              <a:rPr lang="zh-TW" altLang="en-US" sz="2000" dirty="0" smtClean="0">
+                <a:latin typeface="標楷體" panose="03000509000000000000" pitchFamily="65" charset="-120"/>
+                <a:ea typeface="標楷體" panose="03000509000000000000" pitchFamily="65" charset="-120"/>
+              </a:rPr>
+              <a:t>測試</a:t>
+            </a:r>
+            <a:r>
+              <a:rPr lang="en-US" altLang="zh-TW" sz="2000" dirty="0" smtClean="0">
+                <a:latin typeface="標楷體" panose="03000509000000000000" pitchFamily="65" charset="-120"/>
+                <a:ea typeface="標楷體" panose="03000509000000000000" pitchFamily="65" charset="-120"/>
+              </a:rPr>
+              <a:t>(</a:t>
+            </a:r>
+            <a:r>
+              <a:rPr lang="zh-TW" altLang="en-US" sz="2000" dirty="0" smtClean="0">
+                <a:latin typeface="標楷體" panose="03000509000000000000" pitchFamily="65" charset="-120"/>
+                <a:ea typeface="標楷體" panose="03000509000000000000" pitchFamily="65" charset="-120"/>
+              </a:rPr>
+              <a:t>假設部屬</a:t>
+            </a:r>
+            <a:r>
+              <a:rPr lang="en-US" altLang="zh-TW" sz="2000" dirty="0" smtClean="0">
+                <a:latin typeface="標楷體" panose="03000509000000000000" pitchFamily="65" charset="-120"/>
+                <a:ea typeface="標楷體" panose="03000509000000000000" pitchFamily="65" charset="-120"/>
+              </a:rPr>
+              <a:t>)</a:t>
+            </a:r>
+            <a:r>
+              <a:rPr lang="zh-TW" altLang="en-US" sz="2000" dirty="0">
+                <a:latin typeface="標楷體" panose="03000509000000000000" pitchFamily="65" charset="-120"/>
+                <a:ea typeface="標楷體" panose="03000509000000000000" pitchFamily="65" charset="-120"/>
+              </a:rPr>
+              <a:t> </a:t>
+            </a:r>
+            <a:r>
+              <a:rPr lang="en-US" altLang="zh-TW" sz="2000" dirty="0" smtClean="0">
+                <a:latin typeface="標楷體" panose="03000509000000000000" pitchFamily="65" charset="-120"/>
+                <a:ea typeface="標楷體" panose="03000509000000000000" pitchFamily="65" charset="-120"/>
+              </a:rPr>
+              <a:t>(</a:t>
+            </a:r>
+            <a:r>
+              <a:rPr lang="en-US" altLang="zh-TW" sz="2000" dirty="0" smtClean="0">
+                <a:solidFill>
+                  <a:srgbClr val="FF0000"/>
+                </a:solidFill>
+                <a:latin typeface="標楷體" panose="03000509000000000000" pitchFamily="65" charset="-120"/>
+                <a:ea typeface="標楷體" panose="03000509000000000000" pitchFamily="65" charset="-120"/>
+              </a:rPr>
+              <a:t>Preview</a:t>
+            </a:r>
+            <a:r>
+              <a:rPr lang="en-US" altLang="zh-TW" sz="2000" dirty="0" smtClean="0">
+                <a:latin typeface="標楷體" panose="03000509000000000000" pitchFamily="65" charset="-120"/>
+                <a:ea typeface="標楷體" panose="03000509000000000000" pitchFamily="65" charset="-120"/>
+              </a:rPr>
+              <a:t>)</a:t>
             </a:r>
             <a:endParaRPr lang="en-US" altLang="zh-TW" sz="2000" dirty="0">
               <a:latin typeface="標楷體" panose="03000509000000000000" pitchFamily="65" charset="-120"/>
@@ -14664,7 +19033,7 @@
           <p:cNvPr id="5" name="內容版面配置區 2">
             <a:extLst>
               <a:ext uri="{FF2B5EF4-FFF2-40B4-BE49-F238E27FC236}">
-                <a16:creationId xmlns:a16="http://schemas.microsoft.com/office/drawing/2014/main" id="{FAED0E82-29F1-4B71-81C5-ABB65CFC4D56}"/>
+                <a16:creationId xmlns:a16="http://schemas.microsoft.com/office/drawing/2014/main" xmlns="" id="{FAED0E82-29F1-4B71-81C5-ABB65CFC4D56}"/>
               </a:ext>
             </a:extLst>
           </p:cNvPr>
@@ -14675,7 +19044,7 @@
         </p:nvSpPr>
         <p:spPr bwMode="auto">
           <a:xfrm>
-            <a:off x="6102412" y="1601242"/>
+            <a:off x="6061319" y="1601242"/>
             <a:ext cx="5479988" cy="4525963"/>
           </a:xfrm>
           <a:prstGeom prst="rect">
@@ -14874,20 +19243,121 @@
                 <a:latin typeface="標楷體" panose="03000509000000000000" pitchFamily="65" charset="-120"/>
                 <a:ea typeface="標楷體" panose="03000509000000000000" pitchFamily="65" charset="-120"/>
               </a:rPr>
-              <a:t>可分享樣本給他人使用</a:t>
-            </a:r>
+              <a:t>可分享樣本給他人</a:t>
+            </a:r>
+            <a:r>
+              <a:rPr lang="zh-TW" altLang="en-US" sz="2000" kern="0" dirty="0" smtClean="0">
+                <a:latin typeface="標楷體" panose="03000509000000000000" pitchFamily="65" charset="-120"/>
+                <a:ea typeface="標楷體" panose="03000509000000000000" pitchFamily="65" charset="-120"/>
+              </a:rPr>
+              <a:t>使用</a:t>
+            </a:r>
+            <a:endParaRPr lang="en-US" altLang="zh-TW" sz="2000" kern="0" dirty="0" smtClean="0">
+              <a:latin typeface="標楷體" panose="03000509000000000000" pitchFamily="65" charset="-120"/>
+              <a:ea typeface="標楷體" panose="03000509000000000000" pitchFamily="65" charset="-120"/>
+            </a:endParaRPr>
+          </a:p>
+          <a:p>
             <a:endParaRPr lang="en-US" altLang="zh-TW" sz="2000" kern="0" dirty="0">
               <a:latin typeface="標楷體" panose="03000509000000000000" pitchFamily="65" charset="-120"/>
               <a:ea typeface="標楷體" panose="03000509000000000000" pitchFamily="65" charset="-120"/>
             </a:endParaRPr>
           </a:p>
           <a:p>
+            <a:r>
+              <a:rPr lang="zh-TW" altLang="en-US" sz="2000" kern="0" dirty="0" smtClean="0">
+                <a:latin typeface="標楷體" panose="03000509000000000000" pitchFamily="65" charset="-120"/>
+                <a:ea typeface="標楷體" panose="03000509000000000000" pitchFamily="65" charset="-120"/>
+              </a:rPr>
+              <a:t>可傳遞敏感資料</a:t>
+            </a:r>
+            <a:r>
+              <a:rPr lang="en-US" altLang="zh-TW" sz="2000" kern="0" dirty="0" smtClean="0">
+                <a:latin typeface="標楷體" panose="03000509000000000000" pitchFamily="65" charset="-120"/>
+                <a:ea typeface="標楷體" panose="03000509000000000000" pitchFamily="65" charset="-120"/>
+              </a:rPr>
+              <a:t>(</a:t>
+            </a:r>
+            <a:r>
+              <a:rPr lang="zh-TW" altLang="en-US" sz="2000" kern="0" dirty="0" smtClean="0">
+                <a:latin typeface="標楷體" panose="03000509000000000000" pitchFamily="65" charset="-120"/>
+                <a:ea typeface="標楷體" panose="03000509000000000000" pitchFamily="65" charset="-120"/>
+              </a:rPr>
+              <a:t>透過</a:t>
+            </a:r>
+            <a:r>
+              <a:rPr lang="en-US" altLang="zh-TW" sz="2000" kern="0" dirty="0" smtClean="0">
+                <a:latin typeface="標楷體" panose="03000509000000000000" pitchFamily="65" charset="-120"/>
+                <a:ea typeface="標楷體" panose="03000509000000000000" pitchFamily="65" charset="-120"/>
+              </a:rPr>
+              <a:t>Azure</a:t>
+            </a:r>
+            <a:r>
+              <a:rPr lang="zh-TW" altLang="en-US" sz="2000" kern="0" dirty="0" smtClean="0">
+                <a:latin typeface="標楷體" panose="03000509000000000000" pitchFamily="65" charset="-120"/>
+                <a:ea typeface="標楷體" panose="03000509000000000000" pitchFamily="65" charset="-120"/>
+              </a:rPr>
+              <a:t> </a:t>
+            </a:r>
+            <a:r>
+              <a:rPr lang="en-US" altLang="zh-TW" sz="2000" kern="0" dirty="0" err="1" smtClean="0">
+                <a:latin typeface="標楷體" panose="03000509000000000000" pitchFamily="65" charset="-120"/>
+                <a:ea typeface="標楷體" panose="03000509000000000000" pitchFamily="65" charset="-120"/>
+              </a:rPr>
+              <a:t>KeyVault</a:t>
+            </a:r>
+            <a:r>
+              <a:rPr lang="en-US" altLang="zh-TW" sz="2000" kern="0" dirty="0" smtClean="0">
+                <a:latin typeface="標楷體" panose="03000509000000000000" pitchFamily="65" charset="-120"/>
+                <a:ea typeface="標楷體" panose="03000509000000000000" pitchFamily="65" charset="-120"/>
+              </a:rPr>
+              <a:t>)</a:t>
+            </a:r>
             <a:endParaRPr lang="en-US" altLang="zh-TW" sz="2000" kern="0" dirty="0">
               <a:latin typeface="標楷體" panose="03000509000000000000" pitchFamily="65" charset="-120"/>
               <a:ea typeface="標楷體" panose="03000509000000000000" pitchFamily="65" charset="-120"/>
             </a:endParaRPr>
           </a:p>
           <a:p>
+            <a:endParaRPr lang="en-US" altLang="zh-TW" sz="2000" kern="0" dirty="0" smtClean="0">
+              <a:latin typeface="標楷體" panose="03000509000000000000" pitchFamily="65" charset="-120"/>
+              <a:ea typeface="標楷體" panose="03000509000000000000" pitchFamily="65" charset="-120"/>
+            </a:endParaRPr>
+          </a:p>
+          <a:p>
+            <a:r>
+              <a:rPr lang="zh-TW" altLang="en-US" sz="2000" kern="0" dirty="0" smtClean="0">
+                <a:latin typeface="標楷體" panose="03000509000000000000" pitchFamily="65" charset="-120"/>
+                <a:ea typeface="標楷體" panose="03000509000000000000" pitchFamily="65" charset="-120"/>
+              </a:rPr>
+              <a:t>錯誤時重新部屬</a:t>
+            </a:r>
+            <a:endParaRPr lang="en-US" altLang="zh-TW" sz="2000" kern="0" dirty="0">
+              <a:latin typeface="標楷體" panose="03000509000000000000" pitchFamily="65" charset="-120"/>
+              <a:ea typeface="標楷體" panose="03000509000000000000" pitchFamily="65" charset="-120"/>
+            </a:endParaRPr>
+          </a:p>
+          <a:p>
+            <a:endParaRPr lang="en-US" altLang="zh-TW" sz="2000" kern="0" dirty="0">
+              <a:latin typeface="標楷體" panose="03000509000000000000" pitchFamily="65" charset="-120"/>
+              <a:ea typeface="標楷體" panose="03000509000000000000" pitchFamily="65" charset="-120"/>
+            </a:endParaRPr>
+          </a:p>
+          <a:p>
+            <a:r>
+              <a:rPr lang="zh-TW" altLang="en-US" sz="2000" kern="0" dirty="0">
+                <a:latin typeface="標楷體" panose="03000509000000000000" pitchFamily="65" charset="-120"/>
+                <a:ea typeface="標楷體" panose="03000509000000000000" pitchFamily="65" charset="-120"/>
+              </a:rPr>
+              <a:t>範本大小限制為 </a:t>
+            </a:r>
+            <a:r>
+              <a:rPr lang="en-US" altLang="zh-TW" sz="2000" kern="0" dirty="0">
+                <a:latin typeface="標楷體" panose="03000509000000000000" pitchFamily="65" charset="-120"/>
+                <a:ea typeface="標楷體" panose="03000509000000000000" pitchFamily="65" charset="-120"/>
+              </a:rPr>
+              <a:t>4 MB</a:t>
+            </a:r>
             <a:endParaRPr lang="en-US" altLang="zh-TW" sz="2000" kern="0" dirty="0">
               <a:latin typeface="標楷體" panose="03000509000000000000" pitchFamily="65" charset="-120"/>
               <a:ea typeface="標楷體" panose="03000509000000000000" pitchFamily="65" charset="-120"/>
@@ -15473,7 +19943,7 @@
           <p:cNvPr id="2" name="內容版面配置區 1">
             <a:extLst>
               <a:ext uri="{FF2B5EF4-FFF2-40B4-BE49-F238E27FC236}">
-                <a16:creationId xmlns:a16="http://schemas.microsoft.com/office/drawing/2014/main" id="{AC12AE61-73D2-4E21-960F-A55039BBFF01}"/>
+                <a16:creationId xmlns:a16="http://schemas.microsoft.com/office/drawing/2014/main" xmlns="" id="{AC12AE61-73D2-4E21-960F-A55039BBFF01}"/>
               </a:ext>
             </a:extLst>
           </p:cNvPr>
@@ -15798,7 +20268,7 @@
           <p:cNvPr id="4098" name="Picture 2" descr="安裝視覺化工作室代碼資源管理器工具擴展">
             <a:extLst>
               <a:ext uri="{FF2B5EF4-FFF2-40B4-BE49-F238E27FC236}">
-                <a16:creationId xmlns:a16="http://schemas.microsoft.com/office/drawing/2014/main" id="{5B975159-B5A3-4488-80D1-554EB6F2D211}"/>
+                <a16:creationId xmlns:a16="http://schemas.microsoft.com/office/drawing/2014/main" xmlns="" id="{5B975159-B5A3-4488-80D1-554EB6F2D211}"/>
               </a:ext>
             </a:extLst>
           </p:cNvPr>
@@ -15904,7 +20374,7 @@
           <p:cNvPr id="4" name="內容版面配置區 3">
             <a:extLst>
               <a:ext uri="{FF2B5EF4-FFF2-40B4-BE49-F238E27FC236}">
-                <a16:creationId xmlns:a16="http://schemas.microsoft.com/office/drawing/2014/main" id="{EA469C38-365F-45F6-B327-6D5051369DDF}"/>
+                <a16:creationId xmlns:a16="http://schemas.microsoft.com/office/drawing/2014/main" xmlns="" id="{EA469C38-365F-45F6-B327-6D5051369DDF}"/>
               </a:ext>
             </a:extLst>
           </p:cNvPr>
@@ -16164,7 +20634,7 @@
           <p:cNvPr id="4" name="內容版面配置區 3">
             <a:extLst>
               <a:ext uri="{FF2B5EF4-FFF2-40B4-BE49-F238E27FC236}">
-                <a16:creationId xmlns:a16="http://schemas.microsoft.com/office/drawing/2014/main" id="{EA469C38-365F-45F6-B327-6D5051369DDF}"/>
+                <a16:creationId xmlns:a16="http://schemas.microsoft.com/office/drawing/2014/main" xmlns="" id="{EA469C38-365F-45F6-B327-6D5051369DDF}"/>
               </a:ext>
             </a:extLst>
           </p:cNvPr>
@@ -16372,7 +20842,7 @@
           <p:cNvPr id="2" name="表格 2">
             <a:extLst>
               <a:ext uri="{FF2B5EF4-FFF2-40B4-BE49-F238E27FC236}">
-                <a16:creationId xmlns:a16="http://schemas.microsoft.com/office/drawing/2014/main" id="{7051D859-065D-4BE2-BCA4-DA9802209C80}"/>
+                <a16:creationId xmlns:a16="http://schemas.microsoft.com/office/drawing/2014/main" xmlns="" id="{7051D859-065D-4BE2-BCA4-DA9802209C80}"/>
               </a:ext>
             </a:extLst>
           </p:cNvPr>
@@ -16401,7 +20871,7 @@
                 <a:gridCol w="10585176">
                   <a:extLst>
                     <a:ext uri="{9D8B030D-6E8A-4147-A177-3AD203B41FA5}">
-                      <a16:colId xmlns:a16="http://schemas.microsoft.com/office/drawing/2014/main" val="925267753"/>
+                      <a16:colId xmlns:a16="http://schemas.microsoft.com/office/drawing/2014/main" xmlns="" val="925267753"/>
                     </a:ext>
                   </a:extLst>
                 </a:gridCol>
@@ -16740,7 +21210,7 @@
                 </a:tc>
                 <a:extLst>
                   <a:ext uri="{0D108BD9-81ED-4DB2-BD59-A6C34878D82A}">
-                    <a16:rowId xmlns:a16="http://schemas.microsoft.com/office/drawing/2014/main" val="956556069"/>
+                    <a16:rowId xmlns:a16="http://schemas.microsoft.com/office/drawing/2014/main" xmlns="" val="956556069"/>
                   </a:ext>
                 </a:extLst>
               </a:tr>
@@ -16753,7 +21223,7 @@
           <p:cNvPr id="5" name="圖片 4">
             <a:extLst>
               <a:ext uri="{FF2B5EF4-FFF2-40B4-BE49-F238E27FC236}">
-                <a16:creationId xmlns:a16="http://schemas.microsoft.com/office/drawing/2014/main" id="{45BB4811-C4D0-4BA1-A195-CDFA29CEA770}"/>
+                <a16:creationId xmlns:a16="http://schemas.microsoft.com/office/drawing/2014/main" xmlns="" id="{45BB4811-C4D0-4BA1-A195-CDFA29CEA770}"/>
               </a:ext>
             </a:extLst>
           </p:cNvPr>
@@ -18803,6 +23273,15 @@
 </file>
 
 <file path=customXml/item1.xml><?xml version="1.0" encoding="utf-8"?>
+<?mso-contentType ?>
+<FormTemplates xmlns="http://schemas.microsoft.com/sharepoint/v3/contenttype/forms">
+  <Display>DocumentLibraryForm</Display>
+  <Edit>DocumentLibraryForm</Edit>
+  <New>DocumentLibraryForm</New>
+</FormTemplates>
+</file>
+
+<file path=customXml/item2.xml><?xml version="1.0" encoding="utf-8"?>
 <ct:contentTypeSchema xmlns:ct="http://schemas.microsoft.com/office/2006/metadata/contentType" xmlns:ma="http://schemas.microsoft.com/office/2006/metadata/properties/metaAttributes" ct:_="" ma:_="" ma:contentTypeName="文件" ma:contentTypeID="0x010100C50C8F470990C84D8BED895C5E05B4E3" ma:contentTypeVersion="8" ma:contentTypeDescription="建立新的文件。" ma:contentTypeScope="" ma:versionID="d48040bb310774dcfb8f0bff109ecf2b">
   <xsd:schema xmlns:xsd="http://www.w3.org/2001/XMLSchema" xmlns:xs="http://www.w3.org/2001/XMLSchema" xmlns:p="http://schemas.microsoft.com/office/2006/metadata/properties" xmlns:ns2="c2b29fc5-4860-4f2a-a026-ada45673cf9c" targetNamespace="http://schemas.microsoft.com/office/2006/metadata/properties" ma:root="true" ma:fieldsID="4c69f3e6bc8ffb21720de403ea81add7" ns2:_="">
     <xsd:import namespace="c2b29fc5-4860-4f2a-a026-ada45673cf9c"/>
@@ -18972,15 +23451,6 @@
 </ct:contentTypeSchema>
 </file>
 
-<file path=customXml/item2.xml><?xml version="1.0" encoding="utf-8"?>
-<?mso-contentType ?>
-<FormTemplates xmlns="http://schemas.microsoft.com/sharepoint/v3/contenttype/forms">
-  <Display>DocumentLibraryForm</Display>
-  <Edit>DocumentLibraryForm</Edit>
-  <New>DocumentLibraryForm</New>
-</FormTemplates>
-</file>
-
 <file path=customXml/item3.xml><?xml version="1.0" encoding="utf-8"?>
 <p:properties xmlns:p="http://schemas.microsoft.com/office/2006/metadata/properties" xmlns:xsi="http://www.w3.org/2001/XMLSchema-instance" xmlns:pc="http://schemas.microsoft.com/office/infopath/2007/PartnerControls">
   <documentManagement/>
@@ -18988,6 +23458,14 @@
 </file>
 
 <file path=customXml/itemProps1.xml><?xml version="1.0" encoding="utf-8"?>
+<ds:datastoreItem xmlns:ds="http://schemas.openxmlformats.org/officeDocument/2006/customXml" ds:itemID="{777CE3D6-4BB3-4091-9F23-8650A49951DB}">
+  <ds:schemaRefs>
+    <ds:schemaRef ds:uri="http://schemas.microsoft.com/sharepoint/v3/contenttype/forms"/>
+  </ds:schemaRefs>
+</ds:datastoreItem>
+</file>
+
+<file path=customXml/itemProps2.xml><?xml version="1.0" encoding="utf-8"?>
 <ds:datastoreItem xmlns:ds="http://schemas.openxmlformats.org/officeDocument/2006/customXml" ds:itemID="{7EF0FB93-0D27-4C4A-B92F-2915D01FB407}">
   <ds:schemaRefs>
     <ds:schemaRef ds:uri="http://schemas.microsoft.com/office/2006/metadata/contentType"/>
@@ -19001,14 +23479,6 @@
     <ds:schemaRef ds:uri="http://purl.org/dc/elements/1.1/"/>
     <ds:schemaRef ds:uri="http://purl.org/dc/terms/"/>
     <ds:schemaRef ds:uri="http://schemas.microsoft.com/internal/obd"/>
-  </ds:schemaRefs>
-</ds:datastoreItem>
-</file>
-
-<file path=customXml/itemProps2.xml><?xml version="1.0" encoding="utf-8"?>
-<ds:datastoreItem xmlns:ds="http://schemas.openxmlformats.org/officeDocument/2006/customXml" ds:itemID="{777CE3D6-4BB3-4091-9F23-8650A49951DB}">
-  <ds:schemaRefs>
-    <ds:schemaRef ds:uri="http://schemas.microsoft.com/sharepoint/v3/contenttype/forms"/>
   </ds:schemaRefs>
 </ds:datastoreItem>
 </file>
